--- a/Présentation étude de faille CVE 2017-12635 ET 12636.pptx
+++ b/Présentation étude de faille CVE 2017-12635 ET 12636.pptx
@@ -5,10 +5,10 @@
     <p:sldMasterId id="2147483669" r:id="rId1"/>
   </p:sldMasterIdLst>
   <p:notesMasterIdLst>
-    <p:notesMasterId r:id="rId12"/>
+    <p:notesMasterId r:id="rId15"/>
   </p:notesMasterIdLst>
   <p:handoutMasterIdLst>
-    <p:handoutMasterId r:id="rId13"/>
+    <p:handoutMasterId r:id="rId16"/>
   </p:handoutMasterIdLst>
   <p:sldIdLst>
     <p:sldId id="256" r:id="rId2"/>
@@ -21,6 +21,9 @@
     <p:sldId id="269" r:id="rId9"/>
     <p:sldId id="270" r:id="rId10"/>
     <p:sldId id="257" r:id="rId11"/>
+    <p:sldId id="272" r:id="rId12"/>
+    <p:sldId id="273" r:id="rId13"/>
+    <p:sldId id="274" r:id="rId14"/>
   </p:sldIdLst>
   <p:sldSz cx="12192000" cy="6858000"/>
   <p:notesSz cx="6858000" cy="9144000"/>
@@ -878,6 +881,753 @@
 </file>
 
 <file path=ppt/diagrams/colors2.xml><?xml version="1.0" encoding="utf-8"?>
+<dgm:colorsDef xmlns:dgm="http://schemas.openxmlformats.org/drawingml/2006/diagram" xmlns:a="http://schemas.openxmlformats.org/drawingml/2006/main" uniqueId="urn:microsoft.com/office/officeart/2005/8/colors/accent1_2">
+  <dgm:title val=""/>
+  <dgm:desc val=""/>
+  <dgm:catLst>
+    <dgm:cat type="accent1" pri="11200"/>
+  </dgm:catLst>
+  <dgm:styleLbl name="node0">
+    <dgm:fillClrLst meth="repeat">
+      <a:schemeClr val="accent1"/>
+    </dgm:fillClrLst>
+    <dgm:linClrLst meth="repeat">
+      <a:schemeClr val="lt1"/>
+    </dgm:linClrLst>
+    <dgm:effectClrLst/>
+    <dgm:txLinClrLst/>
+    <dgm:txFillClrLst/>
+    <dgm:txEffectClrLst/>
+  </dgm:styleLbl>
+  <dgm:styleLbl name="alignNode1">
+    <dgm:fillClrLst meth="repeat">
+      <a:schemeClr val="accent1"/>
+    </dgm:fillClrLst>
+    <dgm:linClrLst meth="repeat">
+      <a:schemeClr val="accent1"/>
+    </dgm:linClrLst>
+    <dgm:effectClrLst/>
+    <dgm:txLinClrLst/>
+    <dgm:txFillClrLst/>
+    <dgm:txEffectClrLst/>
+  </dgm:styleLbl>
+  <dgm:styleLbl name="node1">
+    <dgm:fillClrLst meth="repeat">
+      <a:schemeClr val="accent1"/>
+    </dgm:fillClrLst>
+    <dgm:linClrLst meth="repeat">
+      <a:schemeClr val="lt1"/>
+    </dgm:linClrLst>
+    <dgm:effectClrLst/>
+    <dgm:txLinClrLst/>
+    <dgm:txFillClrLst/>
+    <dgm:txEffectClrLst/>
+  </dgm:styleLbl>
+  <dgm:styleLbl name="lnNode1">
+    <dgm:fillClrLst meth="repeat">
+      <a:schemeClr val="accent1"/>
+    </dgm:fillClrLst>
+    <dgm:linClrLst meth="repeat">
+      <a:schemeClr val="lt1"/>
+    </dgm:linClrLst>
+    <dgm:effectClrLst/>
+    <dgm:txLinClrLst/>
+    <dgm:txFillClrLst/>
+    <dgm:txEffectClrLst/>
+  </dgm:styleLbl>
+  <dgm:styleLbl name="vennNode1">
+    <dgm:fillClrLst meth="repeat">
+      <a:schemeClr val="accent1">
+        <a:alpha val="50000"/>
+      </a:schemeClr>
+    </dgm:fillClrLst>
+    <dgm:linClrLst meth="repeat">
+      <a:schemeClr val="lt1"/>
+    </dgm:linClrLst>
+    <dgm:effectClrLst/>
+    <dgm:txLinClrLst/>
+    <dgm:txFillClrLst/>
+    <dgm:txEffectClrLst/>
+  </dgm:styleLbl>
+  <dgm:styleLbl name="node2">
+    <dgm:fillClrLst meth="repeat">
+      <a:schemeClr val="accent1"/>
+    </dgm:fillClrLst>
+    <dgm:linClrLst meth="repeat">
+      <a:schemeClr val="lt1"/>
+    </dgm:linClrLst>
+    <dgm:effectClrLst/>
+    <dgm:txLinClrLst/>
+    <dgm:txFillClrLst/>
+    <dgm:txEffectClrLst/>
+  </dgm:styleLbl>
+  <dgm:styleLbl name="node3">
+    <dgm:fillClrLst meth="repeat">
+      <a:schemeClr val="accent1"/>
+    </dgm:fillClrLst>
+    <dgm:linClrLst meth="repeat">
+      <a:schemeClr val="lt1"/>
+    </dgm:linClrLst>
+    <dgm:effectClrLst/>
+    <dgm:txLinClrLst/>
+    <dgm:txFillClrLst/>
+    <dgm:txEffectClrLst/>
+  </dgm:styleLbl>
+  <dgm:styleLbl name="node4">
+    <dgm:fillClrLst meth="repeat">
+      <a:schemeClr val="accent1"/>
+    </dgm:fillClrLst>
+    <dgm:linClrLst meth="repeat">
+      <a:schemeClr val="lt1"/>
+    </dgm:linClrLst>
+    <dgm:effectClrLst/>
+    <dgm:txLinClrLst/>
+    <dgm:txFillClrLst/>
+    <dgm:txEffectClrLst/>
+  </dgm:styleLbl>
+  <dgm:styleLbl name="fgImgPlace1">
+    <dgm:fillClrLst meth="repeat">
+      <a:schemeClr val="accent1">
+        <a:tint val="50000"/>
+      </a:schemeClr>
+    </dgm:fillClrLst>
+    <dgm:linClrLst meth="repeat">
+      <a:schemeClr val="lt1"/>
+    </dgm:linClrLst>
+    <dgm:effectClrLst/>
+    <dgm:txLinClrLst/>
+    <dgm:txFillClrLst meth="repeat">
+      <a:schemeClr val="lt1"/>
+    </dgm:txFillClrLst>
+    <dgm:txEffectClrLst/>
+  </dgm:styleLbl>
+  <dgm:styleLbl name="alignImgPlace1">
+    <dgm:fillClrLst meth="repeat">
+      <a:schemeClr val="accent1">
+        <a:tint val="50000"/>
+      </a:schemeClr>
+    </dgm:fillClrLst>
+    <dgm:linClrLst meth="repeat">
+      <a:schemeClr val="lt1"/>
+    </dgm:linClrLst>
+    <dgm:effectClrLst/>
+    <dgm:txLinClrLst/>
+    <dgm:txFillClrLst meth="repeat">
+      <a:schemeClr val="lt1"/>
+    </dgm:txFillClrLst>
+    <dgm:txEffectClrLst/>
+  </dgm:styleLbl>
+  <dgm:styleLbl name="bgImgPlace1">
+    <dgm:fillClrLst meth="repeat">
+      <a:schemeClr val="accent1">
+        <a:tint val="50000"/>
+      </a:schemeClr>
+    </dgm:fillClrLst>
+    <dgm:linClrLst meth="repeat">
+      <a:schemeClr val="lt1"/>
+    </dgm:linClrLst>
+    <dgm:effectClrLst/>
+    <dgm:txLinClrLst/>
+    <dgm:txFillClrLst meth="repeat">
+      <a:schemeClr val="lt1"/>
+    </dgm:txFillClrLst>
+    <dgm:txEffectClrLst/>
+  </dgm:styleLbl>
+  <dgm:styleLbl name="sibTrans2D1">
+    <dgm:fillClrLst meth="repeat">
+      <a:schemeClr val="accent1">
+        <a:tint val="60000"/>
+      </a:schemeClr>
+    </dgm:fillClrLst>
+    <dgm:linClrLst meth="repeat">
+      <a:schemeClr val="accent1">
+        <a:tint val="60000"/>
+      </a:schemeClr>
+    </dgm:linClrLst>
+    <dgm:effectClrLst/>
+    <dgm:txLinClrLst/>
+    <dgm:txFillClrLst/>
+    <dgm:txEffectClrLst/>
+  </dgm:styleLbl>
+  <dgm:styleLbl name="fgSibTrans2D1">
+    <dgm:fillClrLst meth="repeat">
+      <a:schemeClr val="accent1">
+        <a:tint val="60000"/>
+      </a:schemeClr>
+    </dgm:fillClrLst>
+    <dgm:linClrLst meth="repeat">
+      <a:schemeClr val="accent1">
+        <a:tint val="60000"/>
+      </a:schemeClr>
+    </dgm:linClrLst>
+    <dgm:effectClrLst/>
+    <dgm:txLinClrLst/>
+    <dgm:txFillClrLst/>
+    <dgm:txEffectClrLst/>
+  </dgm:styleLbl>
+  <dgm:styleLbl name="bgSibTrans2D1">
+    <dgm:fillClrLst meth="repeat">
+      <a:schemeClr val="accent1">
+        <a:tint val="60000"/>
+      </a:schemeClr>
+    </dgm:fillClrLst>
+    <dgm:linClrLst meth="repeat">
+      <a:schemeClr val="accent1">
+        <a:tint val="60000"/>
+      </a:schemeClr>
+    </dgm:linClrLst>
+    <dgm:effectClrLst/>
+    <dgm:txLinClrLst/>
+    <dgm:txFillClrLst/>
+    <dgm:txEffectClrLst/>
+  </dgm:styleLbl>
+  <dgm:styleLbl name="sibTrans1D1">
+    <dgm:fillClrLst meth="repeat">
+      <a:schemeClr val="accent1"/>
+    </dgm:fillClrLst>
+    <dgm:linClrLst meth="repeat">
+      <a:schemeClr val="accent1"/>
+    </dgm:linClrLst>
+    <dgm:effectClrLst/>
+    <dgm:txLinClrLst/>
+    <dgm:txFillClrLst meth="repeat">
+      <a:schemeClr val="tx1"/>
+    </dgm:txFillClrLst>
+    <dgm:txEffectClrLst/>
+  </dgm:styleLbl>
+  <dgm:styleLbl name="callout">
+    <dgm:fillClrLst meth="repeat">
+      <a:schemeClr val="accent1"/>
+    </dgm:fillClrLst>
+    <dgm:linClrLst meth="repeat">
+      <a:schemeClr val="accent1">
+        <a:tint val="50000"/>
+      </a:schemeClr>
+    </dgm:linClrLst>
+    <dgm:effectClrLst/>
+    <dgm:txLinClrLst/>
+    <dgm:txFillClrLst meth="repeat">
+      <a:schemeClr val="tx1"/>
+    </dgm:txFillClrLst>
+    <dgm:txEffectClrLst/>
+  </dgm:styleLbl>
+  <dgm:styleLbl name="asst0">
+    <dgm:fillClrLst meth="repeat">
+      <a:schemeClr val="accent1"/>
+    </dgm:fillClrLst>
+    <dgm:linClrLst meth="repeat">
+      <a:schemeClr val="lt1"/>
+    </dgm:linClrLst>
+    <dgm:effectClrLst/>
+    <dgm:txLinClrLst/>
+    <dgm:txFillClrLst/>
+    <dgm:txEffectClrLst/>
+  </dgm:styleLbl>
+  <dgm:styleLbl name="asst1">
+    <dgm:fillClrLst meth="repeat">
+      <a:schemeClr val="accent1"/>
+    </dgm:fillClrLst>
+    <dgm:linClrLst meth="repeat">
+      <a:schemeClr val="lt1"/>
+    </dgm:linClrLst>
+    <dgm:effectClrLst/>
+    <dgm:txLinClrLst/>
+    <dgm:txFillClrLst/>
+    <dgm:txEffectClrLst/>
+  </dgm:styleLbl>
+  <dgm:styleLbl name="asst2">
+    <dgm:fillClrLst meth="repeat">
+      <a:schemeClr val="accent1"/>
+    </dgm:fillClrLst>
+    <dgm:linClrLst meth="repeat">
+      <a:schemeClr val="lt1"/>
+    </dgm:linClrLst>
+    <dgm:effectClrLst/>
+    <dgm:txLinClrLst/>
+    <dgm:txFillClrLst/>
+    <dgm:txEffectClrLst/>
+  </dgm:styleLbl>
+  <dgm:styleLbl name="asst3">
+    <dgm:fillClrLst meth="repeat">
+      <a:schemeClr val="accent1"/>
+    </dgm:fillClrLst>
+    <dgm:linClrLst meth="repeat">
+      <a:schemeClr val="lt1"/>
+    </dgm:linClrLst>
+    <dgm:effectClrLst/>
+    <dgm:txLinClrLst/>
+    <dgm:txFillClrLst/>
+    <dgm:txEffectClrLst/>
+  </dgm:styleLbl>
+  <dgm:styleLbl name="asst4">
+    <dgm:fillClrLst meth="repeat">
+      <a:schemeClr val="accent1"/>
+    </dgm:fillClrLst>
+    <dgm:linClrLst meth="repeat">
+      <a:schemeClr val="lt1"/>
+    </dgm:linClrLst>
+    <dgm:effectClrLst/>
+    <dgm:txLinClrLst/>
+    <dgm:txFillClrLst/>
+    <dgm:txEffectClrLst/>
+  </dgm:styleLbl>
+  <dgm:styleLbl name="parChTrans2D1">
+    <dgm:fillClrLst meth="repeat">
+      <a:schemeClr val="accent1">
+        <a:tint val="60000"/>
+      </a:schemeClr>
+    </dgm:fillClrLst>
+    <dgm:linClrLst meth="repeat">
+      <a:schemeClr val="accent1">
+        <a:tint val="60000"/>
+      </a:schemeClr>
+    </dgm:linClrLst>
+    <dgm:effectClrLst/>
+    <dgm:txLinClrLst/>
+    <dgm:txFillClrLst meth="repeat">
+      <a:schemeClr val="lt1"/>
+    </dgm:txFillClrLst>
+    <dgm:txEffectClrLst/>
+  </dgm:styleLbl>
+  <dgm:styleLbl name="parChTrans2D2">
+    <dgm:fillClrLst meth="repeat">
+      <a:schemeClr val="accent1"/>
+    </dgm:fillClrLst>
+    <dgm:linClrLst meth="repeat">
+      <a:schemeClr val="accent1"/>
+    </dgm:linClrLst>
+    <dgm:effectClrLst/>
+    <dgm:txLinClrLst/>
+    <dgm:txFillClrLst meth="repeat">
+      <a:schemeClr val="lt1"/>
+    </dgm:txFillClrLst>
+    <dgm:txEffectClrLst/>
+  </dgm:styleLbl>
+  <dgm:styleLbl name="parChTrans2D3">
+    <dgm:fillClrLst meth="repeat">
+      <a:schemeClr val="accent1"/>
+    </dgm:fillClrLst>
+    <dgm:linClrLst meth="repeat">
+      <a:schemeClr val="accent1"/>
+    </dgm:linClrLst>
+    <dgm:effectClrLst/>
+    <dgm:txLinClrLst/>
+    <dgm:txFillClrLst meth="repeat">
+      <a:schemeClr val="lt1"/>
+    </dgm:txFillClrLst>
+    <dgm:txEffectClrLst/>
+  </dgm:styleLbl>
+  <dgm:styleLbl name="parChTrans2D4">
+    <dgm:fillClrLst meth="repeat">
+      <a:schemeClr val="accent1"/>
+    </dgm:fillClrLst>
+    <dgm:linClrLst meth="repeat">
+      <a:schemeClr val="accent1"/>
+    </dgm:linClrLst>
+    <dgm:effectClrLst/>
+    <dgm:txLinClrLst/>
+    <dgm:txFillClrLst meth="repeat">
+      <a:schemeClr val="lt1"/>
+    </dgm:txFillClrLst>
+    <dgm:txEffectClrLst/>
+  </dgm:styleLbl>
+  <dgm:styleLbl name="parChTrans1D1">
+    <dgm:fillClrLst meth="repeat">
+      <a:schemeClr val="accent1"/>
+    </dgm:fillClrLst>
+    <dgm:linClrLst meth="repeat">
+      <a:schemeClr val="accent1">
+        <a:shade val="60000"/>
+      </a:schemeClr>
+    </dgm:linClrLst>
+    <dgm:effectClrLst/>
+    <dgm:txLinClrLst/>
+    <dgm:txFillClrLst meth="repeat">
+      <a:schemeClr val="tx1"/>
+    </dgm:txFillClrLst>
+    <dgm:txEffectClrLst/>
+  </dgm:styleLbl>
+  <dgm:styleLbl name="parChTrans1D2">
+    <dgm:fillClrLst meth="repeat">
+      <a:schemeClr val="accent1"/>
+    </dgm:fillClrLst>
+    <dgm:linClrLst meth="repeat">
+      <a:schemeClr val="accent1">
+        <a:shade val="60000"/>
+      </a:schemeClr>
+    </dgm:linClrLst>
+    <dgm:effectClrLst/>
+    <dgm:txLinClrLst/>
+    <dgm:txFillClrLst meth="repeat">
+      <a:schemeClr val="tx1"/>
+    </dgm:txFillClrLst>
+    <dgm:txEffectClrLst/>
+  </dgm:styleLbl>
+  <dgm:styleLbl name="parChTrans1D3">
+    <dgm:fillClrLst meth="repeat">
+      <a:schemeClr val="accent1"/>
+    </dgm:fillClrLst>
+    <dgm:linClrLst meth="repeat">
+      <a:schemeClr val="accent1">
+        <a:shade val="80000"/>
+      </a:schemeClr>
+    </dgm:linClrLst>
+    <dgm:effectClrLst/>
+    <dgm:txLinClrLst/>
+    <dgm:txFillClrLst meth="repeat">
+      <a:schemeClr val="tx1"/>
+    </dgm:txFillClrLst>
+    <dgm:txEffectClrLst/>
+  </dgm:styleLbl>
+  <dgm:styleLbl name="parChTrans1D4">
+    <dgm:fillClrLst meth="repeat">
+      <a:schemeClr val="accent1"/>
+    </dgm:fillClrLst>
+    <dgm:linClrLst meth="repeat">
+      <a:schemeClr val="accent1">
+        <a:shade val="80000"/>
+      </a:schemeClr>
+    </dgm:linClrLst>
+    <dgm:effectClrLst/>
+    <dgm:txLinClrLst/>
+    <dgm:txFillClrLst meth="repeat">
+      <a:schemeClr val="tx1"/>
+    </dgm:txFillClrLst>
+    <dgm:txEffectClrLst/>
+  </dgm:styleLbl>
+  <dgm:styleLbl name="fgAcc1">
+    <dgm:fillClrLst meth="repeat">
+      <a:schemeClr val="lt1">
+        <a:alpha val="90000"/>
+      </a:schemeClr>
+    </dgm:fillClrLst>
+    <dgm:linClrLst meth="repeat">
+      <a:schemeClr val="accent1"/>
+    </dgm:linClrLst>
+    <dgm:effectClrLst/>
+    <dgm:txLinClrLst/>
+    <dgm:txFillClrLst meth="repeat">
+      <a:schemeClr val="dk1"/>
+    </dgm:txFillClrLst>
+    <dgm:txEffectClrLst/>
+  </dgm:styleLbl>
+  <dgm:styleLbl name="conFgAcc1">
+    <dgm:fillClrLst meth="repeat">
+      <a:schemeClr val="lt1">
+        <a:alpha val="90000"/>
+      </a:schemeClr>
+    </dgm:fillClrLst>
+    <dgm:linClrLst meth="repeat">
+      <a:schemeClr val="accent1"/>
+    </dgm:linClrLst>
+    <dgm:effectClrLst/>
+    <dgm:txLinClrLst/>
+    <dgm:txFillClrLst meth="repeat">
+      <a:schemeClr val="dk1"/>
+    </dgm:txFillClrLst>
+    <dgm:txEffectClrLst/>
+  </dgm:styleLbl>
+  <dgm:styleLbl name="alignAcc1">
+    <dgm:fillClrLst meth="repeat">
+      <a:schemeClr val="lt1">
+        <a:alpha val="90000"/>
+      </a:schemeClr>
+    </dgm:fillClrLst>
+    <dgm:linClrLst meth="repeat">
+      <a:schemeClr val="accent1"/>
+    </dgm:linClrLst>
+    <dgm:effectClrLst/>
+    <dgm:txLinClrLst/>
+    <dgm:txFillClrLst meth="repeat">
+      <a:schemeClr val="dk1"/>
+    </dgm:txFillClrLst>
+    <dgm:txEffectClrLst/>
+  </dgm:styleLbl>
+  <dgm:styleLbl name="trAlignAcc1">
+    <dgm:fillClrLst meth="repeat">
+      <a:schemeClr val="lt1">
+        <a:alpha val="40000"/>
+      </a:schemeClr>
+    </dgm:fillClrLst>
+    <dgm:linClrLst meth="repeat">
+      <a:schemeClr val="accent1"/>
+    </dgm:linClrLst>
+    <dgm:effectClrLst/>
+    <dgm:txLinClrLst/>
+    <dgm:txFillClrLst meth="repeat">
+      <a:schemeClr val="dk1"/>
+    </dgm:txFillClrLst>
+    <dgm:txEffectClrLst/>
+  </dgm:styleLbl>
+  <dgm:styleLbl name="bgAcc1">
+    <dgm:fillClrLst meth="repeat">
+      <a:schemeClr val="lt1">
+        <a:alpha val="90000"/>
+      </a:schemeClr>
+    </dgm:fillClrLst>
+    <dgm:linClrLst meth="repeat">
+      <a:schemeClr val="accent1"/>
+    </dgm:linClrLst>
+    <dgm:effectClrLst/>
+    <dgm:txLinClrLst/>
+    <dgm:txFillClrLst meth="repeat">
+      <a:schemeClr val="dk1"/>
+    </dgm:txFillClrLst>
+    <dgm:txEffectClrLst/>
+  </dgm:styleLbl>
+  <dgm:styleLbl name="solidFgAcc1">
+    <dgm:fillClrLst meth="repeat">
+      <a:schemeClr val="lt1"/>
+    </dgm:fillClrLst>
+    <dgm:linClrLst meth="repeat">
+      <a:schemeClr val="accent1"/>
+    </dgm:linClrLst>
+    <dgm:effectClrLst/>
+    <dgm:txLinClrLst/>
+    <dgm:txFillClrLst meth="repeat">
+      <a:schemeClr val="dk1"/>
+    </dgm:txFillClrLst>
+    <dgm:txEffectClrLst/>
+  </dgm:styleLbl>
+  <dgm:styleLbl name="solidAlignAcc1">
+    <dgm:fillClrLst meth="repeat">
+      <a:schemeClr val="lt1"/>
+    </dgm:fillClrLst>
+    <dgm:linClrLst meth="repeat">
+      <a:schemeClr val="accent1"/>
+    </dgm:linClrLst>
+    <dgm:effectClrLst/>
+    <dgm:txLinClrLst/>
+    <dgm:txFillClrLst meth="repeat">
+      <a:schemeClr val="dk1"/>
+    </dgm:txFillClrLst>
+    <dgm:txEffectClrLst/>
+  </dgm:styleLbl>
+  <dgm:styleLbl name="solidBgAcc1">
+    <dgm:fillClrLst meth="repeat">
+      <a:schemeClr val="lt1"/>
+    </dgm:fillClrLst>
+    <dgm:linClrLst meth="repeat">
+      <a:schemeClr val="accent1"/>
+    </dgm:linClrLst>
+    <dgm:effectClrLst/>
+    <dgm:txLinClrLst/>
+    <dgm:txFillClrLst meth="repeat">
+      <a:schemeClr val="dk1"/>
+    </dgm:txFillClrLst>
+    <dgm:txEffectClrLst/>
+  </dgm:styleLbl>
+  <dgm:styleLbl name="fgAccFollowNode1">
+    <dgm:fillClrLst meth="repeat">
+      <a:schemeClr val="accent1">
+        <a:alpha val="90000"/>
+        <a:tint val="40000"/>
+      </a:schemeClr>
+    </dgm:fillClrLst>
+    <dgm:linClrLst meth="repeat">
+      <a:schemeClr val="accent1">
+        <a:alpha val="90000"/>
+        <a:tint val="40000"/>
+      </a:schemeClr>
+    </dgm:linClrLst>
+    <dgm:effectClrLst/>
+    <dgm:txLinClrLst/>
+    <dgm:txFillClrLst meth="repeat">
+      <a:schemeClr val="dk1"/>
+    </dgm:txFillClrLst>
+    <dgm:txEffectClrLst/>
+  </dgm:styleLbl>
+  <dgm:styleLbl name="alignAccFollowNode1">
+    <dgm:fillClrLst meth="repeat">
+      <a:schemeClr val="accent1">
+        <a:alpha val="90000"/>
+        <a:tint val="40000"/>
+      </a:schemeClr>
+    </dgm:fillClrLst>
+    <dgm:linClrLst meth="repeat">
+      <a:schemeClr val="accent1">
+        <a:alpha val="90000"/>
+        <a:tint val="40000"/>
+      </a:schemeClr>
+    </dgm:linClrLst>
+    <dgm:effectClrLst/>
+    <dgm:txLinClrLst/>
+    <dgm:txFillClrLst meth="repeat">
+      <a:schemeClr val="dk1"/>
+    </dgm:txFillClrLst>
+    <dgm:txEffectClrLst/>
+  </dgm:styleLbl>
+  <dgm:styleLbl name="bgAccFollowNode1">
+    <dgm:fillClrLst meth="repeat">
+      <a:schemeClr val="accent1">
+        <a:alpha val="90000"/>
+        <a:tint val="40000"/>
+      </a:schemeClr>
+    </dgm:fillClrLst>
+    <dgm:linClrLst meth="repeat">
+      <a:schemeClr val="accent1">
+        <a:alpha val="90000"/>
+        <a:tint val="40000"/>
+      </a:schemeClr>
+    </dgm:linClrLst>
+    <dgm:effectClrLst/>
+    <dgm:txLinClrLst/>
+    <dgm:txFillClrLst meth="repeat">
+      <a:schemeClr val="dk1"/>
+    </dgm:txFillClrLst>
+    <dgm:txEffectClrLst/>
+  </dgm:styleLbl>
+  <dgm:styleLbl name="fgAcc0">
+    <dgm:fillClrLst meth="repeat">
+      <a:schemeClr val="lt1">
+        <a:alpha val="90000"/>
+      </a:schemeClr>
+    </dgm:fillClrLst>
+    <dgm:linClrLst meth="repeat">
+      <a:schemeClr val="accent1"/>
+    </dgm:linClrLst>
+    <dgm:effectClrLst/>
+    <dgm:txLinClrLst/>
+    <dgm:txFillClrLst meth="repeat">
+      <a:schemeClr val="dk1"/>
+    </dgm:txFillClrLst>
+    <dgm:txEffectClrLst/>
+  </dgm:styleLbl>
+  <dgm:styleLbl name="fgAcc2">
+    <dgm:fillClrLst meth="repeat">
+      <a:schemeClr val="lt1">
+        <a:alpha val="90000"/>
+      </a:schemeClr>
+    </dgm:fillClrLst>
+    <dgm:linClrLst meth="repeat">
+      <a:schemeClr val="accent1"/>
+    </dgm:linClrLst>
+    <dgm:effectClrLst/>
+    <dgm:txLinClrLst/>
+    <dgm:txFillClrLst meth="repeat">
+      <a:schemeClr val="dk1"/>
+    </dgm:txFillClrLst>
+    <dgm:txEffectClrLst/>
+  </dgm:styleLbl>
+  <dgm:styleLbl name="fgAcc3">
+    <dgm:fillClrLst meth="repeat">
+      <a:schemeClr val="lt1">
+        <a:alpha val="90000"/>
+      </a:schemeClr>
+    </dgm:fillClrLst>
+    <dgm:linClrLst meth="repeat">
+      <a:schemeClr val="accent1"/>
+    </dgm:linClrLst>
+    <dgm:effectClrLst/>
+    <dgm:txLinClrLst/>
+    <dgm:txFillClrLst meth="repeat">
+      <a:schemeClr val="dk1"/>
+    </dgm:txFillClrLst>
+    <dgm:txEffectClrLst/>
+  </dgm:styleLbl>
+  <dgm:styleLbl name="fgAcc4">
+    <dgm:fillClrLst meth="repeat">
+      <a:schemeClr val="lt1">
+        <a:alpha val="90000"/>
+      </a:schemeClr>
+    </dgm:fillClrLst>
+    <dgm:linClrLst meth="repeat">
+      <a:schemeClr val="accent1"/>
+    </dgm:linClrLst>
+    <dgm:effectClrLst/>
+    <dgm:txLinClrLst/>
+    <dgm:txFillClrLst meth="repeat">
+      <a:schemeClr val="dk1"/>
+    </dgm:txFillClrLst>
+    <dgm:txEffectClrLst/>
+  </dgm:styleLbl>
+  <dgm:styleLbl name="bgShp">
+    <dgm:fillClrLst meth="repeat">
+      <a:schemeClr val="accent1">
+        <a:tint val="40000"/>
+      </a:schemeClr>
+    </dgm:fillClrLst>
+    <dgm:linClrLst meth="repeat">
+      <a:schemeClr val="accent1"/>
+    </dgm:linClrLst>
+    <dgm:effectClrLst/>
+    <dgm:txLinClrLst/>
+    <dgm:txFillClrLst meth="repeat">
+      <a:schemeClr val="dk1"/>
+    </dgm:txFillClrLst>
+    <dgm:txEffectClrLst/>
+  </dgm:styleLbl>
+  <dgm:styleLbl name="dkBgShp">
+    <dgm:fillClrLst meth="repeat">
+      <a:schemeClr val="accent1">
+        <a:shade val="80000"/>
+      </a:schemeClr>
+    </dgm:fillClrLst>
+    <dgm:linClrLst meth="repeat">
+      <a:schemeClr val="accent1"/>
+    </dgm:linClrLst>
+    <dgm:effectClrLst/>
+    <dgm:txLinClrLst/>
+    <dgm:txFillClrLst meth="repeat">
+      <a:schemeClr val="lt1"/>
+    </dgm:txFillClrLst>
+    <dgm:txEffectClrLst/>
+  </dgm:styleLbl>
+  <dgm:styleLbl name="trBgShp">
+    <dgm:fillClrLst meth="repeat">
+      <a:schemeClr val="accent1">
+        <a:tint val="50000"/>
+        <a:alpha val="40000"/>
+      </a:schemeClr>
+    </dgm:fillClrLst>
+    <dgm:linClrLst meth="repeat">
+      <a:schemeClr val="accent1"/>
+    </dgm:linClrLst>
+    <dgm:effectClrLst/>
+    <dgm:txLinClrLst/>
+    <dgm:txFillClrLst meth="repeat">
+      <a:schemeClr val="lt1"/>
+    </dgm:txFillClrLst>
+    <dgm:txEffectClrLst/>
+  </dgm:styleLbl>
+  <dgm:styleLbl name="fgShp">
+    <dgm:fillClrLst meth="repeat">
+      <a:schemeClr val="accent1">
+        <a:tint val="60000"/>
+      </a:schemeClr>
+    </dgm:fillClrLst>
+    <dgm:linClrLst meth="repeat">
+      <a:schemeClr val="lt1"/>
+    </dgm:linClrLst>
+    <dgm:effectClrLst/>
+    <dgm:txLinClrLst/>
+    <dgm:txFillClrLst meth="repeat">
+      <a:schemeClr val="dk1"/>
+    </dgm:txFillClrLst>
+    <dgm:txEffectClrLst/>
+  </dgm:styleLbl>
+  <dgm:styleLbl name="revTx">
+    <dgm:fillClrLst meth="repeat">
+      <a:schemeClr val="lt1">
+        <a:alpha val="0"/>
+      </a:schemeClr>
+    </dgm:fillClrLst>
+    <dgm:linClrLst meth="repeat">
+      <a:schemeClr val="dk1">
+        <a:alpha val="0"/>
+      </a:schemeClr>
+    </dgm:linClrLst>
+    <dgm:effectClrLst/>
+    <dgm:txLinClrLst/>
+    <dgm:txFillClrLst meth="repeat">
+      <a:schemeClr val="tx1"/>
+    </dgm:txFillClrLst>
+    <dgm:txEffectClrLst/>
+  </dgm:styleLbl>
+</dgm:colorsDef>
+</file>
+
+<file path=ppt/diagrams/colors3.xml><?xml version="1.0" encoding="utf-8"?>
 <dgm:colorsDef xmlns:dgm="http://schemas.openxmlformats.org/drawingml/2006/diagram" xmlns:a="http://schemas.openxmlformats.org/drawingml/2006/main" uniqueId="urn:microsoft.com/office/officeart/2005/8/colors/accent1_2">
   <dgm:title val=""/>
   <dgm:desc val=""/>
@@ -1882,7 +2632,7 @@
               <a:ea typeface="Tahoma" panose="020B0604030504040204" pitchFamily="34" charset="0"/>
               <a:cs typeface="Tahoma" panose="020B0604030504040204" pitchFamily="34" charset="0"/>
             </a:rPr>
-            <a:t>Permettre la traçabilité de l'activité d'un réseau et d'apporter la preuve de cette activité</a:t>
+            <a:t>Permettre la traçabilité de l'activité d'un réseau et d'apporter la preuve de cette activité.</a:t>
           </a:r>
           <a:endParaRPr lang="fr" dirty="0">
             <a:latin typeface="Tahoma" panose="020B0604030504040204" pitchFamily="34" charset="0"/>
@@ -1977,7 +2727,7 @@
               <a:ea typeface="Tahoma" panose="020B0604030504040204" pitchFamily="34" charset="0"/>
               <a:cs typeface="Tahoma" panose="020B0604030504040204" pitchFamily="34" charset="0"/>
             </a:rPr>
-            <a:t>Ici : ??</a:t>
+            <a:t>Concentrer les mesures de sécurité au niveau du point d’entrée du système</a:t>
           </a:r>
         </a:p>
       </dgm:t>
@@ -2003,6 +2753,229 @@
           <a:endParaRPr lang="fr-FR"/>
         </a:p>
       </dgm:t>
+    </dgm:pt>
+    <dgm:pt modelId="{20512595-93DD-4B7A-BD2A-4977FBA99B8B}">
+      <dgm:prSet phldrT="[Text]"/>
+      <dgm:spPr/>
+      <dgm:t>
+        <a:bodyPr rtlCol="0"/>
+        <a:lstStyle/>
+        <a:p>
+          <a:pPr rtl="0">
+            <a:buFont typeface="Arial" panose="020B0604020202020204" pitchFamily="34" charset="0"/>
+            <a:buChar char="•"/>
+          </a:pPr>
+          <a:r>
+            <a:rPr lang="fr" dirty="0">
+              <a:latin typeface="Tahoma" panose="020B0604030504040204" pitchFamily="34" charset="0"/>
+              <a:ea typeface="Tahoma" panose="020B0604030504040204" pitchFamily="34" charset="0"/>
+              <a:cs typeface="Tahoma" panose="020B0604030504040204" pitchFamily="34" charset="0"/>
+            </a:rPr>
+            <a:t>Détection des incidents de sécurité</a:t>
+          </a:r>
+        </a:p>
+      </dgm:t>
+    </dgm:pt>
+    <dgm:pt modelId="{629D9287-598A-4A4E-BFF5-1487BC445F7F}" type="parTrans" cxnId="{E922DE72-715A-4C9F-A2D9-AFC40FAB8376}">
+      <dgm:prSet/>
+      <dgm:spPr/>
+      <dgm:t>
+        <a:bodyPr/>
+        <a:lstStyle/>
+        <a:p>
+          <a:endParaRPr lang="fr-FR"/>
+        </a:p>
+      </dgm:t>
+    </dgm:pt>
+    <dgm:pt modelId="{8EF8F7E5-AD29-45DC-976D-7BD83058880F}" type="sibTrans" cxnId="{E922DE72-715A-4C9F-A2D9-AFC40FAB8376}">
+      <dgm:prSet/>
+      <dgm:spPr/>
+      <dgm:t>
+        <a:bodyPr/>
+        <a:lstStyle/>
+        <a:p>
+          <a:endParaRPr lang="fr-FR"/>
+        </a:p>
+      </dgm:t>
+    </dgm:pt>
+    <dgm:pt modelId="{B0AFA00D-D8D9-4278-96CB-6B4F7C2CEB85}">
+      <dgm:prSet phldrT="[Text]"/>
+      <dgm:spPr/>
+      <dgm:t>
+        <a:bodyPr rtlCol="0"/>
+        <a:lstStyle/>
+        <a:p>
+          <a:pPr rtl="0">
+            <a:buFont typeface="Arial" panose="020B0604020202020204" pitchFamily="34" charset="0"/>
+            <a:buChar char="•"/>
+          </a:pPr>
+          <a:r>
+            <a:rPr lang="fr" dirty="0">
+              <a:latin typeface="Tahoma" panose="020B0604030504040204" pitchFamily="34" charset="0"/>
+              <a:ea typeface="Tahoma" panose="020B0604030504040204" pitchFamily="34" charset="0"/>
+              <a:cs typeface="Tahoma" panose="020B0604030504040204" pitchFamily="34" charset="0"/>
+            </a:rPr>
+            <a:t>Limiter les permissions de l’utilisateur</a:t>
+          </a:r>
+        </a:p>
+      </dgm:t>
+    </dgm:pt>
+    <dgm:pt modelId="{649F83A0-7CB6-433F-B529-2B2A0D514294}" type="parTrans" cxnId="{714ADFF4-8607-4C3C-8EA2-48B3264FF6C0}">
+      <dgm:prSet/>
+      <dgm:spPr/>
+      <dgm:t>
+        <a:bodyPr/>
+        <a:lstStyle/>
+        <a:p>
+          <a:endParaRPr lang="fr-FR"/>
+        </a:p>
+      </dgm:t>
+    </dgm:pt>
+    <dgm:pt modelId="{0B7E8525-4424-4EEE-826B-765FB1809264}" type="sibTrans" cxnId="{714ADFF4-8607-4C3C-8EA2-48B3264FF6C0}">
+      <dgm:prSet/>
+      <dgm:spPr/>
+      <dgm:t>
+        <a:bodyPr/>
+        <a:lstStyle/>
+        <a:p>
+          <a:endParaRPr lang="fr-FR"/>
+        </a:p>
+      </dgm:t>
+    </dgm:pt>
+    <dgm:pt modelId="{A502A74B-1E49-4C70-993E-5960804BF3FB}">
+      <dgm:prSet phldrT="[Text]"/>
+      <dgm:spPr/>
+      <dgm:t>
+        <a:bodyPr rtlCol="0"/>
+        <a:lstStyle/>
+        <a:p>
+          <a:pPr rtl="0">
+            <a:buFont typeface="Arial" panose="020B0604020202020204" pitchFamily="34" charset="0"/>
+            <a:buChar char="•"/>
+          </a:pPr>
+          <a:endParaRPr lang="fr" dirty="0">
+            <a:latin typeface="Tahoma" panose="020B0604030504040204" pitchFamily="34" charset="0"/>
+            <a:ea typeface="Tahoma" panose="020B0604030504040204" pitchFamily="34" charset="0"/>
+            <a:cs typeface="Tahoma" panose="020B0604030504040204" pitchFamily="34" charset="0"/>
+          </a:endParaRPr>
+        </a:p>
+      </dgm:t>
+    </dgm:pt>
+    <dgm:pt modelId="{CC0ECCDE-9924-44A7-8A05-242AA0EE907A}" type="parTrans" cxnId="{2E6E939C-F551-429E-AFC9-44FA149B0E02}">
+      <dgm:prSet/>
+      <dgm:spPr/>
+    </dgm:pt>
+    <dgm:pt modelId="{66554A06-F3AB-48D3-9CAA-A4BB89C26633}" type="sibTrans" cxnId="{2E6E939C-F551-429E-AFC9-44FA149B0E02}">
+      <dgm:prSet/>
+      <dgm:spPr/>
+    </dgm:pt>
+    <dgm:pt modelId="{B8050619-0721-4277-8798-0ED584E42F7A}">
+      <dgm:prSet phldrT="[Text]"/>
+      <dgm:spPr/>
+      <dgm:t>
+        <a:bodyPr rtlCol="0"/>
+        <a:lstStyle/>
+        <a:p>
+          <a:pPr rtl="0">
+            <a:buFont typeface="Arial" panose="020B0604020202020204" pitchFamily="34" charset="0"/>
+            <a:buChar char="•"/>
+          </a:pPr>
+          <a:endParaRPr lang="fr" dirty="0">
+            <a:latin typeface="Tahoma" panose="020B0604030504040204" pitchFamily="34" charset="0"/>
+            <a:ea typeface="Tahoma" panose="020B0604030504040204" pitchFamily="34" charset="0"/>
+            <a:cs typeface="Tahoma" panose="020B0604030504040204" pitchFamily="34" charset="0"/>
+          </a:endParaRPr>
+        </a:p>
+      </dgm:t>
+    </dgm:pt>
+    <dgm:pt modelId="{A040684F-086F-4D00-90E1-DB7036AFE434}" type="parTrans" cxnId="{84010C99-1743-4E7B-B092-2A1DFCE2C5FD}">
+      <dgm:prSet/>
+      <dgm:spPr/>
+    </dgm:pt>
+    <dgm:pt modelId="{18654A20-C8FD-442B-A9D2-C49082EB448E}" type="sibTrans" cxnId="{84010C99-1743-4E7B-B092-2A1DFCE2C5FD}">
+      <dgm:prSet/>
+      <dgm:spPr/>
+    </dgm:pt>
+    <dgm:pt modelId="{C9246183-6CCC-47BC-8188-6F20D97AA61D}">
+      <dgm:prSet phldrT="[Text]"/>
+      <dgm:spPr/>
+      <dgm:t>
+        <a:bodyPr rtlCol="0"/>
+        <a:lstStyle/>
+        <a:p>
+          <a:pPr rtl="0">
+            <a:buFont typeface="Arial" panose="020B0604020202020204" pitchFamily="34" charset="0"/>
+            <a:buChar char="•"/>
+          </a:pPr>
+          <a:endParaRPr lang="fr" dirty="0">
+            <a:latin typeface="Tahoma" panose="020B0604030504040204" pitchFamily="34" charset="0"/>
+            <a:ea typeface="Tahoma" panose="020B0604030504040204" pitchFamily="34" charset="0"/>
+            <a:cs typeface="Tahoma" panose="020B0604030504040204" pitchFamily="34" charset="0"/>
+          </a:endParaRPr>
+        </a:p>
+      </dgm:t>
+    </dgm:pt>
+    <dgm:pt modelId="{768DB6B6-0FC0-4978-A79C-42B017BE4B61}" type="parTrans" cxnId="{C17BCDB2-DD87-4F8A-A14D-9754A40D2353}">
+      <dgm:prSet/>
+      <dgm:spPr/>
+    </dgm:pt>
+    <dgm:pt modelId="{ABE7A30B-A330-4A53-A4E6-AF5897DF0A9C}" type="sibTrans" cxnId="{C17BCDB2-DD87-4F8A-A14D-9754A40D2353}">
+      <dgm:prSet/>
+      <dgm:spPr/>
+    </dgm:pt>
+    <dgm:pt modelId="{3E671901-A24F-4E84-B06A-C59B17BB4F0B}">
+      <dgm:prSet phldrT="[Text]"/>
+      <dgm:spPr/>
+      <dgm:t>
+        <a:bodyPr rtlCol="0"/>
+        <a:lstStyle/>
+        <a:p>
+          <a:pPr rtl="0">
+            <a:buFont typeface="Arial" panose="020B0604020202020204" pitchFamily="34" charset="0"/>
+            <a:buChar char="•"/>
+          </a:pPr>
+          <a:endParaRPr lang="fr" dirty="0">
+            <a:latin typeface="Tahoma" panose="020B0604030504040204" pitchFamily="34" charset="0"/>
+            <a:ea typeface="Tahoma" panose="020B0604030504040204" pitchFamily="34" charset="0"/>
+            <a:cs typeface="Tahoma" panose="020B0604030504040204" pitchFamily="34" charset="0"/>
+          </a:endParaRPr>
+        </a:p>
+      </dgm:t>
+    </dgm:pt>
+    <dgm:pt modelId="{A814CB85-B75F-45D6-BD5C-04E8FFDAFB59}" type="parTrans" cxnId="{9419B267-BA60-404C-B358-1537F60759D2}">
+      <dgm:prSet/>
+      <dgm:spPr/>
+    </dgm:pt>
+    <dgm:pt modelId="{31755938-3B00-4951-A708-678C5D7E7C10}" type="sibTrans" cxnId="{9419B267-BA60-404C-B358-1537F60759D2}">
+      <dgm:prSet/>
+      <dgm:spPr/>
+    </dgm:pt>
+    <dgm:pt modelId="{6808DFF4-DA4E-4C2F-B54C-F4C034688FF8}">
+      <dgm:prSet phldrT="[Text]"/>
+      <dgm:spPr/>
+      <dgm:t>
+        <a:bodyPr rtlCol="0"/>
+        <a:lstStyle/>
+        <a:p>
+          <a:pPr rtl="0">
+            <a:buFont typeface="Arial" panose="020B0604020202020204" pitchFamily="34" charset="0"/>
+            <a:buChar char="•"/>
+          </a:pPr>
+          <a:endParaRPr lang="fr" dirty="0">
+            <a:latin typeface="Tahoma" panose="020B0604030504040204" pitchFamily="34" charset="0"/>
+            <a:ea typeface="Tahoma" panose="020B0604030504040204" pitchFamily="34" charset="0"/>
+            <a:cs typeface="Tahoma" panose="020B0604030504040204" pitchFamily="34" charset="0"/>
+          </a:endParaRPr>
+        </a:p>
+      </dgm:t>
+    </dgm:pt>
+    <dgm:pt modelId="{768C87B0-D63D-4CCF-B6FE-7DC86D5205E8}" type="parTrans" cxnId="{D9588A15-8621-4CAB-A3ED-30C924ADCCE7}">
+      <dgm:prSet/>
+      <dgm:spPr/>
+    </dgm:pt>
+    <dgm:pt modelId="{3409D267-FB56-4C57-8E92-4E15F53DB884}" type="sibTrans" cxnId="{D9588A15-8621-4CAB-A3ED-30C924ADCCE7}">
+      <dgm:prSet/>
+      <dgm:spPr/>
     </dgm:pt>
     <dgm:pt modelId="{DE3F77CF-6A8C-4783-A2CE-00E88C4199CB}" type="pres">
       <dgm:prSet presAssocID="{CF9FC193-7A05-4631-B681-B56EAB543D38}" presName="Name0" presStyleCnt="0">
@@ -2090,23 +3063,37 @@
     </dgm:pt>
   </dgm:ptLst>
   <dgm:cxnLst>
+    <dgm:cxn modelId="{993BED02-1C34-447D-8D81-0D099AE9606D}" type="presOf" srcId="{B8050619-0721-4277-8798-0ED584E42F7A}" destId="{17CA1487-CDD9-4364-92F6-A11DBDAFE16C}" srcOrd="0" destOrd="1" presId="urn:microsoft.com/office/officeart/2005/8/layout/hList1"/>
     <dgm:cxn modelId="{B12F0503-977A-4B5D-8CB7-420B041FF863}" srcId="{CF9FC193-7A05-4631-B681-B56EAB543D38}" destId="{6857B86A-DEC1-407C-A1BB-5BF9ACCBCA6A}" srcOrd="0" destOrd="0" parTransId="{8CA7BF9B-8199-4683-AD57-CB0086659013}" sibTransId="{F087F24E-A7D7-4DCE-B2A7-9B941289621A}"/>
-    <dgm:cxn modelId="{E39F7533-CBD7-4601-93A3-1F96667BEC53}" type="presOf" srcId="{E9F6F737-8D6A-4A96-B398-75188242E2F4}" destId="{17CA1487-CDD9-4364-92F6-A11DBDAFE16C}" srcOrd="0" destOrd="1" presId="urn:microsoft.com/office/officeart/2005/8/layout/hList1"/>
-    <dgm:cxn modelId="{DE35F03F-F096-44A7-9FD9-403C93716E39}" srcId="{6857B86A-DEC1-407C-A1BB-5BF9ACCBCA6A}" destId="{42CCD435-2FC0-48DC-A377-00DCBE509640}" srcOrd="2" destOrd="0" parTransId="{24B922E0-E7F1-430F-B101-B00A2F0C6547}" sibTransId="{E906515E-5F5C-428F-AFC6-E47505EB038C}"/>
+    <dgm:cxn modelId="{D9588A15-8621-4CAB-A3ED-30C924ADCCE7}" srcId="{DA5DFAD8-E443-4F53-9341-A0903BBBD378}" destId="{6808DFF4-DA4E-4C2F-B54C-F4C034688FF8}" srcOrd="1" destOrd="0" parTransId="{768C87B0-D63D-4CCF-B6FE-7DC86D5205E8}" sibTransId="{3409D267-FB56-4C57-8E92-4E15F53DB884}"/>
+    <dgm:cxn modelId="{E39F7533-CBD7-4601-93A3-1F96667BEC53}" type="presOf" srcId="{E9F6F737-8D6A-4A96-B398-75188242E2F4}" destId="{17CA1487-CDD9-4364-92F6-A11DBDAFE16C}" srcOrd="0" destOrd="2" presId="urn:microsoft.com/office/officeart/2005/8/layout/hList1"/>
+    <dgm:cxn modelId="{DE35F03F-F096-44A7-9FD9-403C93716E39}" srcId="{6857B86A-DEC1-407C-A1BB-5BF9ACCBCA6A}" destId="{42CCD435-2FC0-48DC-A377-00DCBE509640}" srcOrd="4" destOrd="0" parTransId="{24B922E0-E7F1-430F-B101-B00A2F0C6547}" sibTransId="{E906515E-5F5C-428F-AFC6-E47505EB038C}"/>
     <dgm:cxn modelId="{CA949A5F-9945-4C59-A233-D70AFFF70BDA}" srcId="{DA5DFAD8-E443-4F53-9341-A0903BBBD378}" destId="{6EE89B4E-BAED-4A90-B29D-70AF11256801}" srcOrd="0" destOrd="0" parTransId="{39BF20C7-31E5-452B-8EA2-17224A13C7FB}" sibTransId="{E71503C3-CFB7-4144-AD9F-7A42A87A3A6B}"/>
+    <dgm:cxn modelId="{72148A65-91AF-4D58-9103-30F1AC52237E}" type="presOf" srcId="{20512595-93DD-4B7A-BD2A-4977FBA99B8B}" destId="{EA81ED6A-A7EA-4137-A3DC-D16E79F1B938}" srcOrd="0" destOrd="2" presId="urn:microsoft.com/office/officeart/2005/8/layout/hList1"/>
+    <dgm:cxn modelId="{9419B267-BA60-404C-B358-1537F60759D2}" srcId="{ABA77F75-8642-4931-8D7E-BE6C6DB9940D}" destId="{3E671901-A24F-4E84-B06A-C59B17BB4F0B}" srcOrd="1" destOrd="0" parTransId="{A814CB85-B75F-45D6-BD5C-04E8FFDAFB59}" sibTransId="{31755938-3B00-4951-A708-678C5D7E7C10}"/>
+    <dgm:cxn modelId="{C7BD1A48-5670-40F9-9DC1-A50F7958BD67}" type="presOf" srcId="{6808DFF4-DA4E-4C2F-B54C-F4C034688FF8}" destId="{EA81ED6A-A7EA-4137-A3DC-D16E79F1B938}" srcOrd="0" destOrd="1" presId="urn:microsoft.com/office/officeart/2005/8/layout/hList1"/>
     <dgm:cxn modelId="{D5D61B4C-1312-427C-BDCC-013237D8A488}" srcId="{ABA77F75-8642-4931-8D7E-BE6C6DB9940D}" destId="{611C3B18-07F8-4A66-9682-97E24AEF6014}" srcOrd="0" destOrd="0" parTransId="{5940BF2D-F08A-4150-9A86-173D9242DE8C}" sibTransId="{477660C6-2B6D-4FB8-B9A3-D555E2082C2A}"/>
+    <dgm:cxn modelId="{E8C2BF72-DF15-488E-BFEE-6DF1B364AB1C}" type="presOf" srcId="{C9246183-6CCC-47BC-8188-6F20D97AA61D}" destId="{17CA1487-CDD9-4364-92F6-A11DBDAFE16C}" srcOrd="0" destOrd="3" presId="urn:microsoft.com/office/officeart/2005/8/layout/hList1"/>
+    <dgm:cxn modelId="{E922DE72-715A-4C9F-A2D9-AFC40FAB8376}" srcId="{DA5DFAD8-E443-4F53-9341-A0903BBBD378}" destId="{20512595-93DD-4B7A-BD2A-4977FBA99B8B}" srcOrd="2" destOrd="0" parTransId="{629D9287-598A-4A4E-BFF5-1487BC445F7F}" sibTransId="{8EF8F7E5-AD29-45DC-976D-7BD83058880F}"/>
     <dgm:cxn modelId="{AAECF784-8F1D-4908-B93D-837F49AB8751}" type="presOf" srcId="{CF9FC193-7A05-4631-B681-B56EAB543D38}" destId="{DE3F77CF-6A8C-4783-A2CE-00E88C4199CB}" srcOrd="0" destOrd="0" presId="urn:microsoft.com/office/officeart/2005/8/layout/hList1"/>
     <dgm:cxn modelId="{2A048A8A-D3E9-4D78-97F5-CDA37AB1D412}" type="presOf" srcId="{DA5DFAD8-E443-4F53-9341-A0903BBBD378}" destId="{23D06E36-F688-4B37-8BB8-73015E665B0E}" srcOrd="0" destOrd="0" presId="urn:microsoft.com/office/officeart/2005/8/layout/hList1"/>
-    <dgm:cxn modelId="{0614BA90-FF8E-4644-9D7B-95A1BBB98CB2}" type="presOf" srcId="{42CCD435-2FC0-48DC-A377-00DCBE509640}" destId="{17CA1487-CDD9-4364-92F6-A11DBDAFE16C}" srcOrd="0" destOrd="2" presId="urn:microsoft.com/office/officeart/2005/8/layout/hList1"/>
+    <dgm:cxn modelId="{0614BA90-FF8E-4644-9D7B-95A1BBB98CB2}" type="presOf" srcId="{42CCD435-2FC0-48DC-A377-00DCBE509640}" destId="{17CA1487-CDD9-4364-92F6-A11DBDAFE16C}" srcOrd="0" destOrd="4" presId="urn:microsoft.com/office/officeart/2005/8/layout/hList1"/>
+    <dgm:cxn modelId="{68ADF593-FA6B-4D09-ACC6-E150372286EF}" type="presOf" srcId="{A502A74B-1E49-4C70-993E-5960804BF3FB}" destId="{17CA1487-CDD9-4364-92F6-A11DBDAFE16C}" srcOrd="0" destOrd="5" presId="urn:microsoft.com/office/officeart/2005/8/layout/hList1"/>
+    <dgm:cxn modelId="{84010C99-1743-4E7B-B092-2A1DFCE2C5FD}" srcId="{6857B86A-DEC1-407C-A1BB-5BF9ACCBCA6A}" destId="{B8050619-0721-4277-8798-0ED584E42F7A}" srcOrd="1" destOrd="0" parTransId="{A040684F-086F-4D00-90E1-DB7036AFE434}" sibTransId="{18654A20-C8FD-442B-A9D2-C49082EB448E}"/>
+    <dgm:cxn modelId="{2E6E939C-F551-429E-AFC9-44FA149B0E02}" srcId="{6857B86A-DEC1-407C-A1BB-5BF9ACCBCA6A}" destId="{A502A74B-1E49-4C70-993E-5960804BF3FB}" srcOrd="5" destOrd="0" parTransId="{CC0ECCDE-9924-44A7-8A05-242AA0EE907A}" sibTransId="{66554A06-F3AB-48D3-9CAA-A4BB89C26633}"/>
     <dgm:cxn modelId="{4BF1EEA1-6E89-4F91-BAE8-11038685C515}" type="presOf" srcId="{4C8BFA56-3F75-4CAD-90A3-2F214D699322}" destId="{17CA1487-CDD9-4364-92F6-A11DBDAFE16C}" srcOrd="0" destOrd="0" presId="urn:microsoft.com/office/officeart/2005/8/layout/hList1"/>
-    <dgm:cxn modelId="{C80BF4B2-2D03-48D3-B3A0-30642521685D}" srcId="{6857B86A-DEC1-407C-A1BB-5BF9ACCBCA6A}" destId="{E9F6F737-8D6A-4A96-B398-75188242E2F4}" srcOrd="1" destOrd="0" parTransId="{136987EF-0FC9-4B64-9146-38BABE0B2A48}" sibTransId="{253FE9E8-1620-41CA-A05A-FAA616C30622}"/>
+    <dgm:cxn modelId="{F0AD81AC-6DDD-4FFD-BEE9-B571A26A03CB}" type="presOf" srcId="{B0AFA00D-D8D9-4278-96CB-6B4F7C2CEB85}" destId="{E4FD5043-5612-43C5-B6AE-CCD431549399}" srcOrd="0" destOrd="2" presId="urn:microsoft.com/office/officeart/2005/8/layout/hList1"/>
+    <dgm:cxn modelId="{C17BCDB2-DD87-4F8A-A14D-9754A40D2353}" srcId="{6857B86A-DEC1-407C-A1BB-5BF9ACCBCA6A}" destId="{C9246183-6CCC-47BC-8188-6F20D97AA61D}" srcOrd="3" destOrd="0" parTransId="{768DB6B6-0FC0-4978-A79C-42B017BE4B61}" sibTransId="{ABE7A30B-A330-4A53-A4E6-AF5897DF0A9C}"/>
+    <dgm:cxn modelId="{C80BF4B2-2D03-48D3-B3A0-30642521685D}" srcId="{6857B86A-DEC1-407C-A1BB-5BF9ACCBCA6A}" destId="{E9F6F737-8D6A-4A96-B398-75188242E2F4}" srcOrd="2" destOrd="0" parTransId="{136987EF-0FC9-4B64-9146-38BABE0B2A48}" sibTransId="{253FE9E8-1620-41CA-A05A-FAA616C30622}"/>
     <dgm:cxn modelId="{5F12E8B9-000C-441B-B9E7-99ED7A20363B}" type="presOf" srcId="{6857B86A-DEC1-407C-A1BB-5BF9ACCBCA6A}" destId="{F0C1B2C7-0B23-4FE8-AB0F-5877B88532DB}" srcOrd="0" destOrd="0" presId="urn:microsoft.com/office/officeart/2005/8/layout/hList1"/>
     <dgm:cxn modelId="{0073D4C3-F488-4F79-B637-186FAECF6BAD}" srcId="{CF9FC193-7A05-4631-B681-B56EAB543D38}" destId="{DA5DFAD8-E443-4F53-9341-A0903BBBD378}" srcOrd="2" destOrd="0" parTransId="{F6012B3B-01B0-4E7C-A363-0177B95D3DD8}" sibTransId="{76D9F54E-47B3-4FE0-B465-AD673964072E}"/>
     <dgm:cxn modelId="{4E21C5D3-FA97-4E62-8CC9-01B68E76021E}" type="presOf" srcId="{ABA77F75-8642-4931-8D7E-BE6C6DB9940D}" destId="{055A5EAB-EAE0-4501-8649-31F112FF9AD5}" srcOrd="0" destOrd="0" presId="urn:microsoft.com/office/officeart/2005/8/layout/hList1"/>
     <dgm:cxn modelId="{4CD5FCDD-1F8A-43A3-BD77-CBE3B3864C41}" srcId="{6857B86A-DEC1-407C-A1BB-5BF9ACCBCA6A}" destId="{4C8BFA56-3F75-4CAD-90A3-2F214D699322}" srcOrd="0" destOrd="0" parTransId="{9A6E3B20-A734-4412-84CF-0134D93D4B28}" sibTransId="{7B50916F-B8BA-427F-B9F0-A301E54D7FB3}"/>
     <dgm:cxn modelId="{58D887E9-04DA-4285-827F-DA6F12BD080E}" type="presOf" srcId="{611C3B18-07F8-4A66-9682-97E24AEF6014}" destId="{E4FD5043-5612-43C5-B6AE-CCD431549399}" srcOrd="0" destOrd="0" presId="urn:microsoft.com/office/officeart/2005/8/layout/hList1"/>
     <dgm:cxn modelId="{D959B3EA-A66A-4B40-901C-93ECD4985A93}" srcId="{CF9FC193-7A05-4631-B681-B56EAB543D38}" destId="{ABA77F75-8642-4931-8D7E-BE6C6DB9940D}" srcOrd="1" destOrd="0" parTransId="{FCF9AE1B-B22B-4F91-BFD8-DDBBF762F128}" sibTransId="{1A095211-ADB0-42CA-9F24-F1BC942872F3}"/>
+    <dgm:cxn modelId="{714ADFF4-8607-4C3C-8EA2-48B3264FF6C0}" srcId="{ABA77F75-8642-4931-8D7E-BE6C6DB9940D}" destId="{B0AFA00D-D8D9-4278-96CB-6B4F7C2CEB85}" srcOrd="2" destOrd="0" parTransId="{649F83A0-7CB6-433F-B529-2B2A0D514294}" sibTransId="{0B7E8525-4424-4EEE-826B-765FB1809264}"/>
     <dgm:cxn modelId="{765D4AFC-C3A4-4F8B-A000-988DC6C44800}" type="presOf" srcId="{6EE89B4E-BAED-4A90-B29D-70AF11256801}" destId="{EA81ED6A-A7EA-4137-A3DC-D16E79F1B938}" srcOrd="0" destOrd="0" presId="urn:microsoft.com/office/officeart/2005/8/layout/hList1"/>
+    <dgm:cxn modelId="{45B39FFE-95D6-4298-81B9-BC4B7CB240AA}" type="presOf" srcId="{3E671901-A24F-4E84-B06A-C59B17BB4F0B}" destId="{E4FD5043-5612-43C5-B6AE-CCD431549399}" srcOrd="0" destOrd="1" presId="urn:microsoft.com/office/officeart/2005/8/layout/hList1"/>
     <dgm:cxn modelId="{1F4D79B9-0A03-4486-BB92-D4BA991ED70D}" type="presParOf" srcId="{DE3F77CF-6A8C-4783-A2CE-00E88C4199CB}" destId="{4E69B62D-7E76-4E06-9330-583771E53BDE}" srcOrd="0" destOrd="0" presId="urn:microsoft.com/office/officeart/2005/8/layout/hList1"/>
     <dgm:cxn modelId="{EFFE150E-7CB3-4A38-AC57-820444F8E7BA}" type="presParOf" srcId="{4E69B62D-7E76-4E06-9330-583771E53BDE}" destId="{F0C1B2C7-0B23-4FE8-AB0F-5877B88532DB}" srcOrd="0" destOrd="0" presId="urn:microsoft.com/office/officeart/2005/8/layout/hList1"/>
     <dgm:cxn modelId="{332F5817-5A55-4FC1-BA35-DBB23A0AD13C}" type="presParOf" srcId="{4E69B62D-7E76-4E06-9330-583771E53BDE}" destId="{17CA1487-CDD9-4364-92F6-A11DBDAFE16C}" srcOrd="1" destOrd="0" presId="urn:microsoft.com/office/officeart/2005/8/layout/hList1"/>
@@ -2196,7 +3183,514 @@
         <a:p>
           <a:pPr rtl="0"/>
           <a:r>
+            <a:rPr lang="fr" sz="2400" dirty="0">
+              <a:latin typeface="Tahoma" panose="020B0604030504040204" pitchFamily="34" charset="0"/>
+              <a:ea typeface="Tahoma" panose="020B0604030504040204" pitchFamily="34" charset="0"/>
+              <a:cs typeface="Tahoma" panose="020B0604030504040204" pitchFamily="34" charset="0"/>
+            </a:rPr>
+            <a:t>[Texte]</a:t>
+          </a:r>
+        </a:p>
+      </dgm:t>
+    </dgm:pt>
+    <dgm:pt modelId="{85FA6A33-9FA9-4134-A6A3-A5D4748A1779}" type="parTrans" cxnId="{A316347C-9D1A-43C6-BE2B-DC184440E1C9}">
+      <dgm:prSet/>
+      <dgm:spPr/>
+      <dgm:t>
+        <a:bodyPr rtlCol="0"/>
+        <a:lstStyle/>
+        <a:p>
+          <a:pPr rtl="0"/>
+          <a:endParaRPr lang="en-US"/>
+        </a:p>
+      </dgm:t>
+    </dgm:pt>
+    <dgm:pt modelId="{04FF68DF-CF36-4D12-9ECE-A3519B0AC88A}" type="sibTrans" cxnId="{A316347C-9D1A-43C6-BE2B-DC184440E1C9}">
+      <dgm:prSet/>
+      <dgm:spPr/>
+      <dgm:t>
+        <a:bodyPr rtlCol="0"/>
+        <a:lstStyle/>
+        <a:p>
+          <a:pPr rtl="0"/>
+          <a:endParaRPr lang="en-US"/>
+        </a:p>
+      </dgm:t>
+    </dgm:pt>
+    <dgm:pt modelId="{A7F7584C-6CC5-40A2-9566-2842A5DEA97A}">
+      <dgm:prSet phldrT="[Text]"/>
+      <dgm:spPr/>
+      <dgm:t>
+        <a:bodyPr rtlCol="0"/>
+        <a:lstStyle/>
+        <a:p>
+          <a:pPr rtl="0"/>
+          <a:r>
+            <a:rPr lang="fr">
+              <a:latin typeface="Tahoma" panose="020B0604030504040204" pitchFamily="34" charset="0"/>
+              <a:ea typeface="Tahoma" panose="020B0604030504040204" pitchFamily="34" charset="0"/>
+              <a:cs typeface="Tahoma" panose="020B0604030504040204" pitchFamily="34" charset="0"/>
+            </a:rPr>
+            <a:t>Qui rencontre ce problème ?</a:t>
+          </a:r>
+        </a:p>
+      </dgm:t>
+    </dgm:pt>
+    <dgm:pt modelId="{581272CD-5908-4C17-8E9B-8BF6DCE43C3E}" type="parTrans" cxnId="{F68422C1-CD34-4DED-AA4B-85EFFF4FE933}">
+      <dgm:prSet/>
+      <dgm:spPr/>
+      <dgm:t>
+        <a:bodyPr rtlCol="0"/>
+        <a:lstStyle/>
+        <a:p>
+          <a:pPr rtl="0"/>
+          <a:endParaRPr lang="en-US"/>
+        </a:p>
+      </dgm:t>
+    </dgm:pt>
+    <dgm:pt modelId="{C41ED6A4-512C-48AB-901D-671B73446005}" type="sibTrans" cxnId="{F68422C1-CD34-4DED-AA4B-85EFFF4FE933}">
+      <dgm:prSet/>
+      <dgm:spPr/>
+      <dgm:t>
+        <a:bodyPr rtlCol="0"/>
+        <a:lstStyle/>
+        <a:p>
+          <a:pPr rtl="0"/>
+          <a:endParaRPr lang="en-US"/>
+        </a:p>
+      </dgm:t>
+    </dgm:pt>
+    <dgm:pt modelId="{9D8DAFB6-C744-4BD6-B757-393BF647EBB6}">
+      <dgm:prSet phldrT="[Text]" custT="1"/>
+      <dgm:spPr/>
+      <dgm:t>
+        <a:bodyPr rtlCol="0"/>
+        <a:lstStyle/>
+        <a:p>
+          <a:pPr rtl="0"/>
+          <a:endParaRPr lang="fr" sz="2400" dirty="0">
+            <a:latin typeface="Tahoma" panose="020B0604030504040204" pitchFamily="34" charset="0"/>
+            <a:ea typeface="Tahoma" panose="020B0604030504040204" pitchFamily="34" charset="0"/>
+            <a:cs typeface="Tahoma" panose="020B0604030504040204" pitchFamily="34" charset="0"/>
+          </a:endParaRPr>
+        </a:p>
+      </dgm:t>
+    </dgm:pt>
+    <dgm:pt modelId="{17C1C47E-8D1A-404A-B227-B017391CB5F6}" type="parTrans" cxnId="{56052809-46E4-4445-B520-94004C28BB9D}">
+      <dgm:prSet/>
+      <dgm:spPr/>
+      <dgm:t>
+        <a:bodyPr rtlCol="0"/>
+        <a:lstStyle/>
+        <a:p>
+          <a:pPr rtl="0"/>
+          <a:endParaRPr lang="en-US"/>
+        </a:p>
+      </dgm:t>
+    </dgm:pt>
+    <dgm:pt modelId="{C9B44773-68B1-427B-B9CA-0AEA186B621E}" type="sibTrans" cxnId="{56052809-46E4-4445-B520-94004C28BB9D}">
+      <dgm:prSet/>
+      <dgm:spPr/>
+      <dgm:t>
+        <a:bodyPr rtlCol="0"/>
+        <a:lstStyle/>
+        <a:p>
+          <a:pPr rtl="0"/>
+          <a:endParaRPr lang="en-US"/>
+        </a:p>
+      </dgm:t>
+    </dgm:pt>
+    <dgm:pt modelId="{51A6936C-668E-4912-B1B4-BA2D45D3F624}">
+      <dgm:prSet phldrT="[Text]"/>
+      <dgm:spPr/>
+      <dgm:t>
+        <a:bodyPr rtlCol="0"/>
+        <a:lstStyle/>
+        <a:p>
+          <a:pPr rtl="0"/>
+          <a:r>
+            <a:rPr lang="fr">
+              <a:latin typeface="Tahoma" panose="020B0604030504040204" pitchFamily="34" charset="0"/>
+              <a:ea typeface="Tahoma" panose="020B0604030504040204" pitchFamily="34" charset="0"/>
+              <a:cs typeface="Tahoma" panose="020B0604030504040204" pitchFamily="34" charset="0"/>
+            </a:rPr>
+            <a:t>Pourquoi faut-il résoudre ce problème ?</a:t>
+          </a:r>
+        </a:p>
+      </dgm:t>
+    </dgm:pt>
+    <dgm:pt modelId="{8F7D40F1-9723-47F5-BFD2-340696378D49}" type="parTrans" cxnId="{000FE2BB-9FE6-4965-ADF5-E3E85B644286}">
+      <dgm:prSet/>
+      <dgm:spPr/>
+      <dgm:t>
+        <a:bodyPr rtlCol="0"/>
+        <a:lstStyle/>
+        <a:p>
+          <a:pPr rtl="0"/>
+          <a:endParaRPr lang="en-US"/>
+        </a:p>
+      </dgm:t>
+    </dgm:pt>
+    <dgm:pt modelId="{E68031D9-E3F9-439E-86FC-2A0A3A3988D0}" type="sibTrans" cxnId="{000FE2BB-9FE6-4965-ADF5-E3E85B644286}">
+      <dgm:prSet/>
+      <dgm:spPr/>
+      <dgm:t>
+        <a:bodyPr rtlCol="0"/>
+        <a:lstStyle/>
+        <a:p>
+          <a:pPr rtl="0"/>
+          <a:endParaRPr lang="en-US"/>
+        </a:p>
+      </dgm:t>
+    </dgm:pt>
+    <dgm:pt modelId="{2A9B6C90-9B70-4ED8-9084-8651413BB905}">
+      <dgm:prSet phldrT="[Text]" custT="1"/>
+      <dgm:spPr/>
+      <dgm:t>
+        <a:bodyPr rtlCol="0"/>
+        <a:lstStyle/>
+        <a:p>
+          <a:pPr rtl="0"/>
+          <a:r>
+            <a:rPr lang="fr" sz="2400" dirty="0">
+              <a:latin typeface="Tahoma" panose="020B0604030504040204" pitchFamily="34" charset="0"/>
+              <a:ea typeface="Tahoma" panose="020B0604030504040204" pitchFamily="34" charset="0"/>
+              <a:cs typeface="Tahoma" panose="020B0604030504040204" pitchFamily="34" charset="0"/>
+            </a:rPr>
+            <a:t>Eviter </a:t>
+          </a:r>
+        </a:p>
+      </dgm:t>
+    </dgm:pt>
+    <dgm:pt modelId="{47C005B7-F5AA-4111-A87D-782B117A0259}" type="parTrans" cxnId="{1D59D94A-4BF7-417E-B49B-225C005839A9}">
+      <dgm:prSet/>
+      <dgm:spPr/>
+      <dgm:t>
+        <a:bodyPr rtlCol="0"/>
+        <a:lstStyle/>
+        <a:p>
+          <a:pPr rtl="0"/>
+          <a:endParaRPr lang="en-US"/>
+        </a:p>
+      </dgm:t>
+    </dgm:pt>
+    <dgm:pt modelId="{54109FB3-0563-4B2C-BFF0-181E047427F8}" type="sibTrans" cxnId="{1D59D94A-4BF7-417E-B49B-225C005839A9}">
+      <dgm:prSet/>
+      <dgm:spPr/>
+      <dgm:t>
+        <a:bodyPr rtlCol="0"/>
+        <a:lstStyle/>
+        <a:p>
+          <a:pPr rtl="0"/>
+          <a:endParaRPr lang="en-US"/>
+        </a:p>
+      </dgm:t>
+    </dgm:pt>
+    <dgm:pt modelId="{928B5CB8-3545-4EE5-8BED-981D3C6157A5}">
+      <dgm:prSet phldrT="[Text]"/>
+      <dgm:spPr/>
+      <dgm:t>
+        <a:bodyPr rtlCol="0"/>
+        <a:lstStyle/>
+        <a:p>
+          <a:pPr rtl="0"/>
+          <a:r>
+            <a:rPr lang="fr">
+              <a:latin typeface="Tahoma" panose="020B0604030504040204" pitchFamily="34" charset="0"/>
+              <a:ea typeface="Tahoma" panose="020B0604030504040204" pitchFamily="34" charset="0"/>
+              <a:cs typeface="Tahoma" panose="020B0604030504040204" pitchFamily="34" charset="0"/>
+            </a:rPr>
+            <a:t>Comment savoir que ce problème a été résolu ?</a:t>
+          </a:r>
+        </a:p>
+      </dgm:t>
+    </dgm:pt>
+    <dgm:pt modelId="{8452F8D0-82FD-4609-B6BD-446E31563D8A}" type="parTrans" cxnId="{085D3777-7996-4375-B5FB-BFD96D1BF9E4}">
+      <dgm:prSet/>
+      <dgm:spPr/>
+      <dgm:t>
+        <a:bodyPr rtlCol="0"/>
+        <a:lstStyle/>
+        <a:p>
+          <a:pPr rtl="0"/>
+          <a:endParaRPr lang="en-US"/>
+        </a:p>
+      </dgm:t>
+    </dgm:pt>
+    <dgm:pt modelId="{8EF545BA-8D8A-4813-A428-2F18D76E61FA}" type="sibTrans" cxnId="{085D3777-7996-4375-B5FB-BFD96D1BF9E4}">
+      <dgm:prSet/>
+      <dgm:spPr/>
+      <dgm:t>
+        <a:bodyPr rtlCol="0"/>
+        <a:lstStyle/>
+        <a:p>
+          <a:pPr rtl="0"/>
+          <a:endParaRPr lang="en-US"/>
+        </a:p>
+      </dgm:t>
+    </dgm:pt>
+    <dgm:pt modelId="{95A524E6-8A71-49A1-AF74-29696A02028A}">
+      <dgm:prSet phldrT="[Text]" custT="1"/>
+      <dgm:spPr/>
+      <dgm:t>
+        <a:bodyPr rtlCol="0"/>
+        <a:lstStyle/>
+        <a:p>
+          <a:pPr rtl="0"/>
+          <a:r>
             <a:rPr lang="fr" sz="2400">
+              <a:latin typeface="Tahoma" panose="020B0604030504040204" pitchFamily="34" charset="0"/>
+              <a:ea typeface="Tahoma" panose="020B0604030504040204" pitchFamily="34" charset="0"/>
+              <a:cs typeface="Tahoma" panose="020B0604030504040204" pitchFamily="34" charset="0"/>
+            </a:rPr>
+            <a:t>[Texte]</a:t>
+          </a:r>
+        </a:p>
+      </dgm:t>
+    </dgm:pt>
+    <dgm:pt modelId="{52C86CAF-440B-4BB7-BD46-805908EC2D17}" type="parTrans" cxnId="{764A7F40-FC93-4B5E-82E4-B29F920B2D30}">
+      <dgm:prSet/>
+      <dgm:spPr/>
+      <dgm:t>
+        <a:bodyPr rtlCol="0"/>
+        <a:lstStyle/>
+        <a:p>
+          <a:pPr rtl="0"/>
+          <a:endParaRPr lang="en-US"/>
+        </a:p>
+      </dgm:t>
+    </dgm:pt>
+    <dgm:pt modelId="{EE0C23C2-8A0C-497A-A914-ED60FDCA930F}" type="sibTrans" cxnId="{764A7F40-FC93-4B5E-82E4-B29F920B2D30}">
+      <dgm:prSet/>
+      <dgm:spPr/>
+      <dgm:t>
+        <a:bodyPr rtlCol="0"/>
+        <a:lstStyle/>
+        <a:p>
+          <a:pPr rtl="0"/>
+          <a:endParaRPr lang="en-US"/>
+        </a:p>
+      </dgm:t>
+    </dgm:pt>
+    <dgm:pt modelId="{99FD7F24-5BB9-46E8-BB7C-4B477B73B815}" type="pres">
+      <dgm:prSet presAssocID="{81269538-BFC5-48BB-BEA1-D7AF1F385FD5}" presName="Name0" presStyleCnt="0">
+        <dgm:presLayoutVars>
+          <dgm:dir/>
+          <dgm:animLvl val="lvl"/>
+          <dgm:resizeHandles val="exact"/>
+        </dgm:presLayoutVars>
+      </dgm:prSet>
+      <dgm:spPr/>
+    </dgm:pt>
+    <dgm:pt modelId="{BBAB8945-0B00-4547-92CF-AE59FDD0EF39}" type="pres">
+      <dgm:prSet presAssocID="{0D51337A-31FA-4717-B2BF-9243F96D2B9B}" presName="linNode" presStyleCnt="0"/>
+      <dgm:spPr/>
+    </dgm:pt>
+    <dgm:pt modelId="{3230722F-B757-4673-BD2F-9D4BAB5CEE8D}" type="pres">
+      <dgm:prSet presAssocID="{0D51337A-31FA-4717-B2BF-9243F96D2B9B}" presName="parentText" presStyleLbl="node1" presStyleIdx="0" presStyleCnt="4">
+        <dgm:presLayoutVars>
+          <dgm:chMax val="1"/>
+          <dgm:bulletEnabled val="1"/>
+        </dgm:presLayoutVars>
+      </dgm:prSet>
+      <dgm:spPr/>
+    </dgm:pt>
+    <dgm:pt modelId="{6FB9694A-6C63-4B23-90F6-4F208C00D399}" type="pres">
+      <dgm:prSet presAssocID="{0D51337A-31FA-4717-B2BF-9243F96D2B9B}" presName="descendantText" presStyleLbl="alignAccFollowNode1" presStyleIdx="0" presStyleCnt="4">
+        <dgm:presLayoutVars>
+          <dgm:bulletEnabled val="1"/>
+        </dgm:presLayoutVars>
+      </dgm:prSet>
+      <dgm:spPr/>
+    </dgm:pt>
+    <dgm:pt modelId="{3E4AEBB9-D07D-412D-A9F3-5F50CE85FF20}" type="pres">
+      <dgm:prSet presAssocID="{6799645E-F42F-43D8-B2EA-A1377D84D0B3}" presName="sp" presStyleCnt="0"/>
+      <dgm:spPr/>
+    </dgm:pt>
+    <dgm:pt modelId="{C60E4332-AB2E-4201-AF29-E3D9D2CE99DD}" type="pres">
+      <dgm:prSet presAssocID="{A7F7584C-6CC5-40A2-9566-2842A5DEA97A}" presName="linNode" presStyleCnt="0"/>
+      <dgm:spPr/>
+    </dgm:pt>
+    <dgm:pt modelId="{8A3FE5E4-2689-4041-B2C5-C63BC276A3EF}" type="pres">
+      <dgm:prSet presAssocID="{A7F7584C-6CC5-40A2-9566-2842A5DEA97A}" presName="parentText" presStyleLbl="node1" presStyleIdx="1" presStyleCnt="4">
+        <dgm:presLayoutVars>
+          <dgm:chMax val="1"/>
+          <dgm:bulletEnabled val="1"/>
+        </dgm:presLayoutVars>
+      </dgm:prSet>
+      <dgm:spPr/>
+    </dgm:pt>
+    <dgm:pt modelId="{329ECF1A-78BE-41CB-B252-8011825B67CD}" type="pres">
+      <dgm:prSet presAssocID="{A7F7584C-6CC5-40A2-9566-2842A5DEA97A}" presName="descendantText" presStyleLbl="alignAccFollowNode1" presStyleIdx="1" presStyleCnt="4">
+        <dgm:presLayoutVars>
+          <dgm:bulletEnabled val="1"/>
+        </dgm:presLayoutVars>
+      </dgm:prSet>
+      <dgm:spPr/>
+    </dgm:pt>
+    <dgm:pt modelId="{CF97419B-1653-4404-8A25-A4EB2811914A}" type="pres">
+      <dgm:prSet presAssocID="{C41ED6A4-512C-48AB-901D-671B73446005}" presName="sp" presStyleCnt="0"/>
+      <dgm:spPr/>
+    </dgm:pt>
+    <dgm:pt modelId="{74B4E996-D144-43FA-9C7B-5183D295C315}" type="pres">
+      <dgm:prSet presAssocID="{51A6936C-668E-4912-B1B4-BA2D45D3F624}" presName="linNode" presStyleCnt="0"/>
+      <dgm:spPr/>
+    </dgm:pt>
+    <dgm:pt modelId="{1C763A21-352A-41D1-A2E2-E305DABA275D}" type="pres">
+      <dgm:prSet presAssocID="{51A6936C-668E-4912-B1B4-BA2D45D3F624}" presName="parentText" presStyleLbl="node1" presStyleIdx="2" presStyleCnt="4">
+        <dgm:presLayoutVars>
+          <dgm:chMax val="1"/>
+          <dgm:bulletEnabled val="1"/>
+        </dgm:presLayoutVars>
+      </dgm:prSet>
+      <dgm:spPr/>
+    </dgm:pt>
+    <dgm:pt modelId="{A66EBD3D-E7C5-421C-B8B5-728648057DDC}" type="pres">
+      <dgm:prSet presAssocID="{51A6936C-668E-4912-B1B4-BA2D45D3F624}" presName="descendantText" presStyleLbl="alignAccFollowNode1" presStyleIdx="2" presStyleCnt="4">
+        <dgm:presLayoutVars>
+          <dgm:bulletEnabled val="1"/>
+        </dgm:presLayoutVars>
+      </dgm:prSet>
+      <dgm:spPr/>
+    </dgm:pt>
+    <dgm:pt modelId="{4D3735EA-64D5-44A4-9D60-787BDDA83D1A}" type="pres">
+      <dgm:prSet presAssocID="{E68031D9-E3F9-439E-86FC-2A0A3A3988D0}" presName="sp" presStyleCnt="0"/>
+      <dgm:spPr/>
+    </dgm:pt>
+    <dgm:pt modelId="{120DCED0-01FF-429D-8B4B-923E0875F75E}" type="pres">
+      <dgm:prSet presAssocID="{928B5CB8-3545-4EE5-8BED-981D3C6157A5}" presName="linNode" presStyleCnt="0"/>
+      <dgm:spPr/>
+    </dgm:pt>
+    <dgm:pt modelId="{B9324B26-5FF5-4FF7-9073-66103CBE8481}" type="pres">
+      <dgm:prSet presAssocID="{928B5CB8-3545-4EE5-8BED-981D3C6157A5}" presName="parentText" presStyleLbl="node1" presStyleIdx="3" presStyleCnt="4">
+        <dgm:presLayoutVars>
+          <dgm:chMax val="1"/>
+          <dgm:bulletEnabled val="1"/>
+        </dgm:presLayoutVars>
+      </dgm:prSet>
+      <dgm:spPr/>
+    </dgm:pt>
+    <dgm:pt modelId="{95E0557D-F0A1-4F38-8083-55DE7503164F}" type="pres">
+      <dgm:prSet presAssocID="{928B5CB8-3545-4EE5-8BED-981D3C6157A5}" presName="descendantText" presStyleLbl="alignAccFollowNode1" presStyleIdx="3" presStyleCnt="4">
+        <dgm:presLayoutVars>
+          <dgm:bulletEnabled val="1"/>
+        </dgm:presLayoutVars>
+      </dgm:prSet>
+      <dgm:spPr/>
+    </dgm:pt>
+  </dgm:ptLst>
+  <dgm:cxnLst>
+    <dgm:cxn modelId="{56052809-46E4-4445-B520-94004C28BB9D}" srcId="{A7F7584C-6CC5-40A2-9566-2842A5DEA97A}" destId="{9D8DAFB6-C744-4BD6-B757-393BF647EBB6}" srcOrd="0" destOrd="0" parTransId="{17C1C47E-8D1A-404A-B227-B017391CB5F6}" sibTransId="{C9B44773-68B1-427B-B9CA-0AEA186B621E}"/>
+    <dgm:cxn modelId="{A38C1039-CB78-4EBF-844F-7A838983E228}" type="presOf" srcId="{A7F7584C-6CC5-40A2-9566-2842A5DEA97A}" destId="{8A3FE5E4-2689-4041-B2C5-C63BC276A3EF}" srcOrd="0" destOrd="0" presId="urn:microsoft.com/office/officeart/2005/8/layout/vList5"/>
+    <dgm:cxn modelId="{764A7F40-FC93-4B5E-82E4-B29F920B2D30}" srcId="{928B5CB8-3545-4EE5-8BED-981D3C6157A5}" destId="{95A524E6-8A71-49A1-AF74-29696A02028A}" srcOrd="0" destOrd="0" parTransId="{52C86CAF-440B-4BB7-BD46-805908EC2D17}" sibTransId="{EE0C23C2-8A0C-497A-A914-ED60FDCA930F}"/>
+    <dgm:cxn modelId="{1D59D94A-4BF7-417E-B49B-225C005839A9}" srcId="{51A6936C-668E-4912-B1B4-BA2D45D3F624}" destId="{2A9B6C90-9B70-4ED8-9084-8651413BB905}" srcOrd="0" destOrd="0" parTransId="{47C005B7-F5AA-4111-A87D-782B117A0259}" sibTransId="{54109FB3-0563-4B2C-BFF0-181E047427F8}"/>
+    <dgm:cxn modelId="{6DF17F4D-4120-4DE8-8738-503F2519CD40}" type="presOf" srcId="{9D8DAFB6-C744-4BD6-B757-393BF647EBB6}" destId="{329ECF1A-78BE-41CB-B252-8011825B67CD}" srcOrd="0" destOrd="0" presId="urn:microsoft.com/office/officeart/2005/8/layout/vList5"/>
+    <dgm:cxn modelId="{D51B6075-27E4-4292-9F89-0CC50DF21ED9}" type="presOf" srcId="{51A6936C-668E-4912-B1B4-BA2D45D3F624}" destId="{1C763A21-352A-41D1-A2E2-E305DABA275D}" srcOrd="0" destOrd="0" presId="urn:microsoft.com/office/officeart/2005/8/layout/vList5"/>
+    <dgm:cxn modelId="{9E6BB655-7FE4-4F8D-B1D2-F885E60B8754}" srcId="{81269538-BFC5-48BB-BEA1-D7AF1F385FD5}" destId="{0D51337A-31FA-4717-B2BF-9243F96D2B9B}" srcOrd="0" destOrd="0" parTransId="{A9294D65-F371-46C8-A624-E557E9DF1A30}" sibTransId="{6799645E-F42F-43D8-B2EA-A1377D84D0B3}"/>
+    <dgm:cxn modelId="{085D3777-7996-4375-B5FB-BFD96D1BF9E4}" srcId="{81269538-BFC5-48BB-BEA1-D7AF1F385FD5}" destId="{928B5CB8-3545-4EE5-8BED-981D3C6157A5}" srcOrd="3" destOrd="0" parTransId="{8452F8D0-82FD-4609-B6BD-446E31563D8A}" sibTransId="{8EF545BA-8D8A-4813-A428-2F18D76E61FA}"/>
+    <dgm:cxn modelId="{C65EFE7A-5430-4917-89D2-D70BAF0289E3}" type="presOf" srcId="{2A9B6C90-9B70-4ED8-9084-8651413BB905}" destId="{A66EBD3D-E7C5-421C-B8B5-728648057DDC}" srcOrd="0" destOrd="0" presId="urn:microsoft.com/office/officeart/2005/8/layout/vList5"/>
+    <dgm:cxn modelId="{A316347C-9D1A-43C6-BE2B-DC184440E1C9}" srcId="{0D51337A-31FA-4717-B2BF-9243F96D2B9B}" destId="{E40970FA-9468-4353-8343-FE5E2BEBB8B0}" srcOrd="0" destOrd="0" parTransId="{85FA6A33-9FA9-4134-A6A3-A5D4748A1779}" sibTransId="{04FF68DF-CF36-4D12-9ECE-A3519B0AC88A}"/>
+    <dgm:cxn modelId="{53988784-A0E1-4D82-B36B-740DE83EB0C9}" type="presOf" srcId="{81269538-BFC5-48BB-BEA1-D7AF1F385FD5}" destId="{99FD7F24-5BB9-46E8-BB7C-4B477B73B815}" srcOrd="0" destOrd="0" presId="urn:microsoft.com/office/officeart/2005/8/layout/vList5"/>
+    <dgm:cxn modelId="{993E0796-DCBD-4EB2-9BAB-4437E125DA45}" type="presOf" srcId="{E40970FA-9468-4353-8343-FE5E2BEBB8B0}" destId="{6FB9694A-6C63-4B23-90F6-4F208C00D399}" srcOrd="0" destOrd="0" presId="urn:microsoft.com/office/officeart/2005/8/layout/vList5"/>
+    <dgm:cxn modelId="{000FE2BB-9FE6-4965-ADF5-E3E85B644286}" srcId="{81269538-BFC5-48BB-BEA1-D7AF1F385FD5}" destId="{51A6936C-668E-4912-B1B4-BA2D45D3F624}" srcOrd="2" destOrd="0" parTransId="{8F7D40F1-9723-47F5-BFD2-340696378D49}" sibTransId="{E68031D9-E3F9-439E-86FC-2A0A3A3988D0}"/>
+    <dgm:cxn modelId="{F68422C1-CD34-4DED-AA4B-85EFFF4FE933}" srcId="{81269538-BFC5-48BB-BEA1-D7AF1F385FD5}" destId="{A7F7584C-6CC5-40A2-9566-2842A5DEA97A}" srcOrd="1" destOrd="0" parTransId="{581272CD-5908-4C17-8E9B-8BF6DCE43C3E}" sibTransId="{C41ED6A4-512C-48AB-901D-671B73446005}"/>
+    <dgm:cxn modelId="{02B1C3C3-F2D2-4C80-8962-E0C9B39A6EF4}" type="presOf" srcId="{0D51337A-31FA-4717-B2BF-9243F96D2B9B}" destId="{3230722F-B757-4673-BD2F-9D4BAB5CEE8D}" srcOrd="0" destOrd="0" presId="urn:microsoft.com/office/officeart/2005/8/layout/vList5"/>
+    <dgm:cxn modelId="{A44DF6E5-2150-478D-AAB9-24BC6742BCEE}" type="presOf" srcId="{928B5CB8-3545-4EE5-8BED-981D3C6157A5}" destId="{B9324B26-5FF5-4FF7-9073-66103CBE8481}" srcOrd="0" destOrd="0" presId="urn:microsoft.com/office/officeart/2005/8/layout/vList5"/>
+    <dgm:cxn modelId="{66EBA0EC-F77C-4ABE-8815-8C8F4F6ACAB5}" type="presOf" srcId="{95A524E6-8A71-49A1-AF74-29696A02028A}" destId="{95E0557D-F0A1-4F38-8083-55DE7503164F}" srcOrd="0" destOrd="0" presId="urn:microsoft.com/office/officeart/2005/8/layout/vList5"/>
+    <dgm:cxn modelId="{45435F90-22A5-4C03-B101-FD4577E8A794}" type="presParOf" srcId="{99FD7F24-5BB9-46E8-BB7C-4B477B73B815}" destId="{BBAB8945-0B00-4547-92CF-AE59FDD0EF39}" srcOrd="0" destOrd="0" presId="urn:microsoft.com/office/officeart/2005/8/layout/vList5"/>
+    <dgm:cxn modelId="{B399DCC2-FF40-4D75-A2A7-A495D4AF2387}" type="presParOf" srcId="{BBAB8945-0B00-4547-92CF-AE59FDD0EF39}" destId="{3230722F-B757-4673-BD2F-9D4BAB5CEE8D}" srcOrd="0" destOrd="0" presId="urn:microsoft.com/office/officeart/2005/8/layout/vList5"/>
+    <dgm:cxn modelId="{4A0749A4-83B7-4DF9-BA0E-5506B76F10A1}" type="presParOf" srcId="{BBAB8945-0B00-4547-92CF-AE59FDD0EF39}" destId="{6FB9694A-6C63-4B23-90F6-4F208C00D399}" srcOrd="1" destOrd="0" presId="urn:microsoft.com/office/officeart/2005/8/layout/vList5"/>
+    <dgm:cxn modelId="{26C2F444-58E5-4B3C-A169-EBC64ABE0EE9}" type="presParOf" srcId="{99FD7F24-5BB9-46E8-BB7C-4B477B73B815}" destId="{3E4AEBB9-D07D-412D-A9F3-5F50CE85FF20}" srcOrd="1" destOrd="0" presId="urn:microsoft.com/office/officeart/2005/8/layout/vList5"/>
+    <dgm:cxn modelId="{FB2D3183-70C6-44DD-875A-CC09A2C89FEB}" type="presParOf" srcId="{99FD7F24-5BB9-46E8-BB7C-4B477B73B815}" destId="{C60E4332-AB2E-4201-AF29-E3D9D2CE99DD}" srcOrd="2" destOrd="0" presId="urn:microsoft.com/office/officeart/2005/8/layout/vList5"/>
+    <dgm:cxn modelId="{B9D84324-BE5B-4514-8201-6B25BE814C19}" type="presParOf" srcId="{C60E4332-AB2E-4201-AF29-E3D9D2CE99DD}" destId="{8A3FE5E4-2689-4041-B2C5-C63BC276A3EF}" srcOrd="0" destOrd="0" presId="urn:microsoft.com/office/officeart/2005/8/layout/vList5"/>
+    <dgm:cxn modelId="{62F196CC-DD4E-41F1-95F6-0E80E18CA40A}" type="presParOf" srcId="{C60E4332-AB2E-4201-AF29-E3D9D2CE99DD}" destId="{329ECF1A-78BE-41CB-B252-8011825B67CD}" srcOrd="1" destOrd="0" presId="urn:microsoft.com/office/officeart/2005/8/layout/vList5"/>
+    <dgm:cxn modelId="{902C8576-A8E1-4C1E-B647-4F0EFC878EDE}" type="presParOf" srcId="{99FD7F24-5BB9-46E8-BB7C-4B477B73B815}" destId="{CF97419B-1653-4404-8A25-A4EB2811914A}" srcOrd="3" destOrd="0" presId="urn:microsoft.com/office/officeart/2005/8/layout/vList5"/>
+    <dgm:cxn modelId="{C0AE58B2-3BCF-4A17-9962-82AF5DB00A66}" type="presParOf" srcId="{99FD7F24-5BB9-46E8-BB7C-4B477B73B815}" destId="{74B4E996-D144-43FA-9C7B-5183D295C315}" srcOrd="4" destOrd="0" presId="urn:microsoft.com/office/officeart/2005/8/layout/vList5"/>
+    <dgm:cxn modelId="{CC23B1CA-2592-479D-988C-BB870D7E9EC9}" type="presParOf" srcId="{74B4E996-D144-43FA-9C7B-5183D295C315}" destId="{1C763A21-352A-41D1-A2E2-E305DABA275D}" srcOrd="0" destOrd="0" presId="urn:microsoft.com/office/officeart/2005/8/layout/vList5"/>
+    <dgm:cxn modelId="{477107E6-023C-4B3F-96EF-D2D5DA516C5C}" type="presParOf" srcId="{74B4E996-D144-43FA-9C7B-5183D295C315}" destId="{A66EBD3D-E7C5-421C-B8B5-728648057DDC}" srcOrd="1" destOrd="0" presId="urn:microsoft.com/office/officeart/2005/8/layout/vList5"/>
+    <dgm:cxn modelId="{933347A6-BCAF-495A-96A7-208A97A1751A}" type="presParOf" srcId="{99FD7F24-5BB9-46E8-BB7C-4B477B73B815}" destId="{4D3735EA-64D5-44A4-9D60-787BDDA83D1A}" srcOrd="5" destOrd="0" presId="urn:microsoft.com/office/officeart/2005/8/layout/vList5"/>
+    <dgm:cxn modelId="{677D4939-AE22-4645-A75D-BD07DA38E78F}" type="presParOf" srcId="{99FD7F24-5BB9-46E8-BB7C-4B477B73B815}" destId="{120DCED0-01FF-429D-8B4B-923E0875F75E}" srcOrd="6" destOrd="0" presId="urn:microsoft.com/office/officeart/2005/8/layout/vList5"/>
+    <dgm:cxn modelId="{AF6385C2-1319-4602-9D19-9A89E6EBF57F}" type="presParOf" srcId="{120DCED0-01FF-429D-8B4B-923E0875F75E}" destId="{B9324B26-5FF5-4FF7-9073-66103CBE8481}" srcOrd="0" destOrd="0" presId="urn:microsoft.com/office/officeart/2005/8/layout/vList5"/>
+    <dgm:cxn modelId="{16466152-551A-417E-9EB3-4C0FC3867902}" type="presParOf" srcId="{120DCED0-01FF-429D-8B4B-923E0875F75E}" destId="{95E0557D-F0A1-4F38-8083-55DE7503164F}" srcOrd="1" destOrd="0" presId="urn:microsoft.com/office/officeart/2005/8/layout/vList5"/>
+  </dgm:cxnLst>
+  <dgm:bg/>
+  <dgm:whole/>
+  <dgm:extLst>
+    <a:ext uri="http://schemas.microsoft.com/office/drawing/2008/diagram">
+      <dsp:dataModelExt xmlns:dsp="http://schemas.microsoft.com/office/drawing/2008/diagram" relId="rId7" minVer="http://schemas.openxmlformats.org/drawingml/2006/diagram"/>
+    </a:ext>
+  </dgm:extLst>
+</dgm:dataModel>
+</file>
+
+<file path=ppt/diagrams/data3.xml><?xml version="1.0" encoding="utf-8"?>
+<dgm:dataModel xmlns:dgm="http://schemas.openxmlformats.org/drawingml/2006/diagram" xmlns:a="http://schemas.openxmlformats.org/drawingml/2006/main">
+  <dgm:ptLst>
+    <dgm:pt modelId="{81269538-BFC5-48BB-BEA1-D7AF1F385FD5}" type="doc">
+      <dgm:prSet loTypeId="urn:microsoft.com/office/officeart/2005/8/layout/vList5" loCatId="list" qsTypeId="urn:microsoft.com/office/officeart/2005/8/quickstyle/simple1" qsCatId="simple" csTypeId="urn:microsoft.com/office/officeart/2005/8/colors/accent1_2" csCatId="accent1" phldr="1"/>
+      <dgm:spPr/>
+      <dgm:t>
+        <a:bodyPr rtlCol="0"/>
+        <a:lstStyle/>
+        <a:p>
+          <a:pPr rtl="0"/>
+          <a:endParaRPr lang="en-US"/>
+        </a:p>
+      </dgm:t>
+    </dgm:pt>
+    <dgm:pt modelId="{0D51337A-31FA-4717-B2BF-9243F96D2B9B}">
+      <dgm:prSet phldrT="[Text]"/>
+      <dgm:spPr/>
+      <dgm:t>
+        <a:bodyPr rtlCol="0"/>
+        <a:lstStyle/>
+        <a:p>
+          <a:pPr rtl="0"/>
+          <a:r>
+            <a:rPr lang="fr">
+              <a:latin typeface="Tahoma" panose="020B0604030504040204" pitchFamily="34" charset="0"/>
+              <a:ea typeface="Tahoma" panose="020B0604030504040204" pitchFamily="34" charset="0"/>
+              <a:cs typeface="Tahoma" panose="020B0604030504040204" pitchFamily="34" charset="0"/>
+            </a:rPr>
+            <a:t>Quel est le problème ?</a:t>
+          </a:r>
+        </a:p>
+      </dgm:t>
+    </dgm:pt>
+    <dgm:pt modelId="{A9294D65-F371-46C8-A624-E557E9DF1A30}" type="parTrans" cxnId="{9E6BB655-7FE4-4F8D-B1D2-F885E60B8754}">
+      <dgm:prSet/>
+      <dgm:spPr/>
+      <dgm:t>
+        <a:bodyPr rtlCol="0"/>
+        <a:lstStyle/>
+        <a:p>
+          <a:pPr rtl="0"/>
+          <a:endParaRPr lang="en-US"/>
+        </a:p>
+      </dgm:t>
+    </dgm:pt>
+    <dgm:pt modelId="{6799645E-F42F-43D8-B2EA-A1377D84D0B3}" type="sibTrans" cxnId="{9E6BB655-7FE4-4F8D-B1D2-F885E60B8754}">
+      <dgm:prSet/>
+      <dgm:spPr/>
+      <dgm:t>
+        <a:bodyPr rtlCol="0"/>
+        <a:lstStyle/>
+        <a:p>
+          <a:pPr rtl="0"/>
+          <a:endParaRPr lang="en-US"/>
+        </a:p>
+      </dgm:t>
+    </dgm:pt>
+    <dgm:pt modelId="{E40970FA-9468-4353-8343-FE5E2BEBB8B0}">
+      <dgm:prSet phldrT="[Text]" custT="1"/>
+      <dgm:spPr/>
+      <dgm:t>
+        <a:bodyPr rtlCol="0"/>
+        <a:lstStyle/>
+        <a:p>
+          <a:pPr rtl="0"/>
+          <a:r>
+            <a:rPr lang="fr" sz="2400" dirty="0">
               <a:latin typeface="Tahoma" panose="020B0604030504040204" pitchFamily="34" charset="0"/>
               <a:ea typeface="Tahoma" panose="020B0604030504040204" pitchFamily="34" charset="0"/>
               <a:cs typeface="Tahoma" panose="020B0604030504040204" pitchFamily="34" charset="0"/>
@@ -2368,7 +3862,7 @@
         <a:p>
           <a:pPr rtl="0"/>
           <a:r>
-            <a:rPr lang="fr" sz="2400">
+            <a:rPr lang="fr" sz="2400" dirty="0">
               <a:latin typeface="Tahoma" panose="020B0604030504040204" pitchFamily="34" charset="0"/>
               <a:ea typeface="Tahoma" panose="020B0604030504040204" pitchFamily="34" charset="0"/>
               <a:cs typeface="Tahoma" panose="020B0604030504040204" pitchFamily="34" charset="0"/>
@@ -2654,8 +4148,8 @@
       </dsp:nvSpPr>
       <dsp:spPr>
         <a:xfrm>
-          <a:off x="3535" y="9213"/>
-          <a:ext cx="3447370" cy="905329"/>
+          <a:off x="3535" y="36628"/>
+          <a:ext cx="3447370" cy="576000"/>
         </a:xfrm>
         <a:prstGeom prst="rect">
           <a:avLst/>
@@ -2696,12 +4190,12 @@
         </a:fontRef>
       </dsp:style>
       <dsp:txBody>
-        <a:bodyPr spcFirstLastPara="0" vert="horz" wrap="square" lIns="177800" tIns="101600" rIns="177800" bIns="101600" numCol="1" spcCol="1270" rtlCol="0" anchor="ctr" anchorCtr="0">
+        <a:bodyPr spcFirstLastPara="0" vert="horz" wrap="square" lIns="142240" tIns="81280" rIns="142240" bIns="81280" numCol="1" spcCol="1270" rtlCol="0" anchor="ctr" anchorCtr="0">
           <a:noAutofit/>
         </a:bodyPr>
         <a:lstStyle/>
         <a:p>
-          <a:pPr marL="0" lvl="0" indent="0" algn="ctr" defTabSz="1111250" rtl="0">
+          <a:pPr marL="0" lvl="0" indent="0" algn="ctr" defTabSz="889000" rtl="0">
             <a:lnSpc>
               <a:spcPct val="90000"/>
             </a:lnSpc>
@@ -2714,7 +4208,7 @@
             <a:buNone/>
           </a:pPr>
           <a:r>
-            <a:rPr lang="fr" sz="2500" kern="1200" dirty="0">
+            <a:rPr lang="fr" sz="2000" kern="1200" dirty="0">
               <a:latin typeface="Tahoma" panose="020B0604030504040204" pitchFamily="34" charset="0"/>
               <a:ea typeface="Tahoma" panose="020B0604030504040204" pitchFamily="34" charset="0"/>
               <a:cs typeface="Tahoma" panose="020B0604030504040204" pitchFamily="34" charset="0"/>
@@ -2724,8 +4218,8 @@
         </a:p>
       </dsp:txBody>
       <dsp:txXfrm>
-        <a:off x="3535" y="9213"/>
-        <a:ext cx="3447370" cy="905329"/>
+        <a:off x="3535" y="36628"/>
+        <a:ext cx="3447370" cy="576000"/>
       </dsp:txXfrm>
     </dsp:sp>
     <dsp:sp modelId="{17CA1487-CDD9-4364-92F6-A11DBDAFE16C}">
@@ -2735,8 +4229,8 @@
       </dsp:nvSpPr>
       <dsp:spPr>
         <a:xfrm>
-          <a:off x="3535" y="914542"/>
-          <a:ext cx="3447370" cy="3568500"/>
+          <a:off x="3535" y="612628"/>
+          <a:ext cx="3447370" cy="3842999"/>
         </a:xfrm>
         <a:prstGeom prst="rect">
           <a:avLst/>
@@ -2779,12 +4273,12 @@
         <a:fontRef idx="minor"/>
       </dsp:style>
       <dsp:txBody>
-        <a:bodyPr spcFirstLastPara="0" vert="horz" wrap="square" lIns="133350" tIns="133350" rIns="177800" bIns="200025" numCol="1" spcCol="1270" rtlCol="0" anchor="t" anchorCtr="0">
+        <a:bodyPr spcFirstLastPara="0" vert="horz" wrap="square" lIns="106680" tIns="106680" rIns="142240" bIns="160020" numCol="1" spcCol="1270" rtlCol="0" anchor="t" anchorCtr="0">
           <a:noAutofit/>
         </a:bodyPr>
         <a:lstStyle/>
         <a:p>
-          <a:pPr marL="228600" lvl="1" indent="-228600" algn="l" defTabSz="1111250" rtl="0">
+          <a:pPr marL="228600" lvl="1" indent="-228600" algn="l" defTabSz="889000" rtl="0">
             <a:lnSpc>
               <a:spcPct val="90000"/>
             </a:lnSpc>
@@ -2798,7 +4292,7 @@
             <a:buChar char="•"/>
           </a:pPr>
           <a:r>
-            <a:rPr lang="fr" sz="2500" kern="1200" dirty="0">
+            <a:rPr lang="fr" sz="2000" kern="1200" dirty="0">
               <a:latin typeface="Tahoma" panose="020B0604030504040204" pitchFamily="34" charset="0"/>
               <a:ea typeface="Tahoma" panose="020B0604030504040204" pitchFamily="34" charset="0"/>
               <a:cs typeface="Tahoma" panose="020B0604030504040204" pitchFamily="34" charset="0"/>
@@ -2807,7 +4301,27 @@
           </a:r>
         </a:p>
         <a:p>
-          <a:pPr marL="228600" lvl="1" indent="-228600" algn="l" defTabSz="1111250" rtl="0">
+          <a:pPr marL="228600" lvl="1" indent="-228600" algn="l" defTabSz="889000" rtl="0">
+            <a:lnSpc>
+              <a:spcPct val="90000"/>
+            </a:lnSpc>
+            <a:spcBef>
+              <a:spcPct val="0"/>
+            </a:spcBef>
+            <a:spcAft>
+              <a:spcPct val="15000"/>
+            </a:spcAft>
+            <a:buFont typeface="Arial" panose="020B0604020202020204" pitchFamily="34" charset="0"/>
+            <a:buChar char="•"/>
+          </a:pPr>
+          <a:endParaRPr lang="fr" sz="2000" kern="1200" dirty="0">
+            <a:latin typeface="Tahoma" panose="020B0604030504040204" pitchFamily="34" charset="0"/>
+            <a:ea typeface="Tahoma" panose="020B0604030504040204" pitchFamily="34" charset="0"/>
+            <a:cs typeface="Tahoma" panose="020B0604030504040204" pitchFamily="34" charset="0"/>
+          </a:endParaRPr>
+        </a:p>
+        <a:p>
+          <a:pPr marL="228600" lvl="1" indent="-228600" algn="l" defTabSz="889000" rtl="0">
             <a:lnSpc>
               <a:spcPct val="90000"/>
             </a:lnSpc>
@@ -2821,7 +4335,7 @@
             <a:buChar char="•"/>
           </a:pPr>
           <a:r>
-            <a:rPr lang="fr" sz="2500" kern="1200" dirty="0">
+            <a:rPr lang="fr" sz="2000" kern="1200" dirty="0">
               <a:latin typeface="Tahoma" panose="020B0604030504040204" pitchFamily="34" charset="0"/>
               <a:ea typeface="Tahoma" panose="020B0604030504040204" pitchFamily="34" charset="0"/>
               <a:cs typeface="Tahoma" panose="020B0604030504040204" pitchFamily="34" charset="0"/>
@@ -2830,7 +4344,27 @@
           </a:r>
         </a:p>
         <a:p>
-          <a:pPr marL="228600" lvl="1" indent="-228600" algn="l" defTabSz="1111250" rtl="0">
+          <a:pPr marL="228600" lvl="1" indent="-228600" algn="l" defTabSz="889000" rtl="0">
+            <a:lnSpc>
+              <a:spcPct val="90000"/>
+            </a:lnSpc>
+            <a:spcBef>
+              <a:spcPct val="0"/>
+            </a:spcBef>
+            <a:spcAft>
+              <a:spcPct val="15000"/>
+            </a:spcAft>
+            <a:buFont typeface="Arial" panose="020B0604020202020204" pitchFamily="34" charset="0"/>
+            <a:buChar char="•"/>
+          </a:pPr>
+          <a:endParaRPr lang="fr" sz="2000" kern="1200" dirty="0">
+            <a:latin typeface="Tahoma" panose="020B0604030504040204" pitchFamily="34" charset="0"/>
+            <a:ea typeface="Tahoma" panose="020B0604030504040204" pitchFamily="34" charset="0"/>
+            <a:cs typeface="Tahoma" panose="020B0604030504040204" pitchFamily="34" charset="0"/>
+          </a:endParaRPr>
+        </a:p>
+        <a:p>
+          <a:pPr marL="228600" lvl="1" indent="-228600" algn="l" defTabSz="889000" rtl="0">
             <a:lnSpc>
               <a:spcPct val="90000"/>
             </a:lnSpc>
@@ -2844,18 +4378,38 @@
             <a:buChar char="•"/>
           </a:pPr>
           <a:r>
-            <a:rPr lang="fr" sz="2500" kern="1200" dirty="0">
+            <a:rPr lang="fr" sz="2000" kern="1200" dirty="0">
               <a:latin typeface="Tahoma" panose="020B0604030504040204" pitchFamily="34" charset="0"/>
               <a:ea typeface="Tahoma" panose="020B0604030504040204" pitchFamily="34" charset="0"/>
               <a:cs typeface="Tahoma" panose="020B0604030504040204" pitchFamily="34" charset="0"/>
             </a:rPr>
-            <a:t>Ici : ??</a:t>
+            <a:t>Concentrer les mesures de sécurité au niveau du point d’entrée du système</a:t>
           </a:r>
+        </a:p>
+        <a:p>
+          <a:pPr marL="228600" lvl="1" indent="-228600" algn="l" defTabSz="889000" rtl="0">
+            <a:lnSpc>
+              <a:spcPct val="90000"/>
+            </a:lnSpc>
+            <a:spcBef>
+              <a:spcPct val="0"/>
+            </a:spcBef>
+            <a:spcAft>
+              <a:spcPct val="15000"/>
+            </a:spcAft>
+            <a:buFont typeface="Arial" panose="020B0604020202020204" pitchFamily="34" charset="0"/>
+            <a:buChar char="•"/>
+          </a:pPr>
+          <a:endParaRPr lang="fr" sz="2000" kern="1200" dirty="0">
+            <a:latin typeface="Tahoma" panose="020B0604030504040204" pitchFamily="34" charset="0"/>
+            <a:ea typeface="Tahoma" panose="020B0604030504040204" pitchFamily="34" charset="0"/>
+            <a:cs typeface="Tahoma" panose="020B0604030504040204" pitchFamily="34" charset="0"/>
+          </a:endParaRPr>
         </a:p>
       </dsp:txBody>
       <dsp:txXfrm>
-        <a:off x="3535" y="914542"/>
-        <a:ext cx="3447370" cy="3568500"/>
+        <a:off x="3535" y="612628"/>
+        <a:ext cx="3447370" cy="3842999"/>
       </dsp:txXfrm>
     </dsp:sp>
     <dsp:sp modelId="{055A5EAB-EAE0-4501-8649-31F112FF9AD5}">
@@ -2865,8 +4419,8 @@
       </dsp:nvSpPr>
       <dsp:spPr>
         <a:xfrm>
-          <a:off x="3933537" y="9213"/>
-          <a:ext cx="3447370" cy="905329"/>
+          <a:off x="3933537" y="36628"/>
+          <a:ext cx="3447370" cy="576000"/>
         </a:xfrm>
         <a:prstGeom prst="rect">
           <a:avLst/>
@@ -2907,12 +4461,12 @@
         </a:fontRef>
       </dsp:style>
       <dsp:txBody>
-        <a:bodyPr spcFirstLastPara="0" vert="horz" wrap="square" lIns="177800" tIns="101600" rIns="177800" bIns="101600" numCol="1" spcCol="1270" rtlCol="0" anchor="ctr" anchorCtr="0">
+        <a:bodyPr spcFirstLastPara="0" vert="horz" wrap="square" lIns="142240" tIns="81280" rIns="142240" bIns="81280" numCol="1" spcCol="1270" rtlCol="0" anchor="ctr" anchorCtr="0">
           <a:noAutofit/>
         </a:bodyPr>
         <a:lstStyle/>
         <a:p>
-          <a:pPr marL="0" lvl="0" indent="0" algn="ctr" defTabSz="1111250" rtl="0">
+          <a:pPr marL="0" lvl="0" indent="0" algn="ctr" defTabSz="889000" rtl="0">
             <a:lnSpc>
               <a:spcPct val="90000"/>
             </a:lnSpc>
@@ -2925,7 +4479,7 @@
             <a:buNone/>
           </a:pPr>
           <a:r>
-            <a:rPr lang="fr" sz="2500" kern="1200" dirty="0">
+            <a:rPr lang="fr" sz="2000" kern="1200" dirty="0">
               <a:latin typeface="Tahoma" panose="020B0604030504040204" pitchFamily="34" charset="0"/>
               <a:ea typeface="Tahoma" panose="020B0604030504040204" pitchFamily="34" charset="0"/>
               <a:cs typeface="Tahoma" panose="020B0604030504040204" pitchFamily="34" charset="0"/>
@@ -2935,8 +4489,8 @@
         </a:p>
       </dsp:txBody>
       <dsp:txXfrm>
-        <a:off x="3933537" y="9213"/>
-        <a:ext cx="3447370" cy="905329"/>
+        <a:off x="3933537" y="36628"/>
+        <a:ext cx="3447370" cy="576000"/>
       </dsp:txXfrm>
     </dsp:sp>
     <dsp:sp modelId="{E4FD5043-5612-43C5-B6AE-CCD431549399}">
@@ -2946,8 +4500,8 @@
       </dsp:nvSpPr>
       <dsp:spPr>
         <a:xfrm>
-          <a:off x="3933537" y="914542"/>
-          <a:ext cx="3447370" cy="3568500"/>
+          <a:off x="3933537" y="612628"/>
+          <a:ext cx="3447370" cy="3842999"/>
         </a:xfrm>
         <a:prstGeom prst="rect">
           <a:avLst/>
@@ -2990,12 +4544,12 @@
         <a:fontRef idx="minor"/>
       </dsp:style>
       <dsp:txBody>
-        <a:bodyPr spcFirstLastPara="0" vert="horz" wrap="square" lIns="133350" tIns="133350" rIns="177800" bIns="200025" numCol="1" spcCol="1270" rtlCol="0" anchor="t" anchorCtr="0">
+        <a:bodyPr spcFirstLastPara="0" vert="horz" wrap="square" lIns="106680" tIns="106680" rIns="142240" bIns="160020" numCol="1" spcCol="1270" rtlCol="0" anchor="t" anchorCtr="0">
           <a:noAutofit/>
         </a:bodyPr>
         <a:lstStyle/>
         <a:p>
-          <a:pPr marL="228600" lvl="1" indent="-228600" algn="l" defTabSz="1111250" rtl="0">
+          <a:pPr marL="228600" lvl="1" indent="-228600" algn="l" defTabSz="889000" rtl="0">
             <a:lnSpc>
               <a:spcPct val="90000"/>
             </a:lnSpc>
@@ -3009,23 +4563,66 @@
             <a:buChar char="•"/>
           </a:pPr>
           <a:r>
-            <a:rPr lang="fr-FR" sz="2500" kern="1200" dirty="0">
+            <a:rPr lang="fr-FR" sz="2000" kern="1200" dirty="0">
               <a:latin typeface="Tahoma" panose="020B0604030504040204" pitchFamily="34" charset="0"/>
               <a:ea typeface="Tahoma" panose="020B0604030504040204" pitchFamily="34" charset="0"/>
               <a:cs typeface="Tahoma" panose="020B0604030504040204" pitchFamily="34" charset="0"/>
             </a:rPr>
             <a:t>une tâche ne doit bénéficier que de privilèges strictement nécessaires à l'exécution du code menant à bien ses fonctionnalités</a:t>
           </a:r>
-          <a:endParaRPr lang="fr" sz="2500" kern="1200" dirty="0">
+          <a:endParaRPr lang="fr" sz="2000" kern="1200" dirty="0">
             <a:latin typeface="Tahoma" panose="020B0604030504040204" pitchFamily="34" charset="0"/>
             <a:ea typeface="Tahoma" panose="020B0604030504040204" pitchFamily="34" charset="0"/>
             <a:cs typeface="Tahoma" panose="020B0604030504040204" pitchFamily="34" charset="0"/>
           </a:endParaRPr>
         </a:p>
+        <a:p>
+          <a:pPr marL="228600" lvl="1" indent="-228600" algn="l" defTabSz="889000" rtl="0">
+            <a:lnSpc>
+              <a:spcPct val="90000"/>
+            </a:lnSpc>
+            <a:spcBef>
+              <a:spcPct val="0"/>
+            </a:spcBef>
+            <a:spcAft>
+              <a:spcPct val="15000"/>
+            </a:spcAft>
+            <a:buFont typeface="Arial" panose="020B0604020202020204" pitchFamily="34" charset="0"/>
+            <a:buChar char="•"/>
+          </a:pPr>
+          <a:endParaRPr lang="fr" sz="2000" kern="1200" dirty="0">
+            <a:latin typeface="Tahoma" panose="020B0604030504040204" pitchFamily="34" charset="0"/>
+            <a:ea typeface="Tahoma" panose="020B0604030504040204" pitchFamily="34" charset="0"/>
+            <a:cs typeface="Tahoma" panose="020B0604030504040204" pitchFamily="34" charset="0"/>
+          </a:endParaRPr>
+        </a:p>
+        <a:p>
+          <a:pPr marL="228600" lvl="1" indent="-228600" algn="l" defTabSz="889000" rtl="0">
+            <a:lnSpc>
+              <a:spcPct val="90000"/>
+            </a:lnSpc>
+            <a:spcBef>
+              <a:spcPct val="0"/>
+            </a:spcBef>
+            <a:spcAft>
+              <a:spcPct val="15000"/>
+            </a:spcAft>
+            <a:buFont typeface="Arial" panose="020B0604020202020204" pitchFamily="34" charset="0"/>
+            <a:buChar char="•"/>
+          </a:pPr>
+          <a:r>
+            <a:rPr lang="fr" sz="2000" kern="1200" dirty="0">
+              <a:latin typeface="Tahoma" panose="020B0604030504040204" pitchFamily="34" charset="0"/>
+              <a:ea typeface="Tahoma" panose="020B0604030504040204" pitchFamily="34" charset="0"/>
+              <a:cs typeface="Tahoma" panose="020B0604030504040204" pitchFamily="34" charset="0"/>
+            </a:rPr>
+            <a:t>Limiter les permissions de l’utilisateur</a:t>
+          </a:r>
+        </a:p>
       </dsp:txBody>
       <dsp:txXfrm>
-        <a:off x="3933537" y="914542"/>
-        <a:ext cx="3447370" cy="3568500"/>
+        <a:off x="3933537" y="612628"/>
+        <a:ext cx="3447370" cy="3842999"/>
       </dsp:txXfrm>
     </dsp:sp>
     <dsp:sp modelId="{23D06E36-F688-4B37-8BB8-73015E665B0E}">
@@ -3035,8 +4632,8 @@
       </dsp:nvSpPr>
       <dsp:spPr>
         <a:xfrm>
-          <a:off x="7863539" y="9213"/>
-          <a:ext cx="3447370" cy="905329"/>
+          <a:off x="7863539" y="36628"/>
+          <a:ext cx="3447370" cy="576000"/>
         </a:xfrm>
         <a:prstGeom prst="rect">
           <a:avLst/>
@@ -3077,12 +4674,12 @@
         </a:fontRef>
       </dsp:style>
       <dsp:txBody>
-        <a:bodyPr spcFirstLastPara="0" vert="horz" wrap="square" lIns="177800" tIns="101600" rIns="177800" bIns="101600" numCol="1" spcCol="1270" rtlCol="0" anchor="ctr" anchorCtr="0">
+        <a:bodyPr spcFirstLastPara="0" vert="horz" wrap="square" lIns="142240" tIns="81280" rIns="142240" bIns="81280" numCol="1" spcCol="1270" rtlCol="0" anchor="ctr" anchorCtr="0">
           <a:noAutofit/>
         </a:bodyPr>
         <a:lstStyle/>
         <a:p>
-          <a:pPr marL="0" lvl="0" indent="0" algn="ctr" defTabSz="1111250" rtl="0">
+          <a:pPr marL="0" lvl="0" indent="0" algn="ctr" defTabSz="889000" rtl="0">
             <a:lnSpc>
               <a:spcPct val="90000"/>
             </a:lnSpc>
@@ -3095,7 +4692,7 @@
             <a:buNone/>
           </a:pPr>
           <a:r>
-            <a:rPr lang="fr" sz="2500" kern="1200" dirty="0">
+            <a:rPr lang="fr" sz="2000" kern="1200" dirty="0">
               <a:latin typeface="Tahoma" panose="020B0604030504040204" pitchFamily="34" charset="0"/>
               <a:ea typeface="Tahoma" panose="020B0604030504040204" pitchFamily="34" charset="0"/>
               <a:cs typeface="Tahoma" panose="020B0604030504040204" pitchFamily="34" charset="0"/>
@@ -3105,8 +4702,8 @@
         </a:p>
       </dsp:txBody>
       <dsp:txXfrm>
-        <a:off x="7863539" y="9213"/>
-        <a:ext cx="3447370" cy="905329"/>
+        <a:off x="7863539" y="36628"/>
+        <a:ext cx="3447370" cy="576000"/>
       </dsp:txXfrm>
     </dsp:sp>
     <dsp:sp modelId="{EA81ED6A-A7EA-4137-A3DC-D16E79F1B938}">
@@ -3116,8 +4713,8 @@
       </dsp:nvSpPr>
       <dsp:spPr>
         <a:xfrm>
-          <a:off x="7863539" y="914542"/>
-          <a:ext cx="3447370" cy="3568500"/>
+          <a:off x="7863539" y="612628"/>
+          <a:ext cx="3447370" cy="3842999"/>
         </a:xfrm>
         <a:prstGeom prst="rect">
           <a:avLst/>
@@ -3160,12 +4757,12 @@
         <a:fontRef idx="minor"/>
       </dsp:style>
       <dsp:txBody>
-        <a:bodyPr spcFirstLastPara="0" vert="horz" wrap="square" lIns="133350" tIns="133350" rIns="177800" bIns="200025" numCol="1" spcCol="1270" rtlCol="0" anchor="t" anchorCtr="0">
+        <a:bodyPr spcFirstLastPara="0" vert="horz" wrap="square" lIns="106680" tIns="106680" rIns="142240" bIns="160020" numCol="1" spcCol="1270" rtlCol="0" anchor="t" anchorCtr="0">
           <a:noAutofit/>
         </a:bodyPr>
         <a:lstStyle/>
         <a:p>
-          <a:pPr marL="228600" lvl="1" indent="-228600" algn="l" defTabSz="1111250" rtl="0">
+          <a:pPr marL="228600" lvl="1" indent="-228600" algn="l" defTabSz="889000" rtl="0">
             <a:lnSpc>
               <a:spcPct val="90000"/>
             </a:lnSpc>
@@ -3179,23 +4776,66 @@
             <a:buChar char="•"/>
           </a:pPr>
           <a:r>
-            <a:rPr lang="fr-FR" sz="2500" kern="1200" dirty="0">
+            <a:rPr lang="fr-FR" sz="2000" kern="1200" dirty="0">
               <a:latin typeface="Tahoma" panose="020B0604030504040204" pitchFamily="34" charset="0"/>
               <a:ea typeface="Tahoma" panose="020B0604030504040204" pitchFamily="34" charset="0"/>
               <a:cs typeface="Tahoma" panose="020B0604030504040204" pitchFamily="34" charset="0"/>
             </a:rPr>
-            <a:t>Permettre la traçabilité de l'activité d'un réseau et d'apporter la preuve de cette activité</a:t>
+            <a:t>Permettre la traçabilité de l'activité d'un réseau et d'apporter la preuve de cette activité.</a:t>
           </a:r>
-          <a:endParaRPr lang="fr" sz="2500" kern="1200" dirty="0">
+          <a:endParaRPr lang="fr" sz="2000" kern="1200" dirty="0">
             <a:latin typeface="Tahoma" panose="020B0604030504040204" pitchFamily="34" charset="0"/>
             <a:ea typeface="Tahoma" panose="020B0604030504040204" pitchFamily="34" charset="0"/>
             <a:cs typeface="Tahoma" panose="020B0604030504040204" pitchFamily="34" charset="0"/>
           </a:endParaRPr>
         </a:p>
+        <a:p>
+          <a:pPr marL="228600" lvl="1" indent="-228600" algn="l" defTabSz="889000" rtl="0">
+            <a:lnSpc>
+              <a:spcPct val="90000"/>
+            </a:lnSpc>
+            <a:spcBef>
+              <a:spcPct val="0"/>
+            </a:spcBef>
+            <a:spcAft>
+              <a:spcPct val="15000"/>
+            </a:spcAft>
+            <a:buFont typeface="Arial" panose="020B0604020202020204" pitchFamily="34" charset="0"/>
+            <a:buChar char="•"/>
+          </a:pPr>
+          <a:endParaRPr lang="fr" sz="2000" kern="1200" dirty="0">
+            <a:latin typeface="Tahoma" panose="020B0604030504040204" pitchFamily="34" charset="0"/>
+            <a:ea typeface="Tahoma" panose="020B0604030504040204" pitchFamily="34" charset="0"/>
+            <a:cs typeface="Tahoma" panose="020B0604030504040204" pitchFamily="34" charset="0"/>
+          </a:endParaRPr>
+        </a:p>
+        <a:p>
+          <a:pPr marL="228600" lvl="1" indent="-228600" algn="l" defTabSz="889000" rtl="0">
+            <a:lnSpc>
+              <a:spcPct val="90000"/>
+            </a:lnSpc>
+            <a:spcBef>
+              <a:spcPct val="0"/>
+            </a:spcBef>
+            <a:spcAft>
+              <a:spcPct val="15000"/>
+            </a:spcAft>
+            <a:buFont typeface="Arial" panose="020B0604020202020204" pitchFamily="34" charset="0"/>
+            <a:buChar char="•"/>
+          </a:pPr>
+          <a:r>
+            <a:rPr lang="fr" sz="2000" kern="1200" dirty="0">
+              <a:latin typeface="Tahoma" panose="020B0604030504040204" pitchFamily="34" charset="0"/>
+              <a:ea typeface="Tahoma" panose="020B0604030504040204" pitchFamily="34" charset="0"/>
+              <a:cs typeface="Tahoma" panose="020B0604030504040204" pitchFamily="34" charset="0"/>
+            </a:rPr>
+            <a:t>Détection des incidents de sécurité</a:t>
+          </a:r>
+        </a:p>
       </dsp:txBody>
       <dsp:txXfrm>
-        <a:off x="7863539" y="914542"/>
-        <a:ext cx="3447370" cy="3568500"/>
+        <a:off x="7863539" y="612628"/>
+        <a:ext cx="3447370" cy="3842999"/>
       </dsp:txXfrm>
     </dsp:sp>
   </dsp:spTree>
@@ -3279,7 +4919,672 @@
             <a:buChar char="•"/>
           </a:pPr>
           <a:r>
+            <a:rPr lang="fr" sz="2400" kern="1200" dirty="0">
+              <a:latin typeface="Tahoma" panose="020B0604030504040204" pitchFamily="34" charset="0"/>
+              <a:ea typeface="Tahoma" panose="020B0604030504040204" pitchFamily="34" charset="0"/>
+              <a:cs typeface="Tahoma" panose="020B0604030504040204" pitchFamily="34" charset="0"/>
+            </a:rPr>
+            <a:t>[Texte]</a:t>
+          </a:r>
+        </a:p>
+      </dsp:txBody>
+      <dsp:txXfrm rot="-5400000">
+        <a:off x="3566160" y="120324"/>
+        <a:ext cx="6306545" cy="615466"/>
+      </dsp:txXfrm>
+    </dsp:sp>
+    <dsp:sp modelId="{3230722F-B757-4673-BD2F-9D4BAB5CEE8D}">
+      <dsp:nvSpPr>
+        <dsp:cNvPr id="0" name=""/>
+        <dsp:cNvSpPr/>
+      </dsp:nvSpPr>
+      <dsp:spPr>
+        <a:xfrm>
+          <a:off x="0" y="1772"/>
+          <a:ext cx="3566160" cy="852570"/>
+        </a:xfrm>
+        <a:prstGeom prst="roundRect">
+          <a:avLst/>
+        </a:prstGeom>
+        <a:solidFill>
+          <a:schemeClr val="accent1">
+            <a:hueOff val="0"/>
+            <a:satOff val="0"/>
+            <a:lumOff val="0"/>
+            <a:alphaOff val="0"/>
+          </a:schemeClr>
+        </a:solidFill>
+        <a:ln w="15875" cap="flat" cmpd="sng" algn="ctr">
+          <a:solidFill>
+            <a:schemeClr val="lt1">
+              <a:hueOff val="0"/>
+              <a:satOff val="0"/>
+              <a:lumOff val="0"/>
+              <a:alphaOff val="0"/>
+            </a:schemeClr>
+          </a:solidFill>
+          <a:prstDash val="solid"/>
+        </a:ln>
+        <a:effectLst/>
+      </dsp:spPr>
+      <dsp:style>
+        <a:lnRef idx="2">
+          <a:scrgbClr r="0" g="0" b="0"/>
+        </a:lnRef>
+        <a:fillRef idx="1">
+          <a:scrgbClr r="0" g="0" b="0"/>
+        </a:fillRef>
+        <a:effectRef idx="0">
+          <a:scrgbClr r="0" g="0" b="0"/>
+        </a:effectRef>
+        <a:fontRef idx="minor">
+          <a:schemeClr val="lt1"/>
+        </a:fontRef>
+      </dsp:style>
+      <dsp:txBody>
+        <a:bodyPr spcFirstLastPara="0" vert="horz" wrap="square" lIns="91440" tIns="45720" rIns="91440" bIns="45720" numCol="1" spcCol="1270" rtlCol="0" anchor="ctr" anchorCtr="0">
+          <a:noAutofit/>
+        </a:bodyPr>
+        <a:lstStyle/>
+        <a:p>
+          <a:pPr marL="0" lvl="0" indent="0" algn="ctr" defTabSz="1066800" rtl="0">
+            <a:lnSpc>
+              <a:spcPct val="90000"/>
+            </a:lnSpc>
+            <a:spcBef>
+              <a:spcPct val="0"/>
+            </a:spcBef>
+            <a:spcAft>
+              <a:spcPct val="35000"/>
+            </a:spcAft>
+            <a:buNone/>
+          </a:pPr>
+          <a:r>
             <a:rPr lang="fr" sz="2400" kern="1200">
+              <a:latin typeface="Tahoma" panose="020B0604030504040204" pitchFamily="34" charset="0"/>
+              <a:ea typeface="Tahoma" panose="020B0604030504040204" pitchFamily="34" charset="0"/>
+              <a:cs typeface="Tahoma" panose="020B0604030504040204" pitchFamily="34" charset="0"/>
+            </a:rPr>
+            <a:t>Quel est le problème ?</a:t>
+          </a:r>
+        </a:p>
+      </dsp:txBody>
+      <dsp:txXfrm>
+        <a:off x="41619" y="43391"/>
+        <a:ext cx="3482922" cy="769332"/>
+      </dsp:txXfrm>
+    </dsp:sp>
+    <dsp:sp modelId="{329ECF1A-78BE-41CB-B252-8011825B67CD}">
+      <dsp:nvSpPr>
+        <dsp:cNvPr id="0" name=""/>
+        <dsp:cNvSpPr/>
+      </dsp:nvSpPr>
+      <dsp:spPr>
+        <a:xfrm rot="5400000">
+          <a:off x="6395051" y="-1846663"/>
+          <a:ext cx="682056" cy="6339840"/>
+        </a:xfrm>
+        <a:prstGeom prst="round2SameRect">
+          <a:avLst/>
+        </a:prstGeom>
+        <a:solidFill>
+          <a:schemeClr val="accent1">
+            <a:alpha val="90000"/>
+            <a:tint val="40000"/>
+            <a:hueOff val="0"/>
+            <a:satOff val="0"/>
+            <a:lumOff val="0"/>
+            <a:alphaOff val="0"/>
+          </a:schemeClr>
+        </a:solidFill>
+        <a:ln w="15875" cap="flat" cmpd="sng" algn="ctr">
+          <a:solidFill>
+            <a:schemeClr val="accent1">
+              <a:alpha val="90000"/>
+              <a:tint val="40000"/>
+              <a:hueOff val="0"/>
+              <a:satOff val="0"/>
+              <a:lumOff val="0"/>
+              <a:alphaOff val="0"/>
+            </a:schemeClr>
+          </a:solidFill>
+          <a:prstDash val="solid"/>
+        </a:ln>
+        <a:effectLst/>
+      </dsp:spPr>
+      <dsp:style>
+        <a:lnRef idx="2">
+          <a:scrgbClr r="0" g="0" b="0"/>
+        </a:lnRef>
+        <a:fillRef idx="1">
+          <a:scrgbClr r="0" g="0" b="0"/>
+        </a:fillRef>
+        <a:effectRef idx="0">
+          <a:scrgbClr r="0" g="0" b="0"/>
+        </a:effectRef>
+        <a:fontRef idx="minor"/>
+      </dsp:style>
+      <dsp:txBody>
+        <a:bodyPr spcFirstLastPara="0" vert="horz" wrap="square" lIns="247650" tIns="123825" rIns="247650" bIns="123825" numCol="1" spcCol="1270" rtlCol="0" anchor="ctr" anchorCtr="0">
+          <a:noAutofit/>
+        </a:bodyPr>
+        <a:lstStyle/>
+        <a:p>
+          <a:pPr marL="228600" lvl="1" indent="-228600" algn="l" defTabSz="1066800" rtl="0">
+            <a:lnSpc>
+              <a:spcPct val="90000"/>
+            </a:lnSpc>
+            <a:spcBef>
+              <a:spcPct val="0"/>
+            </a:spcBef>
+            <a:spcAft>
+              <a:spcPct val="15000"/>
+            </a:spcAft>
+            <a:buChar char="•"/>
+          </a:pPr>
+          <a:endParaRPr lang="fr" sz="2400" kern="1200" dirty="0">
+            <a:latin typeface="Tahoma" panose="020B0604030504040204" pitchFamily="34" charset="0"/>
+            <a:ea typeface="Tahoma" panose="020B0604030504040204" pitchFamily="34" charset="0"/>
+            <a:cs typeface="Tahoma" panose="020B0604030504040204" pitchFamily="34" charset="0"/>
+          </a:endParaRPr>
+        </a:p>
+      </dsp:txBody>
+      <dsp:txXfrm rot="-5400000">
+        <a:off x="3566160" y="1015523"/>
+        <a:ext cx="6306545" cy="615466"/>
+      </dsp:txXfrm>
+    </dsp:sp>
+    <dsp:sp modelId="{8A3FE5E4-2689-4041-B2C5-C63BC276A3EF}">
+      <dsp:nvSpPr>
+        <dsp:cNvPr id="0" name=""/>
+        <dsp:cNvSpPr/>
+      </dsp:nvSpPr>
+      <dsp:spPr>
+        <a:xfrm>
+          <a:off x="0" y="896971"/>
+          <a:ext cx="3566160" cy="852570"/>
+        </a:xfrm>
+        <a:prstGeom prst="roundRect">
+          <a:avLst/>
+        </a:prstGeom>
+        <a:solidFill>
+          <a:schemeClr val="accent1">
+            <a:hueOff val="0"/>
+            <a:satOff val="0"/>
+            <a:lumOff val="0"/>
+            <a:alphaOff val="0"/>
+          </a:schemeClr>
+        </a:solidFill>
+        <a:ln w="15875" cap="flat" cmpd="sng" algn="ctr">
+          <a:solidFill>
+            <a:schemeClr val="lt1">
+              <a:hueOff val="0"/>
+              <a:satOff val="0"/>
+              <a:lumOff val="0"/>
+              <a:alphaOff val="0"/>
+            </a:schemeClr>
+          </a:solidFill>
+          <a:prstDash val="solid"/>
+        </a:ln>
+        <a:effectLst/>
+      </dsp:spPr>
+      <dsp:style>
+        <a:lnRef idx="2">
+          <a:scrgbClr r="0" g="0" b="0"/>
+        </a:lnRef>
+        <a:fillRef idx="1">
+          <a:scrgbClr r="0" g="0" b="0"/>
+        </a:fillRef>
+        <a:effectRef idx="0">
+          <a:scrgbClr r="0" g="0" b="0"/>
+        </a:effectRef>
+        <a:fontRef idx="minor">
+          <a:schemeClr val="lt1"/>
+        </a:fontRef>
+      </dsp:style>
+      <dsp:txBody>
+        <a:bodyPr spcFirstLastPara="0" vert="horz" wrap="square" lIns="91440" tIns="45720" rIns="91440" bIns="45720" numCol="1" spcCol="1270" rtlCol="0" anchor="ctr" anchorCtr="0">
+          <a:noAutofit/>
+        </a:bodyPr>
+        <a:lstStyle/>
+        <a:p>
+          <a:pPr marL="0" lvl="0" indent="0" algn="ctr" defTabSz="1066800" rtl="0">
+            <a:lnSpc>
+              <a:spcPct val="90000"/>
+            </a:lnSpc>
+            <a:spcBef>
+              <a:spcPct val="0"/>
+            </a:spcBef>
+            <a:spcAft>
+              <a:spcPct val="35000"/>
+            </a:spcAft>
+            <a:buNone/>
+          </a:pPr>
+          <a:r>
+            <a:rPr lang="fr" sz="2400" kern="1200">
+              <a:latin typeface="Tahoma" panose="020B0604030504040204" pitchFamily="34" charset="0"/>
+              <a:ea typeface="Tahoma" panose="020B0604030504040204" pitchFamily="34" charset="0"/>
+              <a:cs typeface="Tahoma" panose="020B0604030504040204" pitchFamily="34" charset="0"/>
+            </a:rPr>
+            <a:t>Qui rencontre ce problème ?</a:t>
+          </a:r>
+        </a:p>
+      </dsp:txBody>
+      <dsp:txXfrm>
+        <a:off x="41619" y="938590"/>
+        <a:ext cx="3482922" cy="769332"/>
+      </dsp:txXfrm>
+    </dsp:sp>
+    <dsp:sp modelId="{A66EBD3D-E7C5-421C-B8B5-728648057DDC}">
+      <dsp:nvSpPr>
+        <dsp:cNvPr id="0" name=""/>
+        <dsp:cNvSpPr/>
+      </dsp:nvSpPr>
+      <dsp:spPr>
+        <a:xfrm rot="5400000">
+          <a:off x="6395051" y="-951464"/>
+          <a:ext cx="682056" cy="6339840"/>
+        </a:xfrm>
+        <a:prstGeom prst="round2SameRect">
+          <a:avLst/>
+        </a:prstGeom>
+        <a:solidFill>
+          <a:schemeClr val="accent1">
+            <a:alpha val="90000"/>
+            <a:tint val="40000"/>
+            <a:hueOff val="0"/>
+            <a:satOff val="0"/>
+            <a:lumOff val="0"/>
+            <a:alphaOff val="0"/>
+          </a:schemeClr>
+        </a:solidFill>
+        <a:ln w="15875" cap="flat" cmpd="sng" algn="ctr">
+          <a:solidFill>
+            <a:schemeClr val="accent1">
+              <a:alpha val="90000"/>
+              <a:tint val="40000"/>
+              <a:hueOff val="0"/>
+              <a:satOff val="0"/>
+              <a:lumOff val="0"/>
+              <a:alphaOff val="0"/>
+            </a:schemeClr>
+          </a:solidFill>
+          <a:prstDash val="solid"/>
+        </a:ln>
+        <a:effectLst/>
+      </dsp:spPr>
+      <dsp:style>
+        <a:lnRef idx="2">
+          <a:scrgbClr r="0" g="0" b="0"/>
+        </a:lnRef>
+        <a:fillRef idx="1">
+          <a:scrgbClr r="0" g="0" b="0"/>
+        </a:fillRef>
+        <a:effectRef idx="0">
+          <a:scrgbClr r="0" g="0" b="0"/>
+        </a:effectRef>
+        <a:fontRef idx="minor"/>
+      </dsp:style>
+      <dsp:txBody>
+        <a:bodyPr spcFirstLastPara="0" vert="horz" wrap="square" lIns="247650" tIns="123825" rIns="247650" bIns="123825" numCol="1" spcCol="1270" rtlCol="0" anchor="ctr" anchorCtr="0">
+          <a:noAutofit/>
+        </a:bodyPr>
+        <a:lstStyle/>
+        <a:p>
+          <a:pPr marL="228600" lvl="1" indent="-228600" algn="l" defTabSz="1066800" rtl="0">
+            <a:lnSpc>
+              <a:spcPct val="90000"/>
+            </a:lnSpc>
+            <a:spcBef>
+              <a:spcPct val="0"/>
+            </a:spcBef>
+            <a:spcAft>
+              <a:spcPct val="15000"/>
+            </a:spcAft>
+            <a:buChar char="•"/>
+          </a:pPr>
+          <a:r>
+            <a:rPr lang="fr" sz="2400" kern="1200" dirty="0">
+              <a:latin typeface="Tahoma" panose="020B0604030504040204" pitchFamily="34" charset="0"/>
+              <a:ea typeface="Tahoma" panose="020B0604030504040204" pitchFamily="34" charset="0"/>
+              <a:cs typeface="Tahoma" panose="020B0604030504040204" pitchFamily="34" charset="0"/>
+            </a:rPr>
+            <a:t>Eviter </a:t>
+          </a:r>
+        </a:p>
+      </dsp:txBody>
+      <dsp:txXfrm rot="-5400000">
+        <a:off x="3566160" y="1910722"/>
+        <a:ext cx="6306545" cy="615466"/>
+      </dsp:txXfrm>
+    </dsp:sp>
+    <dsp:sp modelId="{1C763A21-352A-41D1-A2E2-E305DABA275D}">
+      <dsp:nvSpPr>
+        <dsp:cNvPr id="0" name=""/>
+        <dsp:cNvSpPr/>
+      </dsp:nvSpPr>
+      <dsp:spPr>
+        <a:xfrm>
+          <a:off x="0" y="1792170"/>
+          <a:ext cx="3566160" cy="852570"/>
+        </a:xfrm>
+        <a:prstGeom prst="roundRect">
+          <a:avLst/>
+        </a:prstGeom>
+        <a:solidFill>
+          <a:schemeClr val="accent1">
+            <a:hueOff val="0"/>
+            <a:satOff val="0"/>
+            <a:lumOff val="0"/>
+            <a:alphaOff val="0"/>
+          </a:schemeClr>
+        </a:solidFill>
+        <a:ln w="15875" cap="flat" cmpd="sng" algn="ctr">
+          <a:solidFill>
+            <a:schemeClr val="lt1">
+              <a:hueOff val="0"/>
+              <a:satOff val="0"/>
+              <a:lumOff val="0"/>
+              <a:alphaOff val="0"/>
+            </a:schemeClr>
+          </a:solidFill>
+          <a:prstDash val="solid"/>
+        </a:ln>
+        <a:effectLst/>
+      </dsp:spPr>
+      <dsp:style>
+        <a:lnRef idx="2">
+          <a:scrgbClr r="0" g="0" b="0"/>
+        </a:lnRef>
+        <a:fillRef idx="1">
+          <a:scrgbClr r="0" g="0" b="0"/>
+        </a:fillRef>
+        <a:effectRef idx="0">
+          <a:scrgbClr r="0" g="0" b="0"/>
+        </a:effectRef>
+        <a:fontRef idx="minor">
+          <a:schemeClr val="lt1"/>
+        </a:fontRef>
+      </dsp:style>
+      <dsp:txBody>
+        <a:bodyPr spcFirstLastPara="0" vert="horz" wrap="square" lIns="91440" tIns="45720" rIns="91440" bIns="45720" numCol="1" spcCol="1270" rtlCol="0" anchor="ctr" anchorCtr="0">
+          <a:noAutofit/>
+        </a:bodyPr>
+        <a:lstStyle/>
+        <a:p>
+          <a:pPr marL="0" lvl="0" indent="0" algn="ctr" defTabSz="1066800" rtl="0">
+            <a:lnSpc>
+              <a:spcPct val="90000"/>
+            </a:lnSpc>
+            <a:spcBef>
+              <a:spcPct val="0"/>
+            </a:spcBef>
+            <a:spcAft>
+              <a:spcPct val="35000"/>
+            </a:spcAft>
+            <a:buNone/>
+          </a:pPr>
+          <a:r>
+            <a:rPr lang="fr" sz="2400" kern="1200">
+              <a:latin typeface="Tahoma" panose="020B0604030504040204" pitchFamily="34" charset="0"/>
+              <a:ea typeface="Tahoma" panose="020B0604030504040204" pitchFamily="34" charset="0"/>
+              <a:cs typeface="Tahoma" panose="020B0604030504040204" pitchFamily="34" charset="0"/>
+            </a:rPr>
+            <a:t>Pourquoi faut-il résoudre ce problème ?</a:t>
+          </a:r>
+        </a:p>
+      </dsp:txBody>
+      <dsp:txXfrm>
+        <a:off x="41619" y="1833789"/>
+        <a:ext cx="3482922" cy="769332"/>
+      </dsp:txXfrm>
+    </dsp:sp>
+    <dsp:sp modelId="{95E0557D-F0A1-4F38-8083-55DE7503164F}">
+      <dsp:nvSpPr>
+        <dsp:cNvPr id="0" name=""/>
+        <dsp:cNvSpPr/>
+      </dsp:nvSpPr>
+      <dsp:spPr>
+        <a:xfrm rot="5400000">
+          <a:off x="6395051" y="-56265"/>
+          <a:ext cx="682056" cy="6339840"/>
+        </a:xfrm>
+        <a:prstGeom prst="round2SameRect">
+          <a:avLst/>
+        </a:prstGeom>
+        <a:solidFill>
+          <a:schemeClr val="accent1">
+            <a:alpha val="90000"/>
+            <a:tint val="40000"/>
+            <a:hueOff val="0"/>
+            <a:satOff val="0"/>
+            <a:lumOff val="0"/>
+            <a:alphaOff val="0"/>
+          </a:schemeClr>
+        </a:solidFill>
+        <a:ln w="15875" cap="flat" cmpd="sng" algn="ctr">
+          <a:solidFill>
+            <a:schemeClr val="accent1">
+              <a:alpha val="90000"/>
+              <a:tint val="40000"/>
+              <a:hueOff val="0"/>
+              <a:satOff val="0"/>
+              <a:lumOff val="0"/>
+              <a:alphaOff val="0"/>
+            </a:schemeClr>
+          </a:solidFill>
+          <a:prstDash val="solid"/>
+        </a:ln>
+        <a:effectLst/>
+      </dsp:spPr>
+      <dsp:style>
+        <a:lnRef idx="2">
+          <a:scrgbClr r="0" g="0" b="0"/>
+        </a:lnRef>
+        <a:fillRef idx="1">
+          <a:scrgbClr r="0" g="0" b="0"/>
+        </a:fillRef>
+        <a:effectRef idx="0">
+          <a:scrgbClr r="0" g="0" b="0"/>
+        </a:effectRef>
+        <a:fontRef idx="minor"/>
+      </dsp:style>
+      <dsp:txBody>
+        <a:bodyPr spcFirstLastPara="0" vert="horz" wrap="square" lIns="247650" tIns="123825" rIns="247650" bIns="123825" numCol="1" spcCol="1270" rtlCol="0" anchor="ctr" anchorCtr="0">
+          <a:noAutofit/>
+        </a:bodyPr>
+        <a:lstStyle/>
+        <a:p>
+          <a:pPr marL="228600" lvl="1" indent="-228600" algn="l" defTabSz="1066800" rtl="0">
+            <a:lnSpc>
+              <a:spcPct val="90000"/>
+            </a:lnSpc>
+            <a:spcBef>
+              <a:spcPct val="0"/>
+            </a:spcBef>
+            <a:spcAft>
+              <a:spcPct val="15000"/>
+            </a:spcAft>
+            <a:buChar char="•"/>
+          </a:pPr>
+          <a:r>
+            <a:rPr lang="fr" sz="2400" kern="1200">
+              <a:latin typeface="Tahoma" panose="020B0604030504040204" pitchFamily="34" charset="0"/>
+              <a:ea typeface="Tahoma" panose="020B0604030504040204" pitchFamily="34" charset="0"/>
+              <a:cs typeface="Tahoma" panose="020B0604030504040204" pitchFamily="34" charset="0"/>
+            </a:rPr>
+            <a:t>[Texte]</a:t>
+          </a:r>
+        </a:p>
+      </dsp:txBody>
+      <dsp:txXfrm rot="-5400000">
+        <a:off x="3566160" y="2805921"/>
+        <a:ext cx="6306545" cy="615466"/>
+      </dsp:txXfrm>
+    </dsp:sp>
+    <dsp:sp modelId="{B9324B26-5FF5-4FF7-9073-66103CBE8481}">
+      <dsp:nvSpPr>
+        <dsp:cNvPr id="0" name=""/>
+        <dsp:cNvSpPr/>
+      </dsp:nvSpPr>
+      <dsp:spPr>
+        <a:xfrm>
+          <a:off x="0" y="2687369"/>
+          <a:ext cx="3566160" cy="852570"/>
+        </a:xfrm>
+        <a:prstGeom prst="roundRect">
+          <a:avLst/>
+        </a:prstGeom>
+        <a:solidFill>
+          <a:schemeClr val="accent1">
+            <a:hueOff val="0"/>
+            <a:satOff val="0"/>
+            <a:lumOff val="0"/>
+            <a:alphaOff val="0"/>
+          </a:schemeClr>
+        </a:solidFill>
+        <a:ln w="15875" cap="flat" cmpd="sng" algn="ctr">
+          <a:solidFill>
+            <a:schemeClr val="lt1">
+              <a:hueOff val="0"/>
+              <a:satOff val="0"/>
+              <a:lumOff val="0"/>
+              <a:alphaOff val="0"/>
+            </a:schemeClr>
+          </a:solidFill>
+          <a:prstDash val="solid"/>
+        </a:ln>
+        <a:effectLst/>
+      </dsp:spPr>
+      <dsp:style>
+        <a:lnRef idx="2">
+          <a:scrgbClr r="0" g="0" b="0"/>
+        </a:lnRef>
+        <a:fillRef idx="1">
+          <a:scrgbClr r="0" g="0" b="0"/>
+        </a:fillRef>
+        <a:effectRef idx="0">
+          <a:scrgbClr r="0" g="0" b="0"/>
+        </a:effectRef>
+        <a:fontRef idx="minor">
+          <a:schemeClr val="lt1"/>
+        </a:fontRef>
+      </dsp:style>
+      <dsp:txBody>
+        <a:bodyPr spcFirstLastPara="0" vert="horz" wrap="square" lIns="91440" tIns="45720" rIns="91440" bIns="45720" numCol="1" spcCol="1270" rtlCol="0" anchor="ctr" anchorCtr="0">
+          <a:noAutofit/>
+        </a:bodyPr>
+        <a:lstStyle/>
+        <a:p>
+          <a:pPr marL="0" lvl="0" indent="0" algn="ctr" defTabSz="1066800" rtl="0">
+            <a:lnSpc>
+              <a:spcPct val="90000"/>
+            </a:lnSpc>
+            <a:spcBef>
+              <a:spcPct val="0"/>
+            </a:spcBef>
+            <a:spcAft>
+              <a:spcPct val="35000"/>
+            </a:spcAft>
+            <a:buNone/>
+          </a:pPr>
+          <a:r>
+            <a:rPr lang="fr" sz="2400" kern="1200">
+              <a:latin typeface="Tahoma" panose="020B0604030504040204" pitchFamily="34" charset="0"/>
+              <a:ea typeface="Tahoma" panose="020B0604030504040204" pitchFamily="34" charset="0"/>
+              <a:cs typeface="Tahoma" panose="020B0604030504040204" pitchFamily="34" charset="0"/>
+            </a:rPr>
+            <a:t>Comment savoir que ce problème a été résolu ?</a:t>
+          </a:r>
+        </a:p>
+      </dsp:txBody>
+      <dsp:txXfrm>
+        <a:off x="41619" y="2728988"/>
+        <a:ext cx="3482922" cy="769332"/>
+      </dsp:txXfrm>
+    </dsp:sp>
+  </dsp:spTree>
+</dsp:drawing>
+</file>
+
+<file path=ppt/diagrams/drawing3.xml><?xml version="1.0" encoding="utf-8"?>
+<dsp:drawing xmlns:dgm="http://schemas.openxmlformats.org/drawingml/2006/diagram" xmlns:dsp="http://schemas.microsoft.com/office/drawing/2008/diagram" xmlns:a="http://schemas.openxmlformats.org/drawingml/2006/main">
+  <dsp:spTree>
+    <dsp:nvGrpSpPr>
+      <dsp:cNvPr id="0" name=""/>
+      <dsp:cNvGrpSpPr/>
+    </dsp:nvGrpSpPr>
+    <dsp:grpSpPr/>
+    <dsp:sp modelId="{6FB9694A-6C63-4B23-90F6-4F208C00D399}">
+      <dsp:nvSpPr>
+        <dsp:cNvPr id="0" name=""/>
+        <dsp:cNvSpPr/>
+      </dsp:nvSpPr>
+      <dsp:spPr>
+        <a:xfrm rot="5400000">
+          <a:off x="6395051" y="-2741862"/>
+          <a:ext cx="682056" cy="6339840"/>
+        </a:xfrm>
+        <a:prstGeom prst="round2SameRect">
+          <a:avLst/>
+        </a:prstGeom>
+        <a:solidFill>
+          <a:schemeClr val="accent1">
+            <a:alpha val="90000"/>
+            <a:tint val="40000"/>
+            <a:hueOff val="0"/>
+            <a:satOff val="0"/>
+            <a:lumOff val="0"/>
+            <a:alphaOff val="0"/>
+          </a:schemeClr>
+        </a:solidFill>
+        <a:ln w="15875" cap="flat" cmpd="sng" algn="ctr">
+          <a:solidFill>
+            <a:schemeClr val="accent1">
+              <a:alpha val="90000"/>
+              <a:tint val="40000"/>
+              <a:hueOff val="0"/>
+              <a:satOff val="0"/>
+              <a:lumOff val="0"/>
+              <a:alphaOff val="0"/>
+            </a:schemeClr>
+          </a:solidFill>
+          <a:prstDash val="solid"/>
+        </a:ln>
+        <a:effectLst/>
+      </dsp:spPr>
+      <dsp:style>
+        <a:lnRef idx="2">
+          <a:scrgbClr r="0" g="0" b="0"/>
+        </a:lnRef>
+        <a:fillRef idx="1">
+          <a:scrgbClr r="0" g="0" b="0"/>
+        </a:fillRef>
+        <a:effectRef idx="0">
+          <a:scrgbClr r="0" g="0" b="0"/>
+        </a:effectRef>
+        <a:fontRef idx="minor"/>
+      </dsp:style>
+      <dsp:txBody>
+        <a:bodyPr spcFirstLastPara="0" vert="horz" wrap="square" lIns="247650" tIns="123825" rIns="247650" bIns="123825" numCol="1" spcCol="1270" rtlCol="0" anchor="ctr" anchorCtr="0">
+          <a:noAutofit/>
+        </a:bodyPr>
+        <a:lstStyle/>
+        <a:p>
+          <a:pPr marL="228600" lvl="1" indent="-228600" algn="l" defTabSz="1066800" rtl="0">
+            <a:lnSpc>
+              <a:spcPct val="90000"/>
+            </a:lnSpc>
+            <a:spcBef>
+              <a:spcPct val="0"/>
+            </a:spcBef>
+            <a:spcAft>
+              <a:spcPct val="15000"/>
+            </a:spcAft>
+            <a:buChar char="•"/>
+          </a:pPr>
+          <a:r>
+            <a:rPr lang="fr" sz="2400" kern="1200" dirty="0">
               <a:latin typeface="Tahoma" panose="020B0604030504040204" pitchFamily="34" charset="0"/>
               <a:ea typeface="Tahoma" panose="020B0604030504040204" pitchFamily="34" charset="0"/>
               <a:cs typeface="Tahoma" panose="020B0604030504040204" pitchFamily="34" charset="0"/>
@@ -3607,7 +5912,7 @@
             <a:buChar char="•"/>
           </a:pPr>
           <a:r>
-            <a:rPr lang="fr" sz="2400" kern="1200">
+            <a:rPr lang="fr" sz="2400" kern="1200" dirty="0">
               <a:latin typeface="Tahoma" panose="020B0604030504040204" pitchFamily="34" charset="0"/>
               <a:ea typeface="Tahoma" panose="020B0604030504040204" pitchFamily="34" charset="0"/>
               <a:cs typeface="Tahoma" panose="020B0604030504040204" pitchFamily="34" charset="0"/>
@@ -4320,6 +6625,239 @@
 </dgm:layoutDef>
 </file>
 
+<file path=ppt/diagrams/layout3.xml><?xml version="1.0" encoding="utf-8"?>
+<dgm:layoutDef xmlns:dgm="http://schemas.openxmlformats.org/drawingml/2006/diagram" xmlns:a="http://schemas.openxmlformats.org/drawingml/2006/main" uniqueId="urn:microsoft.com/office/officeart/2005/8/layout/vList5">
+  <dgm:title val=""/>
+  <dgm:desc val=""/>
+  <dgm:catLst>
+    <dgm:cat type="list" pri="15000"/>
+    <dgm:cat type="convert" pri="2000"/>
+  </dgm:catLst>
+  <dgm:sampData>
+    <dgm:dataModel>
+      <dgm:ptLst>
+        <dgm:pt modelId="0" type="doc"/>
+        <dgm:pt modelId="1">
+          <dgm:prSet phldr="1"/>
+        </dgm:pt>
+        <dgm:pt modelId="11">
+          <dgm:prSet phldr="1"/>
+        </dgm:pt>
+        <dgm:pt modelId="12">
+          <dgm:prSet phldr="1"/>
+        </dgm:pt>
+        <dgm:pt modelId="2">
+          <dgm:prSet phldr="1"/>
+        </dgm:pt>
+        <dgm:pt modelId="21">
+          <dgm:prSet phldr="1"/>
+        </dgm:pt>
+        <dgm:pt modelId="22">
+          <dgm:prSet phldr="1"/>
+        </dgm:pt>
+        <dgm:pt modelId="3">
+          <dgm:prSet phldr="1"/>
+        </dgm:pt>
+        <dgm:pt modelId="31">
+          <dgm:prSet phldr="1"/>
+        </dgm:pt>
+        <dgm:pt modelId="32">
+          <dgm:prSet phldr="1"/>
+        </dgm:pt>
+      </dgm:ptLst>
+      <dgm:cxnLst>
+        <dgm:cxn modelId="4" srcId="0" destId="1" srcOrd="0" destOrd="0"/>
+        <dgm:cxn modelId="5" srcId="0" destId="2" srcOrd="1" destOrd="0"/>
+        <dgm:cxn modelId="6" srcId="0" destId="3" srcOrd="2" destOrd="0"/>
+        <dgm:cxn modelId="13" srcId="1" destId="11" srcOrd="0" destOrd="0"/>
+        <dgm:cxn modelId="14" srcId="1" destId="12" srcOrd="1" destOrd="0"/>
+        <dgm:cxn modelId="23" srcId="2" destId="21" srcOrd="0" destOrd="0"/>
+        <dgm:cxn modelId="24" srcId="2" destId="22" srcOrd="1" destOrd="0"/>
+        <dgm:cxn modelId="33" srcId="3" destId="31" srcOrd="0" destOrd="0"/>
+        <dgm:cxn modelId="34" srcId="3" destId="32" srcOrd="1" destOrd="0"/>
+      </dgm:cxnLst>
+      <dgm:bg/>
+      <dgm:whole/>
+    </dgm:dataModel>
+  </dgm:sampData>
+  <dgm:styleData>
+    <dgm:dataModel>
+      <dgm:ptLst>
+        <dgm:pt modelId="0" type="doc"/>
+        <dgm:pt modelId="1"/>
+        <dgm:pt modelId="11"/>
+        <dgm:pt modelId="2"/>
+        <dgm:pt modelId="21"/>
+      </dgm:ptLst>
+      <dgm:cxnLst>
+        <dgm:cxn modelId="4" srcId="0" destId="1" srcOrd="0" destOrd="0"/>
+        <dgm:cxn modelId="5" srcId="0" destId="2" srcOrd="1" destOrd="0"/>
+        <dgm:cxn modelId="13" srcId="1" destId="11" srcOrd="0" destOrd="0"/>
+        <dgm:cxn modelId="23" srcId="2" destId="21" srcOrd="0" destOrd="0"/>
+      </dgm:cxnLst>
+      <dgm:bg/>
+      <dgm:whole/>
+    </dgm:dataModel>
+  </dgm:styleData>
+  <dgm:clrData>
+    <dgm:dataModel>
+      <dgm:ptLst>
+        <dgm:pt modelId="0" type="doc"/>
+        <dgm:pt modelId="1"/>
+        <dgm:pt modelId="11"/>
+        <dgm:pt modelId="2"/>
+        <dgm:pt modelId="21"/>
+        <dgm:pt modelId="3"/>
+        <dgm:pt modelId="31"/>
+        <dgm:pt modelId="4"/>
+        <dgm:pt modelId="41"/>
+      </dgm:ptLst>
+      <dgm:cxnLst>
+        <dgm:cxn modelId="5" srcId="0" destId="1" srcOrd="0" destOrd="0"/>
+        <dgm:cxn modelId="6" srcId="0" destId="2" srcOrd="1" destOrd="0"/>
+        <dgm:cxn modelId="7" srcId="0" destId="3" srcOrd="2" destOrd="0"/>
+        <dgm:cxn modelId="8" srcId="0" destId="4" srcOrd="3" destOrd="0"/>
+        <dgm:cxn modelId="13" srcId="1" destId="11" srcOrd="0" destOrd="0"/>
+        <dgm:cxn modelId="23" srcId="2" destId="21" srcOrd="0" destOrd="0"/>
+        <dgm:cxn modelId="33" srcId="3" destId="31" srcOrd="0" destOrd="0"/>
+        <dgm:cxn modelId="43" srcId="4" destId="41" srcOrd="0" destOrd="0"/>
+      </dgm:cxnLst>
+      <dgm:bg/>
+      <dgm:whole/>
+    </dgm:dataModel>
+  </dgm:clrData>
+  <dgm:layoutNode name="Name0">
+    <dgm:varLst>
+      <dgm:dir/>
+      <dgm:animLvl val="lvl"/>
+      <dgm:resizeHandles val="exact"/>
+    </dgm:varLst>
+    <dgm:choose name="Name1">
+      <dgm:if name="Name2" func="var" arg="dir" op="equ" val="norm">
+        <dgm:alg type="lin">
+          <dgm:param type="linDir" val="fromT"/>
+          <dgm:param type="nodeHorzAlign" val="l"/>
+        </dgm:alg>
+      </dgm:if>
+      <dgm:else name="Name3">
+        <dgm:alg type="lin">
+          <dgm:param type="linDir" val="fromT"/>
+          <dgm:param type="nodeHorzAlign" val="r"/>
+        </dgm:alg>
+      </dgm:else>
+    </dgm:choose>
+    <dgm:shape xmlns:r="http://schemas.openxmlformats.org/officeDocument/2006/relationships" r:blip="">
+      <dgm:adjLst/>
+    </dgm:shape>
+    <dgm:presOf/>
+    <dgm:constrLst>
+      <dgm:constr type="h" for="ch" forName="linNode" refType="h"/>
+      <dgm:constr type="w" for="ch" forName="linNode" refType="w"/>
+      <dgm:constr type="h" for="ch" forName="sp" refType="h" fact="0.05"/>
+      <dgm:constr type="primFontSz" for="des" forName="parentText" op="equ" val="65"/>
+      <dgm:constr type="secFontSz" for="des" forName="descendantText" op="equ"/>
+    </dgm:constrLst>
+    <dgm:ruleLst/>
+    <dgm:forEach name="Name4" axis="ch" ptType="node">
+      <dgm:layoutNode name="linNode">
+        <dgm:choose name="Name5">
+          <dgm:if name="Name6" func="var" arg="dir" op="equ" val="norm">
+            <dgm:alg type="lin">
+              <dgm:param type="linDir" val="fromL"/>
+            </dgm:alg>
+          </dgm:if>
+          <dgm:else name="Name7">
+            <dgm:alg type="lin">
+              <dgm:param type="linDir" val="fromR"/>
+            </dgm:alg>
+          </dgm:else>
+        </dgm:choose>
+        <dgm:shape xmlns:r="http://schemas.openxmlformats.org/officeDocument/2006/relationships" r:blip="">
+          <dgm:adjLst/>
+        </dgm:shape>
+        <dgm:presOf/>
+        <dgm:constrLst>
+          <dgm:constr type="w" for="ch" forName="parentText" refType="w" fact="0.36"/>
+          <dgm:constr type="w" for="ch" forName="descendantText" refType="w" fact="0.64"/>
+          <dgm:constr type="h" for="ch" forName="parentText" refType="h"/>
+          <dgm:constr type="h" for="ch" forName="descendantText" refType="h" refFor="ch" refForName="parentText" fact="0.8"/>
+        </dgm:constrLst>
+        <dgm:ruleLst/>
+        <dgm:layoutNode name="parentText">
+          <dgm:varLst>
+            <dgm:chMax val="1"/>
+            <dgm:bulletEnabled val="1"/>
+          </dgm:varLst>
+          <dgm:alg type="tx"/>
+          <dgm:shape xmlns:r="http://schemas.openxmlformats.org/officeDocument/2006/relationships" type="roundRect" r:blip="" zOrderOff="3">
+            <dgm:adjLst/>
+          </dgm:shape>
+          <dgm:presOf axis="self" ptType="node"/>
+          <dgm:constrLst>
+            <dgm:constr type="tMarg" refType="primFontSz" fact="0.15"/>
+            <dgm:constr type="bMarg" refType="primFontSz" fact="0.15"/>
+            <dgm:constr type="lMarg" refType="primFontSz" fact="0.3"/>
+            <dgm:constr type="rMarg" refType="primFontSz" fact="0.3"/>
+          </dgm:constrLst>
+          <dgm:ruleLst>
+            <dgm:rule type="primFontSz" val="5" fact="NaN" max="NaN"/>
+          </dgm:ruleLst>
+        </dgm:layoutNode>
+        <dgm:choose name="Name8">
+          <dgm:if name="Name9" axis="ch" ptType="node" func="cnt" op="gte" val="1">
+            <dgm:layoutNode name="descendantText" styleLbl="alignAccFollowNode1">
+              <dgm:varLst>
+                <dgm:bulletEnabled val="1"/>
+              </dgm:varLst>
+              <dgm:alg type="tx">
+                <dgm:param type="stBulletLvl" val="1"/>
+                <dgm:param type="txAnchorVertCh" val="mid"/>
+              </dgm:alg>
+              <dgm:choose name="Name10">
+                <dgm:if name="Name11" func="var" arg="dir" op="equ" val="norm">
+                  <dgm:shape xmlns:r="http://schemas.openxmlformats.org/officeDocument/2006/relationships" rot="90" type="round2SameRect" r:blip="">
+                    <dgm:adjLst/>
+                  </dgm:shape>
+                </dgm:if>
+                <dgm:else name="Name12">
+                  <dgm:shape xmlns:r="http://schemas.openxmlformats.org/officeDocument/2006/relationships" rot="-90" type="round2SameRect" r:blip="">
+                    <dgm:adjLst/>
+                  </dgm:shape>
+                </dgm:else>
+              </dgm:choose>
+              <dgm:presOf axis="des" ptType="node"/>
+              <dgm:constrLst>
+                <dgm:constr type="secFontSz" val="65"/>
+                <dgm:constr type="primFontSz" refType="secFontSz"/>
+                <dgm:constr type="lMarg" refType="secFontSz" fact="0.3"/>
+                <dgm:constr type="rMarg" refType="secFontSz" fact="0.3"/>
+                <dgm:constr type="tMarg" refType="secFontSz" fact="0.15"/>
+                <dgm:constr type="bMarg" refType="secFontSz" fact="0.15"/>
+              </dgm:constrLst>
+              <dgm:ruleLst>
+                <dgm:rule type="secFontSz" val="5" fact="NaN" max="NaN"/>
+              </dgm:ruleLst>
+            </dgm:layoutNode>
+          </dgm:if>
+          <dgm:else name="Name13"/>
+        </dgm:choose>
+      </dgm:layoutNode>
+      <dgm:forEach name="Name14" axis="followSib" ptType="sibTrans" cnt="1">
+        <dgm:layoutNode name="sp">
+          <dgm:alg type="sp"/>
+          <dgm:shape xmlns:r="http://schemas.openxmlformats.org/officeDocument/2006/relationships" r:blip="">
+            <dgm:adjLst/>
+          </dgm:shape>
+          <dgm:presOf/>
+          <dgm:constrLst/>
+          <dgm:ruleLst/>
+        </dgm:layoutNode>
+      </dgm:forEach>
+    </dgm:forEach>
+  </dgm:layoutNode>
+</dgm:layoutDef>
+</file>
+
 <file path=ppt/diagrams/quickStyle1.xml><?xml version="1.0" encoding="utf-8"?>
 <dgm:styleDef xmlns:dgm="http://schemas.openxmlformats.org/drawingml/2006/diagram" xmlns:a="http://schemas.openxmlformats.org/drawingml/2006/main" uniqueId="urn:microsoft.com/office/officeart/2005/8/quickstyle/simple1">
   <dgm:title val=""/>
@@ -5355,6 +7893,1040 @@
 </file>
 
 <file path=ppt/diagrams/quickStyle2.xml><?xml version="1.0" encoding="utf-8"?>
+<dgm:styleDef xmlns:dgm="http://schemas.openxmlformats.org/drawingml/2006/diagram" xmlns:a="http://schemas.openxmlformats.org/drawingml/2006/main" uniqueId="urn:microsoft.com/office/officeart/2005/8/quickstyle/simple1">
+  <dgm:title val=""/>
+  <dgm:desc val=""/>
+  <dgm:catLst>
+    <dgm:cat type="simple" pri="10100"/>
+  </dgm:catLst>
+  <dgm:scene3d>
+    <a:camera prst="orthographicFront"/>
+    <a:lightRig rig="threePt" dir="t"/>
+  </dgm:scene3d>
+  <dgm:styleLbl name="node0">
+    <dgm:scene3d>
+      <a:camera prst="orthographicFront"/>
+      <a:lightRig rig="threePt" dir="t"/>
+    </dgm:scene3d>
+    <dgm:sp3d/>
+    <dgm:txPr/>
+    <dgm:style>
+      <a:lnRef idx="2">
+        <a:scrgbClr r="0" g="0" b="0"/>
+      </a:lnRef>
+      <a:fillRef idx="1">
+        <a:scrgbClr r="0" g="0" b="0"/>
+      </a:fillRef>
+      <a:effectRef idx="0">
+        <a:scrgbClr r="0" g="0" b="0"/>
+      </a:effectRef>
+      <a:fontRef idx="minor">
+        <a:schemeClr val="lt1"/>
+      </a:fontRef>
+    </dgm:style>
+  </dgm:styleLbl>
+  <dgm:styleLbl name="lnNode1">
+    <dgm:scene3d>
+      <a:camera prst="orthographicFront"/>
+      <a:lightRig rig="threePt" dir="t"/>
+    </dgm:scene3d>
+    <dgm:sp3d/>
+    <dgm:txPr/>
+    <dgm:style>
+      <a:lnRef idx="2">
+        <a:scrgbClr r="0" g="0" b="0"/>
+      </a:lnRef>
+      <a:fillRef idx="1">
+        <a:scrgbClr r="0" g="0" b="0"/>
+      </a:fillRef>
+      <a:effectRef idx="0">
+        <a:scrgbClr r="0" g="0" b="0"/>
+      </a:effectRef>
+      <a:fontRef idx="minor">
+        <a:schemeClr val="lt1"/>
+      </a:fontRef>
+    </dgm:style>
+  </dgm:styleLbl>
+  <dgm:styleLbl name="vennNode1">
+    <dgm:scene3d>
+      <a:camera prst="orthographicFront"/>
+      <a:lightRig rig="threePt" dir="t"/>
+    </dgm:scene3d>
+    <dgm:sp3d/>
+    <dgm:txPr/>
+    <dgm:style>
+      <a:lnRef idx="2">
+        <a:scrgbClr r="0" g="0" b="0"/>
+      </a:lnRef>
+      <a:fillRef idx="1">
+        <a:scrgbClr r="0" g="0" b="0"/>
+      </a:fillRef>
+      <a:effectRef idx="0">
+        <a:scrgbClr r="0" g="0" b="0"/>
+      </a:effectRef>
+      <a:fontRef idx="minor">
+        <a:schemeClr val="tx1"/>
+      </a:fontRef>
+    </dgm:style>
+  </dgm:styleLbl>
+  <dgm:styleLbl name="alignNode1">
+    <dgm:scene3d>
+      <a:camera prst="orthographicFront"/>
+      <a:lightRig rig="threePt" dir="t"/>
+    </dgm:scene3d>
+    <dgm:sp3d/>
+    <dgm:txPr/>
+    <dgm:style>
+      <a:lnRef idx="2">
+        <a:scrgbClr r="0" g="0" b="0"/>
+      </a:lnRef>
+      <a:fillRef idx="1">
+        <a:scrgbClr r="0" g="0" b="0"/>
+      </a:fillRef>
+      <a:effectRef idx="0">
+        <a:scrgbClr r="0" g="0" b="0"/>
+      </a:effectRef>
+      <a:fontRef idx="minor">
+        <a:schemeClr val="lt1"/>
+      </a:fontRef>
+    </dgm:style>
+  </dgm:styleLbl>
+  <dgm:styleLbl name="node1">
+    <dgm:scene3d>
+      <a:camera prst="orthographicFront"/>
+      <a:lightRig rig="threePt" dir="t"/>
+    </dgm:scene3d>
+    <dgm:sp3d/>
+    <dgm:txPr/>
+    <dgm:style>
+      <a:lnRef idx="2">
+        <a:scrgbClr r="0" g="0" b="0"/>
+      </a:lnRef>
+      <a:fillRef idx="1">
+        <a:scrgbClr r="0" g="0" b="0"/>
+      </a:fillRef>
+      <a:effectRef idx="0">
+        <a:scrgbClr r="0" g="0" b="0"/>
+      </a:effectRef>
+      <a:fontRef idx="minor">
+        <a:schemeClr val="lt1"/>
+      </a:fontRef>
+    </dgm:style>
+  </dgm:styleLbl>
+  <dgm:styleLbl name="node2">
+    <dgm:scene3d>
+      <a:camera prst="orthographicFront"/>
+      <a:lightRig rig="threePt" dir="t"/>
+    </dgm:scene3d>
+    <dgm:sp3d/>
+    <dgm:txPr/>
+    <dgm:style>
+      <a:lnRef idx="2">
+        <a:scrgbClr r="0" g="0" b="0"/>
+      </a:lnRef>
+      <a:fillRef idx="1">
+        <a:scrgbClr r="0" g="0" b="0"/>
+      </a:fillRef>
+      <a:effectRef idx="0">
+        <a:scrgbClr r="0" g="0" b="0"/>
+      </a:effectRef>
+      <a:fontRef idx="minor">
+        <a:schemeClr val="lt1"/>
+      </a:fontRef>
+    </dgm:style>
+  </dgm:styleLbl>
+  <dgm:styleLbl name="node3">
+    <dgm:scene3d>
+      <a:camera prst="orthographicFront"/>
+      <a:lightRig rig="threePt" dir="t"/>
+    </dgm:scene3d>
+    <dgm:sp3d/>
+    <dgm:txPr/>
+    <dgm:style>
+      <a:lnRef idx="2">
+        <a:scrgbClr r="0" g="0" b="0"/>
+      </a:lnRef>
+      <a:fillRef idx="1">
+        <a:scrgbClr r="0" g="0" b="0"/>
+      </a:fillRef>
+      <a:effectRef idx="0">
+        <a:scrgbClr r="0" g="0" b="0"/>
+      </a:effectRef>
+      <a:fontRef idx="minor">
+        <a:schemeClr val="lt1"/>
+      </a:fontRef>
+    </dgm:style>
+  </dgm:styleLbl>
+  <dgm:styleLbl name="node4">
+    <dgm:scene3d>
+      <a:camera prst="orthographicFront"/>
+      <a:lightRig rig="threePt" dir="t"/>
+    </dgm:scene3d>
+    <dgm:sp3d/>
+    <dgm:txPr/>
+    <dgm:style>
+      <a:lnRef idx="2">
+        <a:scrgbClr r="0" g="0" b="0"/>
+      </a:lnRef>
+      <a:fillRef idx="1">
+        <a:scrgbClr r="0" g="0" b="0"/>
+      </a:fillRef>
+      <a:effectRef idx="0">
+        <a:scrgbClr r="0" g="0" b="0"/>
+      </a:effectRef>
+      <a:fontRef idx="minor">
+        <a:schemeClr val="lt1"/>
+      </a:fontRef>
+    </dgm:style>
+  </dgm:styleLbl>
+  <dgm:styleLbl name="fgImgPlace1">
+    <dgm:scene3d>
+      <a:camera prst="orthographicFront"/>
+      <a:lightRig rig="threePt" dir="t"/>
+    </dgm:scene3d>
+    <dgm:sp3d/>
+    <dgm:txPr/>
+    <dgm:style>
+      <a:lnRef idx="2">
+        <a:scrgbClr r="0" g="0" b="0"/>
+      </a:lnRef>
+      <a:fillRef idx="1">
+        <a:scrgbClr r="0" g="0" b="0"/>
+      </a:fillRef>
+      <a:effectRef idx="0">
+        <a:scrgbClr r="0" g="0" b="0"/>
+      </a:effectRef>
+      <a:fontRef idx="minor"/>
+    </dgm:style>
+  </dgm:styleLbl>
+  <dgm:styleLbl name="alignImgPlace1">
+    <dgm:scene3d>
+      <a:camera prst="orthographicFront"/>
+      <a:lightRig rig="threePt" dir="t"/>
+    </dgm:scene3d>
+    <dgm:sp3d/>
+    <dgm:txPr/>
+    <dgm:style>
+      <a:lnRef idx="2">
+        <a:scrgbClr r="0" g="0" b="0"/>
+      </a:lnRef>
+      <a:fillRef idx="1">
+        <a:scrgbClr r="0" g="0" b="0"/>
+      </a:fillRef>
+      <a:effectRef idx="0">
+        <a:scrgbClr r="0" g="0" b="0"/>
+      </a:effectRef>
+      <a:fontRef idx="minor"/>
+    </dgm:style>
+  </dgm:styleLbl>
+  <dgm:styleLbl name="bgImgPlace1">
+    <dgm:scene3d>
+      <a:camera prst="orthographicFront"/>
+      <a:lightRig rig="threePt" dir="t"/>
+    </dgm:scene3d>
+    <dgm:sp3d/>
+    <dgm:txPr/>
+    <dgm:style>
+      <a:lnRef idx="2">
+        <a:scrgbClr r="0" g="0" b="0"/>
+      </a:lnRef>
+      <a:fillRef idx="1">
+        <a:scrgbClr r="0" g="0" b="0"/>
+      </a:fillRef>
+      <a:effectRef idx="0">
+        <a:scrgbClr r="0" g="0" b="0"/>
+      </a:effectRef>
+      <a:fontRef idx="minor"/>
+    </dgm:style>
+  </dgm:styleLbl>
+  <dgm:styleLbl name="sibTrans2D1">
+    <dgm:scene3d>
+      <a:camera prst="orthographicFront"/>
+      <a:lightRig rig="threePt" dir="t"/>
+    </dgm:scene3d>
+    <dgm:sp3d/>
+    <dgm:txPr/>
+    <dgm:style>
+      <a:lnRef idx="0">
+        <a:scrgbClr r="0" g="0" b="0"/>
+      </a:lnRef>
+      <a:fillRef idx="1">
+        <a:scrgbClr r="0" g="0" b="0"/>
+      </a:fillRef>
+      <a:effectRef idx="0">
+        <a:scrgbClr r="0" g="0" b="0"/>
+      </a:effectRef>
+      <a:fontRef idx="minor">
+        <a:schemeClr val="lt1"/>
+      </a:fontRef>
+    </dgm:style>
+  </dgm:styleLbl>
+  <dgm:styleLbl name="fgSibTrans2D1">
+    <dgm:scene3d>
+      <a:camera prst="orthographicFront"/>
+      <a:lightRig rig="threePt" dir="t"/>
+    </dgm:scene3d>
+    <dgm:sp3d/>
+    <dgm:txPr/>
+    <dgm:style>
+      <a:lnRef idx="0">
+        <a:scrgbClr r="0" g="0" b="0"/>
+      </a:lnRef>
+      <a:fillRef idx="1">
+        <a:scrgbClr r="0" g="0" b="0"/>
+      </a:fillRef>
+      <a:effectRef idx="0">
+        <a:scrgbClr r="0" g="0" b="0"/>
+      </a:effectRef>
+      <a:fontRef idx="minor">
+        <a:schemeClr val="lt1"/>
+      </a:fontRef>
+    </dgm:style>
+  </dgm:styleLbl>
+  <dgm:styleLbl name="bgSibTrans2D1">
+    <dgm:scene3d>
+      <a:camera prst="orthographicFront"/>
+      <a:lightRig rig="threePt" dir="t"/>
+    </dgm:scene3d>
+    <dgm:sp3d/>
+    <dgm:txPr/>
+    <dgm:style>
+      <a:lnRef idx="0">
+        <a:scrgbClr r="0" g="0" b="0"/>
+      </a:lnRef>
+      <a:fillRef idx="1">
+        <a:scrgbClr r="0" g="0" b="0"/>
+      </a:fillRef>
+      <a:effectRef idx="0">
+        <a:scrgbClr r="0" g="0" b="0"/>
+      </a:effectRef>
+      <a:fontRef idx="minor">
+        <a:schemeClr val="lt1"/>
+      </a:fontRef>
+    </dgm:style>
+  </dgm:styleLbl>
+  <dgm:styleLbl name="sibTrans1D1">
+    <dgm:scene3d>
+      <a:camera prst="orthographicFront"/>
+      <a:lightRig rig="threePt" dir="t"/>
+    </dgm:scene3d>
+    <dgm:sp3d/>
+    <dgm:txPr/>
+    <dgm:style>
+      <a:lnRef idx="1">
+        <a:scrgbClr r="0" g="0" b="0"/>
+      </a:lnRef>
+      <a:fillRef idx="0">
+        <a:scrgbClr r="0" g="0" b="0"/>
+      </a:fillRef>
+      <a:effectRef idx="0">
+        <a:scrgbClr r="0" g="0" b="0"/>
+      </a:effectRef>
+      <a:fontRef idx="minor"/>
+    </dgm:style>
+  </dgm:styleLbl>
+  <dgm:styleLbl name="callout">
+    <dgm:scene3d>
+      <a:camera prst="orthographicFront"/>
+      <a:lightRig rig="threePt" dir="t"/>
+    </dgm:scene3d>
+    <dgm:sp3d/>
+    <dgm:txPr/>
+    <dgm:style>
+      <a:lnRef idx="2">
+        <a:scrgbClr r="0" g="0" b="0"/>
+      </a:lnRef>
+      <a:fillRef idx="1">
+        <a:scrgbClr r="0" g="0" b="0"/>
+      </a:fillRef>
+      <a:effectRef idx="0">
+        <a:scrgbClr r="0" g="0" b="0"/>
+      </a:effectRef>
+      <a:fontRef idx="minor"/>
+    </dgm:style>
+  </dgm:styleLbl>
+  <dgm:styleLbl name="asst0">
+    <dgm:scene3d>
+      <a:camera prst="orthographicFront"/>
+      <a:lightRig rig="threePt" dir="t"/>
+    </dgm:scene3d>
+    <dgm:sp3d/>
+    <dgm:txPr/>
+    <dgm:style>
+      <a:lnRef idx="2">
+        <a:scrgbClr r="0" g="0" b="0"/>
+      </a:lnRef>
+      <a:fillRef idx="1">
+        <a:scrgbClr r="0" g="0" b="0"/>
+      </a:fillRef>
+      <a:effectRef idx="0">
+        <a:scrgbClr r="0" g="0" b="0"/>
+      </a:effectRef>
+      <a:fontRef idx="minor">
+        <a:schemeClr val="lt1"/>
+      </a:fontRef>
+    </dgm:style>
+  </dgm:styleLbl>
+  <dgm:styleLbl name="asst1">
+    <dgm:scene3d>
+      <a:camera prst="orthographicFront"/>
+      <a:lightRig rig="threePt" dir="t"/>
+    </dgm:scene3d>
+    <dgm:sp3d/>
+    <dgm:txPr/>
+    <dgm:style>
+      <a:lnRef idx="2">
+        <a:scrgbClr r="0" g="0" b="0"/>
+      </a:lnRef>
+      <a:fillRef idx="1">
+        <a:scrgbClr r="0" g="0" b="0"/>
+      </a:fillRef>
+      <a:effectRef idx="0">
+        <a:scrgbClr r="0" g="0" b="0"/>
+      </a:effectRef>
+      <a:fontRef idx="minor">
+        <a:schemeClr val="lt1"/>
+      </a:fontRef>
+    </dgm:style>
+  </dgm:styleLbl>
+  <dgm:styleLbl name="asst2">
+    <dgm:scene3d>
+      <a:camera prst="orthographicFront"/>
+      <a:lightRig rig="threePt" dir="t"/>
+    </dgm:scene3d>
+    <dgm:sp3d/>
+    <dgm:txPr/>
+    <dgm:style>
+      <a:lnRef idx="2">
+        <a:scrgbClr r="0" g="0" b="0"/>
+      </a:lnRef>
+      <a:fillRef idx="1">
+        <a:scrgbClr r="0" g="0" b="0"/>
+      </a:fillRef>
+      <a:effectRef idx="0">
+        <a:scrgbClr r="0" g="0" b="0"/>
+      </a:effectRef>
+      <a:fontRef idx="minor">
+        <a:schemeClr val="lt1"/>
+      </a:fontRef>
+    </dgm:style>
+  </dgm:styleLbl>
+  <dgm:styleLbl name="asst3">
+    <dgm:scene3d>
+      <a:camera prst="orthographicFront"/>
+      <a:lightRig rig="threePt" dir="t"/>
+    </dgm:scene3d>
+    <dgm:sp3d/>
+    <dgm:txPr/>
+    <dgm:style>
+      <a:lnRef idx="2">
+        <a:scrgbClr r="0" g="0" b="0"/>
+      </a:lnRef>
+      <a:fillRef idx="1">
+        <a:scrgbClr r="0" g="0" b="0"/>
+      </a:fillRef>
+      <a:effectRef idx="0">
+        <a:scrgbClr r="0" g="0" b="0"/>
+      </a:effectRef>
+      <a:fontRef idx="minor">
+        <a:schemeClr val="lt1"/>
+      </a:fontRef>
+    </dgm:style>
+  </dgm:styleLbl>
+  <dgm:styleLbl name="asst4">
+    <dgm:scene3d>
+      <a:camera prst="orthographicFront"/>
+      <a:lightRig rig="threePt" dir="t"/>
+    </dgm:scene3d>
+    <dgm:sp3d/>
+    <dgm:txPr/>
+    <dgm:style>
+      <a:lnRef idx="2">
+        <a:scrgbClr r="0" g="0" b="0"/>
+      </a:lnRef>
+      <a:fillRef idx="1">
+        <a:scrgbClr r="0" g="0" b="0"/>
+      </a:fillRef>
+      <a:effectRef idx="0">
+        <a:scrgbClr r="0" g="0" b="0"/>
+      </a:effectRef>
+      <a:fontRef idx="minor">
+        <a:schemeClr val="lt1"/>
+      </a:fontRef>
+    </dgm:style>
+  </dgm:styleLbl>
+  <dgm:styleLbl name="parChTrans2D1">
+    <dgm:scene3d>
+      <a:camera prst="orthographicFront"/>
+      <a:lightRig rig="threePt" dir="t"/>
+    </dgm:scene3d>
+    <dgm:sp3d/>
+    <dgm:txPr/>
+    <dgm:style>
+      <a:lnRef idx="2">
+        <a:scrgbClr r="0" g="0" b="0"/>
+      </a:lnRef>
+      <a:fillRef idx="1">
+        <a:scrgbClr r="0" g="0" b="0"/>
+      </a:fillRef>
+      <a:effectRef idx="0">
+        <a:scrgbClr r="0" g="0" b="0"/>
+      </a:effectRef>
+      <a:fontRef idx="minor">
+        <a:schemeClr val="lt1"/>
+      </a:fontRef>
+    </dgm:style>
+  </dgm:styleLbl>
+  <dgm:styleLbl name="parChTrans2D2">
+    <dgm:scene3d>
+      <a:camera prst="orthographicFront"/>
+      <a:lightRig rig="threePt" dir="t"/>
+    </dgm:scene3d>
+    <dgm:sp3d/>
+    <dgm:txPr/>
+    <dgm:style>
+      <a:lnRef idx="2">
+        <a:scrgbClr r="0" g="0" b="0"/>
+      </a:lnRef>
+      <a:fillRef idx="1">
+        <a:scrgbClr r="0" g="0" b="0"/>
+      </a:fillRef>
+      <a:effectRef idx="0">
+        <a:scrgbClr r="0" g="0" b="0"/>
+      </a:effectRef>
+      <a:fontRef idx="minor">
+        <a:schemeClr val="lt1"/>
+      </a:fontRef>
+    </dgm:style>
+  </dgm:styleLbl>
+  <dgm:styleLbl name="parChTrans2D3">
+    <dgm:scene3d>
+      <a:camera prst="orthographicFront"/>
+      <a:lightRig rig="threePt" dir="t"/>
+    </dgm:scene3d>
+    <dgm:sp3d/>
+    <dgm:txPr/>
+    <dgm:style>
+      <a:lnRef idx="2">
+        <a:scrgbClr r="0" g="0" b="0"/>
+      </a:lnRef>
+      <a:fillRef idx="1">
+        <a:scrgbClr r="0" g="0" b="0"/>
+      </a:fillRef>
+      <a:effectRef idx="0">
+        <a:scrgbClr r="0" g="0" b="0"/>
+      </a:effectRef>
+      <a:fontRef idx="minor">
+        <a:schemeClr val="lt1"/>
+      </a:fontRef>
+    </dgm:style>
+  </dgm:styleLbl>
+  <dgm:styleLbl name="parChTrans2D4">
+    <dgm:scene3d>
+      <a:camera prst="orthographicFront"/>
+      <a:lightRig rig="threePt" dir="t"/>
+    </dgm:scene3d>
+    <dgm:sp3d/>
+    <dgm:txPr/>
+    <dgm:style>
+      <a:lnRef idx="2">
+        <a:scrgbClr r="0" g="0" b="0"/>
+      </a:lnRef>
+      <a:fillRef idx="1">
+        <a:scrgbClr r="0" g="0" b="0"/>
+      </a:fillRef>
+      <a:effectRef idx="0">
+        <a:scrgbClr r="0" g="0" b="0"/>
+      </a:effectRef>
+      <a:fontRef idx="minor">
+        <a:schemeClr val="lt1"/>
+      </a:fontRef>
+    </dgm:style>
+  </dgm:styleLbl>
+  <dgm:styleLbl name="parChTrans1D1">
+    <dgm:scene3d>
+      <a:camera prst="orthographicFront"/>
+      <a:lightRig rig="threePt" dir="t"/>
+    </dgm:scene3d>
+    <dgm:sp3d/>
+    <dgm:txPr/>
+    <dgm:style>
+      <a:lnRef idx="2">
+        <a:scrgbClr r="0" g="0" b="0"/>
+      </a:lnRef>
+      <a:fillRef idx="0">
+        <a:scrgbClr r="0" g="0" b="0"/>
+      </a:fillRef>
+      <a:effectRef idx="0">
+        <a:scrgbClr r="0" g="0" b="0"/>
+      </a:effectRef>
+      <a:fontRef idx="minor"/>
+    </dgm:style>
+  </dgm:styleLbl>
+  <dgm:styleLbl name="parChTrans1D2">
+    <dgm:scene3d>
+      <a:camera prst="orthographicFront"/>
+      <a:lightRig rig="threePt" dir="t"/>
+    </dgm:scene3d>
+    <dgm:sp3d/>
+    <dgm:txPr/>
+    <dgm:style>
+      <a:lnRef idx="2">
+        <a:scrgbClr r="0" g="0" b="0"/>
+      </a:lnRef>
+      <a:fillRef idx="0">
+        <a:scrgbClr r="0" g="0" b="0"/>
+      </a:fillRef>
+      <a:effectRef idx="0">
+        <a:scrgbClr r="0" g="0" b="0"/>
+      </a:effectRef>
+      <a:fontRef idx="minor"/>
+    </dgm:style>
+  </dgm:styleLbl>
+  <dgm:styleLbl name="parChTrans1D3">
+    <dgm:scene3d>
+      <a:camera prst="orthographicFront"/>
+      <a:lightRig rig="threePt" dir="t"/>
+    </dgm:scene3d>
+    <dgm:sp3d/>
+    <dgm:txPr/>
+    <dgm:style>
+      <a:lnRef idx="2">
+        <a:scrgbClr r="0" g="0" b="0"/>
+      </a:lnRef>
+      <a:fillRef idx="0">
+        <a:scrgbClr r="0" g="0" b="0"/>
+      </a:fillRef>
+      <a:effectRef idx="0">
+        <a:scrgbClr r="0" g="0" b="0"/>
+      </a:effectRef>
+      <a:fontRef idx="minor"/>
+    </dgm:style>
+  </dgm:styleLbl>
+  <dgm:styleLbl name="parChTrans1D4">
+    <dgm:scene3d>
+      <a:camera prst="orthographicFront"/>
+      <a:lightRig rig="threePt" dir="t"/>
+    </dgm:scene3d>
+    <dgm:sp3d/>
+    <dgm:txPr/>
+    <dgm:style>
+      <a:lnRef idx="2">
+        <a:scrgbClr r="0" g="0" b="0"/>
+      </a:lnRef>
+      <a:fillRef idx="0">
+        <a:scrgbClr r="0" g="0" b="0"/>
+      </a:fillRef>
+      <a:effectRef idx="0">
+        <a:scrgbClr r="0" g="0" b="0"/>
+      </a:effectRef>
+      <a:fontRef idx="minor"/>
+    </dgm:style>
+  </dgm:styleLbl>
+  <dgm:styleLbl name="fgAcc1">
+    <dgm:scene3d>
+      <a:camera prst="orthographicFront"/>
+      <a:lightRig rig="threePt" dir="t"/>
+    </dgm:scene3d>
+    <dgm:sp3d/>
+    <dgm:txPr/>
+    <dgm:style>
+      <a:lnRef idx="2">
+        <a:scrgbClr r="0" g="0" b="0"/>
+      </a:lnRef>
+      <a:fillRef idx="1">
+        <a:scrgbClr r="0" g="0" b="0"/>
+      </a:fillRef>
+      <a:effectRef idx="0">
+        <a:scrgbClr r="0" g="0" b="0"/>
+      </a:effectRef>
+      <a:fontRef idx="minor"/>
+    </dgm:style>
+  </dgm:styleLbl>
+  <dgm:styleLbl name="conFgAcc1">
+    <dgm:scene3d>
+      <a:camera prst="orthographicFront"/>
+      <a:lightRig rig="threePt" dir="t"/>
+    </dgm:scene3d>
+    <dgm:sp3d/>
+    <dgm:txPr/>
+    <dgm:style>
+      <a:lnRef idx="2">
+        <a:scrgbClr r="0" g="0" b="0"/>
+      </a:lnRef>
+      <a:fillRef idx="1">
+        <a:scrgbClr r="0" g="0" b="0"/>
+      </a:fillRef>
+      <a:effectRef idx="0">
+        <a:scrgbClr r="0" g="0" b="0"/>
+      </a:effectRef>
+      <a:fontRef idx="minor"/>
+    </dgm:style>
+  </dgm:styleLbl>
+  <dgm:styleLbl name="alignAcc1">
+    <dgm:scene3d>
+      <a:camera prst="orthographicFront"/>
+      <a:lightRig rig="threePt" dir="t"/>
+    </dgm:scene3d>
+    <dgm:sp3d/>
+    <dgm:txPr/>
+    <dgm:style>
+      <a:lnRef idx="2">
+        <a:scrgbClr r="0" g="0" b="0"/>
+      </a:lnRef>
+      <a:fillRef idx="1">
+        <a:scrgbClr r="0" g="0" b="0"/>
+      </a:fillRef>
+      <a:effectRef idx="0">
+        <a:scrgbClr r="0" g="0" b="0"/>
+      </a:effectRef>
+      <a:fontRef idx="minor"/>
+    </dgm:style>
+  </dgm:styleLbl>
+  <dgm:styleLbl name="trAlignAcc1">
+    <dgm:scene3d>
+      <a:camera prst="orthographicFront"/>
+      <a:lightRig rig="threePt" dir="t"/>
+    </dgm:scene3d>
+    <dgm:sp3d/>
+    <dgm:txPr/>
+    <dgm:style>
+      <a:lnRef idx="1">
+        <a:scrgbClr r="0" g="0" b="0"/>
+      </a:lnRef>
+      <a:fillRef idx="1">
+        <a:scrgbClr r="0" g="0" b="0"/>
+      </a:fillRef>
+      <a:effectRef idx="0">
+        <a:scrgbClr r="0" g="0" b="0"/>
+      </a:effectRef>
+      <a:fontRef idx="minor"/>
+    </dgm:style>
+  </dgm:styleLbl>
+  <dgm:styleLbl name="bgAcc1">
+    <dgm:scene3d>
+      <a:camera prst="orthographicFront"/>
+      <a:lightRig rig="threePt" dir="t"/>
+    </dgm:scene3d>
+    <dgm:sp3d/>
+    <dgm:txPr/>
+    <dgm:style>
+      <a:lnRef idx="2">
+        <a:scrgbClr r="0" g="0" b="0"/>
+      </a:lnRef>
+      <a:fillRef idx="1">
+        <a:scrgbClr r="0" g="0" b="0"/>
+      </a:fillRef>
+      <a:effectRef idx="0">
+        <a:scrgbClr r="0" g="0" b="0"/>
+      </a:effectRef>
+      <a:fontRef idx="minor"/>
+    </dgm:style>
+  </dgm:styleLbl>
+  <dgm:styleLbl name="solidFgAcc1">
+    <dgm:scene3d>
+      <a:camera prst="orthographicFront"/>
+      <a:lightRig rig="threePt" dir="t"/>
+    </dgm:scene3d>
+    <dgm:sp3d/>
+    <dgm:txPr/>
+    <dgm:style>
+      <a:lnRef idx="2">
+        <a:scrgbClr r="0" g="0" b="0"/>
+      </a:lnRef>
+      <a:fillRef idx="1">
+        <a:scrgbClr r="0" g="0" b="0"/>
+      </a:fillRef>
+      <a:effectRef idx="0">
+        <a:scrgbClr r="0" g="0" b="0"/>
+      </a:effectRef>
+      <a:fontRef idx="minor"/>
+    </dgm:style>
+  </dgm:styleLbl>
+  <dgm:styleLbl name="solidAlignAcc1">
+    <dgm:scene3d>
+      <a:camera prst="orthographicFront"/>
+      <a:lightRig rig="threePt" dir="t"/>
+    </dgm:scene3d>
+    <dgm:sp3d/>
+    <dgm:txPr/>
+    <dgm:style>
+      <a:lnRef idx="2">
+        <a:scrgbClr r="0" g="0" b="0"/>
+      </a:lnRef>
+      <a:fillRef idx="1">
+        <a:scrgbClr r="0" g="0" b="0"/>
+      </a:fillRef>
+      <a:effectRef idx="0">
+        <a:scrgbClr r="0" g="0" b="0"/>
+      </a:effectRef>
+      <a:fontRef idx="minor"/>
+    </dgm:style>
+  </dgm:styleLbl>
+  <dgm:styleLbl name="solidBgAcc1">
+    <dgm:scene3d>
+      <a:camera prst="orthographicFront"/>
+      <a:lightRig rig="threePt" dir="t"/>
+    </dgm:scene3d>
+    <dgm:sp3d/>
+    <dgm:txPr/>
+    <dgm:style>
+      <a:lnRef idx="2">
+        <a:scrgbClr r="0" g="0" b="0"/>
+      </a:lnRef>
+      <a:fillRef idx="1">
+        <a:scrgbClr r="0" g="0" b="0"/>
+      </a:fillRef>
+      <a:effectRef idx="0">
+        <a:scrgbClr r="0" g="0" b="0"/>
+      </a:effectRef>
+      <a:fontRef idx="minor"/>
+    </dgm:style>
+  </dgm:styleLbl>
+  <dgm:styleLbl name="fgAccFollowNode1">
+    <dgm:scene3d>
+      <a:camera prst="orthographicFront"/>
+      <a:lightRig rig="threePt" dir="t"/>
+    </dgm:scene3d>
+    <dgm:sp3d/>
+    <dgm:txPr/>
+    <dgm:style>
+      <a:lnRef idx="2">
+        <a:scrgbClr r="0" g="0" b="0"/>
+      </a:lnRef>
+      <a:fillRef idx="1">
+        <a:scrgbClr r="0" g="0" b="0"/>
+      </a:fillRef>
+      <a:effectRef idx="0">
+        <a:scrgbClr r="0" g="0" b="0"/>
+      </a:effectRef>
+      <a:fontRef idx="minor"/>
+    </dgm:style>
+  </dgm:styleLbl>
+  <dgm:styleLbl name="alignAccFollowNode1">
+    <dgm:scene3d>
+      <a:camera prst="orthographicFront"/>
+      <a:lightRig rig="threePt" dir="t"/>
+    </dgm:scene3d>
+    <dgm:sp3d/>
+    <dgm:txPr/>
+    <dgm:style>
+      <a:lnRef idx="2">
+        <a:scrgbClr r="0" g="0" b="0"/>
+      </a:lnRef>
+      <a:fillRef idx="1">
+        <a:scrgbClr r="0" g="0" b="0"/>
+      </a:fillRef>
+      <a:effectRef idx="0">
+        <a:scrgbClr r="0" g="0" b="0"/>
+      </a:effectRef>
+      <a:fontRef idx="minor"/>
+    </dgm:style>
+  </dgm:styleLbl>
+  <dgm:styleLbl name="bgAccFollowNode1">
+    <dgm:scene3d>
+      <a:camera prst="orthographicFront"/>
+      <a:lightRig rig="threePt" dir="t"/>
+    </dgm:scene3d>
+    <dgm:sp3d/>
+    <dgm:txPr/>
+    <dgm:style>
+      <a:lnRef idx="2">
+        <a:scrgbClr r="0" g="0" b="0"/>
+      </a:lnRef>
+      <a:fillRef idx="1">
+        <a:scrgbClr r="0" g="0" b="0"/>
+      </a:fillRef>
+      <a:effectRef idx="0">
+        <a:scrgbClr r="0" g="0" b="0"/>
+      </a:effectRef>
+      <a:fontRef idx="minor"/>
+    </dgm:style>
+  </dgm:styleLbl>
+  <dgm:styleLbl name="fgAcc0">
+    <dgm:scene3d>
+      <a:camera prst="orthographicFront"/>
+      <a:lightRig rig="threePt" dir="t"/>
+    </dgm:scene3d>
+    <dgm:sp3d/>
+    <dgm:txPr/>
+    <dgm:style>
+      <a:lnRef idx="2">
+        <a:scrgbClr r="0" g="0" b="0"/>
+      </a:lnRef>
+      <a:fillRef idx="1">
+        <a:scrgbClr r="0" g="0" b="0"/>
+      </a:fillRef>
+      <a:effectRef idx="0">
+        <a:scrgbClr r="0" g="0" b="0"/>
+      </a:effectRef>
+      <a:fontRef idx="minor"/>
+    </dgm:style>
+  </dgm:styleLbl>
+  <dgm:styleLbl name="fgAcc2">
+    <dgm:scene3d>
+      <a:camera prst="orthographicFront"/>
+      <a:lightRig rig="threePt" dir="t"/>
+    </dgm:scene3d>
+    <dgm:sp3d/>
+    <dgm:txPr/>
+    <dgm:style>
+      <a:lnRef idx="2">
+        <a:scrgbClr r="0" g="0" b="0"/>
+      </a:lnRef>
+      <a:fillRef idx="1">
+        <a:scrgbClr r="0" g="0" b="0"/>
+      </a:fillRef>
+      <a:effectRef idx="0">
+        <a:scrgbClr r="0" g="0" b="0"/>
+      </a:effectRef>
+      <a:fontRef idx="minor"/>
+    </dgm:style>
+  </dgm:styleLbl>
+  <dgm:styleLbl name="fgAcc3">
+    <dgm:scene3d>
+      <a:camera prst="orthographicFront"/>
+      <a:lightRig rig="threePt" dir="t"/>
+    </dgm:scene3d>
+    <dgm:sp3d/>
+    <dgm:txPr/>
+    <dgm:style>
+      <a:lnRef idx="2">
+        <a:scrgbClr r="0" g="0" b="0"/>
+      </a:lnRef>
+      <a:fillRef idx="1">
+        <a:scrgbClr r="0" g="0" b="0"/>
+      </a:fillRef>
+      <a:effectRef idx="0">
+        <a:scrgbClr r="0" g="0" b="0"/>
+      </a:effectRef>
+      <a:fontRef idx="minor"/>
+    </dgm:style>
+  </dgm:styleLbl>
+  <dgm:styleLbl name="fgAcc4">
+    <dgm:scene3d>
+      <a:camera prst="orthographicFront"/>
+      <a:lightRig rig="threePt" dir="t"/>
+    </dgm:scene3d>
+    <dgm:sp3d/>
+    <dgm:txPr/>
+    <dgm:style>
+      <a:lnRef idx="2">
+        <a:scrgbClr r="0" g="0" b="0"/>
+      </a:lnRef>
+      <a:fillRef idx="1">
+        <a:scrgbClr r="0" g="0" b="0"/>
+      </a:fillRef>
+      <a:effectRef idx="0">
+        <a:scrgbClr r="0" g="0" b="0"/>
+      </a:effectRef>
+      <a:fontRef idx="minor"/>
+    </dgm:style>
+  </dgm:styleLbl>
+  <dgm:styleLbl name="bgShp">
+    <dgm:scene3d>
+      <a:camera prst="orthographicFront"/>
+      <a:lightRig rig="threePt" dir="t"/>
+    </dgm:scene3d>
+    <dgm:sp3d/>
+    <dgm:txPr/>
+    <dgm:style>
+      <a:lnRef idx="0">
+        <a:scrgbClr r="0" g="0" b="0"/>
+      </a:lnRef>
+      <a:fillRef idx="1">
+        <a:scrgbClr r="0" g="0" b="0"/>
+      </a:fillRef>
+      <a:effectRef idx="0">
+        <a:scrgbClr r="0" g="0" b="0"/>
+      </a:effectRef>
+      <a:fontRef idx="minor"/>
+    </dgm:style>
+  </dgm:styleLbl>
+  <dgm:styleLbl name="dkBgShp">
+    <dgm:scene3d>
+      <a:camera prst="orthographicFront"/>
+      <a:lightRig rig="threePt" dir="t"/>
+    </dgm:scene3d>
+    <dgm:sp3d/>
+    <dgm:txPr/>
+    <dgm:style>
+      <a:lnRef idx="0">
+        <a:scrgbClr r="0" g="0" b="0"/>
+      </a:lnRef>
+      <a:fillRef idx="1">
+        <a:scrgbClr r="0" g="0" b="0"/>
+      </a:fillRef>
+      <a:effectRef idx="0">
+        <a:scrgbClr r="0" g="0" b="0"/>
+      </a:effectRef>
+      <a:fontRef idx="minor"/>
+    </dgm:style>
+  </dgm:styleLbl>
+  <dgm:styleLbl name="trBgShp">
+    <dgm:scene3d>
+      <a:camera prst="orthographicFront"/>
+      <a:lightRig rig="threePt" dir="t"/>
+    </dgm:scene3d>
+    <dgm:sp3d/>
+    <dgm:txPr/>
+    <dgm:style>
+      <a:lnRef idx="0">
+        <a:scrgbClr r="0" g="0" b="0"/>
+      </a:lnRef>
+      <a:fillRef idx="1">
+        <a:scrgbClr r="0" g="0" b="0"/>
+      </a:fillRef>
+      <a:effectRef idx="0">
+        <a:scrgbClr r="0" g="0" b="0"/>
+      </a:effectRef>
+      <a:fontRef idx="minor"/>
+    </dgm:style>
+  </dgm:styleLbl>
+  <dgm:styleLbl name="fgShp">
+    <dgm:scene3d>
+      <a:camera prst="orthographicFront"/>
+      <a:lightRig rig="threePt" dir="t"/>
+    </dgm:scene3d>
+    <dgm:sp3d/>
+    <dgm:txPr/>
+    <dgm:style>
+      <a:lnRef idx="2">
+        <a:scrgbClr r="0" g="0" b="0"/>
+      </a:lnRef>
+      <a:fillRef idx="1">
+        <a:scrgbClr r="0" g="0" b="0"/>
+      </a:fillRef>
+      <a:effectRef idx="0">
+        <a:scrgbClr r="0" g="0" b="0"/>
+      </a:effectRef>
+      <a:fontRef idx="minor"/>
+    </dgm:style>
+  </dgm:styleLbl>
+  <dgm:styleLbl name="revTx">
+    <dgm:scene3d>
+      <a:camera prst="orthographicFront"/>
+      <a:lightRig rig="threePt" dir="t"/>
+    </dgm:scene3d>
+    <dgm:sp3d/>
+    <dgm:txPr/>
+    <dgm:style>
+      <a:lnRef idx="0">
+        <a:scrgbClr r="0" g="0" b="0"/>
+      </a:lnRef>
+      <a:fillRef idx="0">
+        <a:scrgbClr r="0" g="0" b="0"/>
+      </a:fillRef>
+      <a:effectRef idx="0">
+        <a:scrgbClr r="0" g="0" b="0"/>
+      </a:effectRef>
+      <a:fontRef idx="minor"/>
+    </dgm:style>
+  </dgm:styleLbl>
+</dgm:styleDef>
+</file>
+
+<file path=ppt/diagrams/quickStyle3.xml><?xml version="1.0" encoding="utf-8"?>
 <dgm:styleDef xmlns:dgm="http://schemas.openxmlformats.org/drawingml/2006/diagram" xmlns:a="http://schemas.openxmlformats.org/drawingml/2006/main" uniqueId="urn:microsoft.com/office/officeart/2005/8/quickstyle/simple1">
   <dgm:title val=""/>
   <dgm:desc val=""/>
@@ -7180,6 +10752,90 @@
 </p:notes>
 </file>
 
+<file path=ppt/notesSlides/notesSlide4.xml><?xml version="1.0" encoding="utf-8"?>
+<p:notes xmlns:a="http://schemas.openxmlformats.org/drawingml/2006/main" xmlns:r="http://schemas.openxmlformats.org/officeDocument/2006/relationships" xmlns:p="http://schemas.openxmlformats.org/presentationml/2006/main">
+  <p:cSld>
+    <p:spTree>
+      <p:nvGrpSpPr>
+        <p:cNvPr id="1" name=""/>
+        <p:cNvGrpSpPr/>
+        <p:nvPr/>
+      </p:nvGrpSpPr>
+      <p:grpSpPr>
+        <a:xfrm>
+          <a:off x="0" y="0"/>
+          <a:ext cx="0" cy="0"/>
+          <a:chOff x="0" y="0"/>
+          <a:chExt cx="0" cy="0"/>
+        </a:xfrm>
+      </p:grpSpPr>
+      <p:sp>
+        <p:nvSpPr>
+          <p:cNvPr id="2" name="Espace réservé de l'image des diapositives 1"/>
+          <p:cNvSpPr>
+            <a:spLocks noGrp="1" noRot="1" noChangeAspect="1"/>
+          </p:cNvSpPr>
+          <p:nvPr>
+            <p:ph type="sldImg"/>
+          </p:nvPr>
+        </p:nvSpPr>
+        <p:spPr/>
+      </p:sp>
+      <p:sp>
+        <p:nvSpPr>
+          <p:cNvPr id="3" name="Espace réservé des notes 2"/>
+          <p:cNvSpPr>
+            <a:spLocks noGrp="1"/>
+          </p:cNvSpPr>
+          <p:nvPr>
+            <p:ph type="body" idx="1"/>
+          </p:nvPr>
+        </p:nvSpPr>
+        <p:spPr/>
+        <p:txBody>
+          <a:bodyPr/>
+          <a:lstStyle/>
+          <a:p>
+            <a:endParaRPr lang="fr-FR"/>
+          </a:p>
+        </p:txBody>
+      </p:sp>
+      <p:sp>
+        <p:nvSpPr>
+          <p:cNvPr id="4" name="Espace réservé du numéro de diapositive 3"/>
+          <p:cNvSpPr>
+            <a:spLocks noGrp="1"/>
+          </p:cNvSpPr>
+          <p:nvPr>
+            <p:ph type="sldNum" sz="quarter" idx="5"/>
+          </p:nvPr>
+        </p:nvSpPr>
+        <p:spPr/>
+        <p:txBody>
+          <a:bodyPr/>
+          <a:lstStyle/>
+          <a:p>
+            <a:fld id="{C7E15328-2FD5-4AB1-B846-CCAE8EA09498}" type="slidenum">
+              <a:rPr lang="fr-FR" smtClean="0"/>
+              <a:t>13</a:t>
+            </a:fld>
+            <a:endParaRPr lang="fr-FR"/>
+          </a:p>
+        </p:txBody>
+      </p:sp>
+    </p:spTree>
+    <p:extLst>
+      <p:ext uri="{BB962C8B-B14F-4D97-AF65-F5344CB8AC3E}">
+        <p14:creationId xmlns:p14="http://schemas.microsoft.com/office/powerpoint/2010/main" val="670453471"/>
+      </p:ext>
+    </p:extLst>
+  </p:cSld>
+  <p:clrMapOvr>
+    <a:masterClrMapping/>
+  </p:clrMapOvr>
+</p:notes>
+</file>
+
 <file path=ppt/slideLayouts/slideLayout1.xml><?xml version="1.0" encoding="utf-8"?>
 <p:sldLayout xmlns:a="http://schemas.openxmlformats.org/drawingml/2006/main" xmlns:r="http://schemas.openxmlformats.org/officeDocument/2006/relationships" xmlns:p="http://schemas.openxmlformats.org/presentationml/2006/main" showMasterSp="0" type="title" preserve="1">
   <p:cSld name="Diapositive de titre">
@@ -7237,7 +10893,7 @@
           <a:noFill/>
           <a:extLst>
             <a:ext uri="{909E8E84-426E-40dd-AFC4-6F175D3DCCD1}">
-              <a14:hiddenFill xmlns="" xmlns:a14="http://schemas.microsoft.com/office/drawing/2010/main">
+              <a14:hiddenFill xmlns:a14="http://schemas.microsoft.com/office/drawing/2010/main" xmlns="">
                 <a:solidFill>
                   <a:srgbClr val="FFFFFF"/>
                 </a:solidFill>
@@ -7296,7 +10952,7 @@
             </a:ln>
             <a:extLst>
               <a:ext uri="{91240B29-F687-4f45-9708-019B960494DF}">
-                <a14:hiddenLine xmlns="" xmlns:a14="http://schemas.microsoft.com/office/drawing/2010/main" w="9525">
+                <a14:hiddenLine xmlns:a14="http://schemas.microsoft.com/office/drawing/2010/main" xmlns="" w="9525">
                   <a:solidFill>
                     <a:srgbClr val="000000"/>
                   </a:solidFill>
@@ -7386,7 +11042,7 @@
             </a:ln>
             <a:extLst>
               <a:ext uri="{91240B29-F687-4f45-9708-019B960494DF}">
-                <a14:hiddenLine xmlns="" xmlns:a14="http://schemas.microsoft.com/office/drawing/2010/main" w="9525">
+                <a14:hiddenLine xmlns:a14="http://schemas.microsoft.com/office/drawing/2010/main" xmlns="" w="9525">
                   <a:solidFill>
                     <a:srgbClr val="000000"/>
                   </a:solidFill>
@@ -7476,7 +11132,7 @@
             </a:ln>
             <a:extLst>
               <a:ext uri="{91240B29-F687-4f45-9708-019B960494DF}">
-                <a14:hiddenLine xmlns="" xmlns:a14="http://schemas.microsoft.com/office/drawing/2010/main" w="9525">
+                <a14:hiddenLine xmlns:a14="http://schemas.microsoft.com/office/drawing/2010/main" xmlns="" w="9525">
                   <a:solidFill>
                     <a:srgbClr val="000000"/>
                   </a:solidFill>
@@ -7510,7 +11166,7 @@
             </a:ln>
             <a:extLst>
               <a:ext uri="{91240B29-F687-4f45-9708-019B960494DF}">
-                <a14:hiddenLine xmlns="" xmlns:a14="http://schemas.microsoft.com/office/drawing/2010/main" w="9525">
+                <a14:hiddenLine xmlns:a14="http://schemas.microsoft.com/office/drawing/2010/main" xmlns="" w="9525">
                   <a:solidFill>
                     <a:srgbClr val="000000"/>
                   </a:solidFill>
@@ -7600,7 +11256,7 @@
             </a:ln>
             <a:extLst>
               <a:ext uri="{91240B29-F687-4f45-9708-019B960494DF}">
-                <a14:hiddenLine xmlns="" xmlns:a14="http://schemas.microsoft.com/office/drawing/2010/main" w="9525">
+                <a14:hiddenLine xmlns:a14="http://schemas.microsoft.com/office/drawing/2010/main" xmlns="" w="9525">
                   <a:solidFill>
                     <a:srgbClr val="000000"/>
                   </a:solidFill>
@@ -7662,7 +11318,7 @@
             </a:ln>
             <a:extLst>
               <a:ext uri="{91240B29-F687-4f45-9708-019B960494DF}">
-                <a14:hiddenLine xmlns="" xmlns:a14="http://schemas.microsoft.com/office/drawing/2010/main" w="9525">
+                <a14:hiddenLine xmlns:a14="http://schemas.microsoft.com/office/drawing/2010/main" xmlns="" w="9525">
                   <a:solidFill>
                     <a:srgbClr val="000000"/>
                   </a:solidFill>
@@ -7724,7 +11380,7 @@
             </a:ln>
             <a:extLst>
               <a:ext uri="{91240B29-F687-4f45-9708-019B960494DF}">
-                <a14:hiddenLine xmlns="" xmlns:a14="http://schemas.microsoft.com/office/drawing/2010/main" w="9525">
+                <a14:hiddenLine xmlns:a14="http://schemas.microsoft.com/office/drawing/2010/main" xmlns="" w="9525">
                   <a:solidFill>
                     <a:srgbClr val="000000"/>
                   </a:solidFill>
@@ -7814,7 +11470,7 @@
             </a:ln>
             <a:extLst>
               <a:ext uri="{91240B29-F687-4f45-9708-019B960494DF}">
-                <a14:hiddenLine xmlns="" xmlns:a14="http://schemas.microsoft.com/office/drawing/2010/main" w="9525">
+                <a14:hiddenLine xmlns:a14="http://schemas.microsoft.com/office/drawing/2010/main" xmlns="" w="9525">
                   <a:solidFill>
                     <a:srgbClr val="000000"/>
                   </a:solidFill>
@@ -7876,7 +11532,7 @@
             </a:ln>
             <a:extLst>
               <a:ext uri="{91240B29-F687-4f45-9708-019B960494DF}">
-                <a14:hiddenLine xmlns="" xmlns:a14="http://schemas.microsoft.com/office/drawing/2010/main" w="9525">
+                <a14:hiddenLine xmlns:a14="http://schemas.microsoft.com/office/drawing/2010/main" xmlns="" w="9525">
                   <a:solidFill>
                     <a:srgbClr val="000000"/>
                   </a:solidFill>
@@ -7938,7 +11594,7 @@
             </a:ln>
             <a:extLst>
               <a:ext uri="{91240B29-F687-4f45-9708-019B960494DF}">
-                <a14:hiddenLine xmlns="" xmlns:a14="http://schemas.microsoft.com/office/drawing/2010/main" w="9525">
+                <a14:hiddenLine xmlns:a14="http://schemas.microsoft.com/office/drawing/2010/main" xmlns="" w="9525">
                   <a:solidFill>
                     <a:srgbClr val="000000"/>
                   </a:solidFill>
@@ -8028,7 +11684,7 @@
             </a:ln>
             <a:extLst>
               <a:ext uri="{91240B29-F687-4f45-9708-019B960494DF}">
-                <a14:hiddenLine xmlns="" xmlns:a14="http://schemas.microsoft.com/office/drawing/2010/main" w="9525">
+                <a14:hiddenLine xmlns:a14="http://schemas.microsoft.com/office/drawing/2010/main" xmlns="" w="9525">
                   <a:solidFill>
                     <a:srgbClr val="000000"/>
                   </a:solidFill>
@@ -8118,7 +11774,7 @@
             </a:ln>
             <a:extLst>
               <a:ext uri="{91240B29-F687-4f45-9708-019B960494DF}">
-                <a14:hiddenLine xmlns="" xmlns:a14="http://schemas.microsoft.com/office/drawing/2010/main" w="9525">
+                <a14:hiddenLine xmlns:a14="http://schemas.microsoft.com/office/drawing/2010/main" xmlns="" w="9525">
                   <a:solidFill>
                     <a:srgbClr val="000000"/>
                   </a:solidFill>
@@ -8180,7 +11836,7 @@
             </a:ln>
             <a:extLst>
               <a:ext uri="{91240B29-F687-4f45-9708-019B960494DF}">
-                <a14:hiddenLine xmlns="" xmlns:a14="http://schemas.microsoft.com/office/drawing/2010/main" w="9525">
+                <a14:hiddenLine xmlns:a14="http://schemas.microsoft.com/office/drawing/2010/main" xmlns="" w="9525">
                   <a:solidFill>
                     <a:srgbClr val="000000"/>
                   </a:solidFill>
@@ -8290,7 +11946,7 @@
             </a:ln>
             <a:extLst>
               <a:ext uri="{91240B29-F687-4f45-9708-019B960494DF}">
-                <a14:hiddenLine xmlns="" xmlns:a14="http://schemas.microsoft.com/office/drawing/2010/main" w="9525">
+                <a14:hiddenLine xmlns:a14="http://schemas.microsoft.com/office/drawing/2010/main" xmlns="" w="9525">
                   <a:solidFill>
                     <a:srgbClr val="000000"/>
                   </a:solidFill>
@@ -8352,7 +12008,7 @@
             </a:ln>
             <a:extLst>
               <a:ext uri="{91240B29-F687-4f45-9708-019B960494DF}">
-                <a14:hiddenLine xmlns="" xmlns:a14="http://schemas.microsoft.com/office/drawing/2010/main" w="9525">
+                <a14:hiddenLine xmlns:a14="http://schemas.microsoft.com/office/drawing/2010/main" xmlns="" w="9525">
                   <a:solidFill>
                     <a:srgbClr val="000000"/>
                   </a:solidFill>
@@ -8442,7 +12098,7 @@
             </a:ln>
             <a:extLst>
               <a:ext uri="{91240B29-F687-4f45-9708-019B960494DF}">
-                <a14:hiddenLine xmlns="" xmlns:a14="http://schemas.microsoft.com/office/drawing/2010/main" w="9525">
+                <a14:hiddenLine xmlns:a14="http://schemas.microsoft.com/office/drawing/2010/main" xmlns="" w="9525">
                   <a:solidFill>
                     <a:srgbClr val="000000"/>
                   </a:solidFill>
@@ -8532,7 +12188,7 @@
             </a:ln>
             <a:extLst>
               <a:ext uri="{91240B29-F687-4f45-9708-019B960494DF}">
-                <a14:hiddenLine xmlns="" xmlns:a14="http://schemas.microsoft.com/office/drawing/2010/main" w="9525">
+                <a14:hiddenLine xmlns:a14="http://schemas.microsoft.com/office/drawing/2010/main" xmlns="" w="9525">
                   <a:solidFill>
                     <a:srgbClr val="000000"/>
                   </a:solidFill>
@@ -8594,7 +12250,7 @@
             </a:ln>
             <a:extLst>
               <a:ext uri="{91240B29-F687-4f45-9708-019B960494DF}">
-                <a14:hiddenLine xmlns="" xmlns:a14="http://schemas.microsoft.com/office/drawing/2010/main" w="9525">
+                <a14:hiddenLine xmlns:a14="http://schemas.microsoft.com/office/drawing/2010/main" xmlns="" w="9525">
                   <a:solidFill>
                     <a:srgbClr val="000000"/>
                   </a:solidFill>
@@ -8684,7 +12340,7 @@
             </a:ln>
             <a:extLst>
               <a:ext uri="{91240B29-F687-4f45-9708-019B960494DF}">
-                <a14:hiddenLine xmlns="" xmlns:a14="http://schemas.microsoft.com/office/drawing/2010/main" w="9525">
+                <a14:hiddenLine xmlns:a14="http://schemas.microsoft.com/office/drawing/2010/main" xmlns="" w="9525">
                   <a:solidFill>
                     <a:srgbClr val="000000"/>
                   </a:solidFill>
@@ -8774,7 +12430,7 @@
             </a:ln>
             <a:extLst>
               <a:ext uri="{91240B29-F687-4f45-9708-019B960494DF}">
-                <a14:hiddenLine xmlns="" xmlns:a14="http://schemas.microsoft.com/office/drawing/2010/main" w="9525">
+                <a14:hiddenLine xmlns:a14="http://schemas.microsoft.com/office/drawing/2010/main" xmlns="" w="9525">
                   <a:solidFill>
                     <a:srgbClr val="000000"/>
                   </a:solidFill>
@@ -8830,7 +12486,7 @@
             </a:ln>
             <a:extLst>
               <a:ext uri="{91240B29-F687-4f45-9708-019B960494DF}">
-                <a14:hiddenLine xmlns="" xmlns:a14="http://schemas.microsoft.com/office/drawing/2010/main" w="9525">
+                <a14:hiddenLine xmlns:a14="http://schemas.microsoft.com/office/drawing/2010/main" xmlns="" w="9525">
                   <a:solidFill>
                     <a:srgbClr val="000000"/>
                   </a:solidFill>
@@ -8920,7 +12576,7 @@
             </a:ln>
             <a:extLst>
               <a:ext uri="{91240B29-F687-4f45-9708-019B960494DF}">
-                <a14:hiddenLine xmlns="" xmlns:a14="http://schemas.microsoft.com/office/drawing/2010/main" w="9525">
+                <a14:hiddenLine xmlns:a14="http://schemas.microsoft.com/office/drawing/2010/main" xmlns="" w="9525">
                   <a:solidFill>
                     <a:srgbClr val="000000"/>
                   </a:solidFill>
@@ -8976,7 +12632,7 @@
             </a:ln>
             <a:extLst>
               <a:ext uri="{91240B29-F687-4f45-9708-019B960494DF}">
-                <a14:hiddenLine xmlns="" xmlns:a14="http://schemas.microsoft.com/office/drawing/2010/main" w="9525">
+                <a14:hiddenLine xmlns:a14="http://schemas.microsoft.com/office/drawing/2010/main" xmlns="" w="9525">
                   <a:solidFill>
                     <a:srgbClr val="000000"/>
                   </a:solidFill>
@@ -9066,7 +12722,7 @@
             </a:ln>
             <a:extLst>
               <a:ext uri="{91240B29-F687-4f45-9708-019B960494DF}">
-                <a14:hiddenLine xmlns="" xmlns:a14="http://schemas.microsoft.com/office/drawing/2010/main" w="9525">
+                <a14:hiddenLine xmlns:a14="http://schemas.microsoft.com/office/drawing/2010/main" xmlns="" w="9525">
                   <a:solidFill>
                     <a:srgbClr val="000000"/>
                   </a:solidFill>
@@ -9134,7 +12790,7 @@
             </a:ln>
             <a:extLst>
               <a:ext uri="{91240B29-F687-4f45-9708-019B960494DF}">
-                <a14:hiddenLine xmlns="" xmlns:a14="http://schemas.microsoft.com/office/drawing/2010/main" w="9525">
+                <a14:hiddenLine xmlns:a14="http://schemas.microsoft.com/office/drawing/2010/main" xmlns="" w="9525">
                   <a:solidFill>
                     <a:srgbClr val="000000"/>
                   </a:solidFill>
@@ -9224,7 +12880,7 @@
             </a:ln>
             <a:extLst>
               <a:ext uri="{91240B29-F687-4f45-9708-019B960494DF}">
-                <a14:hiddenLine xmlns="" xmlns:a14="http://schemas.microsoft.com/office/drawing/2010/main" w="9525">
+                <a14:hiddenLine xmlns:a14="http://schemas.microsoft.com/office/drawing/2010/main" xmlns="" w="9525">
                   <a:solidFill>
                     <a:srgbClr val="000000"/>
                   </a:solidFill>
@@ -9292,7 +12948,7 @@
             </a:ln>
             <a:extLst>
               <a:ext uri="{91240B29-F687-4f45-9708-019B960494DF}">
-                <a14:hiddenLine xmlns="" xmlns:a14="http://schemas.microsoft.com/office/drawing/2010/main" w="9525">
+                <a14:hiddenLine xmlns:a14="http://schemas.microsoft.com/office/drawing/2010/main" xmlns="" w="9525">
                   <a:solidFill>
                     <a:srgbClr val="000000"/>
                   </a:solidFill>
@@ -9382,7 +13038,7 @@
             </a:ln>
             <a:extLst>
               <a:ext uri="{91240B29-F687-4f45-9708-019B960494DF}">
-                <a14:hiddenLine xmlns="" xmlns:a14="http://schemas.microsoft.com/office/drawing/2010/main" w="9525">
+                <a14:hiddenLine xmlns:a14="http://schemas.microsoft.com/office/drawing/2010/main" xmlns="" w="9525">
                   <a:solidFill>
                     <a:srgbClr val="000000"/>
                   </a:solidFill>
@@ -9416,7 +13072,7 @@
             </a:ln>
             <a:extLst>
               <a:ext uri="{91240B29-F687-4f45-9708-019B960494DF}">
-                <a14:hiddenLine xmlns="" xmlns:a14="http://schemas.microsoft.com/office/drawing/2010/main" w="9525">
+                <a14:hiddenLine xmlns:a14="http://schemas.microsoft.com/office/drawing/2010/main" xmlns="" w="9525">
                   <a:solidFill>
                     <a:srgbClr val="000000"/>
                   </a:solidFill>
@@ -9506,7 +13162,7 @@
             </a:ln>
             <a:extLst>
               <a:ext uri="{91240B29-F687-4f45-9708-019B960494DF}">
-                <a14:hiddenLine xmlns="" xmlns:a14="http://schemas.microsoft.com/office/drawing/2010/main" w="9525">
+                <a14:hiddenLine xmlns:a14="http://schemas.microsoft.com/office/drawing/2010/main" xmlns="" w="9525">
                   <a:solidFill>
                     <a:srgbClr val="000000"/>
                   </a:solidFill>
@@ -9568,7 +13224,7 @@
             </a:ln>
             <a:extLst>
               <a:ext uri="{91240B29-F687-4f45-9708-019B960494DF}">
-                <a14:hiddenLine xmlns="" xmlns:a14="http://schemas.microsoft.com/office/drawing/2010/main" w="9525">
+                <a14:hiddenLine xmlns:a14="http://schemas.microsoft.com/office/drawing/2010/main" xmlns="" w="9525">
                   <a:solidFill>
                     <a:srgbClr val="000000"/>
                   </a:solidFill>
@@ -9630,7 +13286,7 @@
             </a:ln>
             <a:extLst>
               <a:ext uri="{91240B29-F687-4f45-9708-019B960494DF}">
-                <a14:hiddenLine xmlns="" xmlns:a14="http://schemas.microsoft.com/office/drawing/2010/main" w="9525">
+                <a14:hiddenLine xmlns:a14="http://schemas.microsoft.com/office/drawing/2010/main" xmlns="" w="9525">
                   <a:solidFill>
                     <a:srgbClr val="000000"/>
                   </a:solidFill>
@@ -9720,7 +13376,7 @@
             </a:ln>
             <a:extLst>
               <a:ext uri="{91240B29-F687-4f45-9708-019B960494DF}">
-                <a14:hiddenLine xmlns="" xmlns:a14="http://schemas.microsoft.com/office/drawing/2010/main" w="9525">
+                <a14:hiddenLine xmlns:a14="http://schemas.microsoft.com/office/drawing/2010/main" xmlns="" w="9525">
                   <a:solidFill>
                     <a:srgbClr val="000000"/>
                   </a:solidFill>
@@ -9788,7 +13444,7 @@
             </a:ln>
             <a:extLst>
               <a:ext uri="{91240B29-F687-4f45-9708-019B960494DF}">
-                <a14:hiddenLine xmlns="" xmlns:a14="http://schemas.microsoft.com/office/drawing/2010/main" w="9525">
+                <a14:hiddenLine xmlns:a14="http://schemas.microsoft.com/office/drawing/2010/main" xmlns="" w="9525">
                   <a:solidFill>
                     <a:srgbClr val="000000"/>
                   </a:solidFill>
@@ -9850,7 +13506,7 @@
             </a:ln>
             <a:extLst>
               <a:ext uri="{91240B29-F687-4f45-9708-019B960494DF}">
-                <a14:hiddenLine xmlns="" xmlns:a14="http://schemas.microsoft.com/office/drawing/2010/main" w="9525">
+                <a14:hiddenLine xmlns:a14="http://schemas.microsoft.com/office/drawing/2010/main" xmlns="" w="9525">
                   <a:solidFill>
                     <a:srgbClr val="000000"/>
                   </a:solidFill>
@@ -9940,7 +13596,7 @@
             </a:ln>
             <a:extLst>
               <a:ext uri="{91240B29-F687-4f45-9708-019B960494DF}">
-                <a14:hiddenLine xmlns="" xmlns:a14="http://schemas.microsoft.com/office/drawing/2010/main" w="9525">
+                <a14:hiddenLine xmlns:a14="http://schemas.microsoft.com/office/drawing/2010/main" xmlns="" w="9525">
                   <a:solidFill>
                     <a:srgbClr val="000000"/>
                   </a:solidFill>
@@ -10002,7 +13658,7 @@
             </a:ln>
             <a:extLst>
               <a:ext uri="{91240B29-F687-4f45-9708-019B960494DF}">
-                <a14:hiddenLine xmlns="" xmlns:a14="http://schemas.microsoft.com/office/drawing/2010/main" w="9525">
+                <a14:hiddenLine xmlns:a14="http://schemas.microsoft.com/office/drawing/2010/main" xmlns="" w="9525">
                   <a:solidFill>
                     <a:srgbClr val="000000"/>
                   </a:solidFill>
@@ -10092,7 +13748,7 @@
             </a:ln>
             <a:extLst>
               <a:ext uri="{91240B29-F687-4f45-9708-019B960494DF}">
-                <a14:hiddenLine xmlns="" xmlns:a14="http://schemas.microsoft.com/office/drawing/2010/main" w="9525">
+                <a14:hiddenLine xmlns:a14="http://schemas.microsoft.com/office/drawing/2010/main" xmlns="" w="9525">
                   <a:solidFill>
                     <a:srgbClr val="000000"/>
                   </a:solidFill>
@@ -10154,7 +13810,7 @@
             </a:ln>
             <a:extLst>
               <a:ext uri="{91240B29-F687-4f45-9708-019B960494DF}">
-                <a14:hiddenLine xmlns="" xmlns:a14="http://schemas.microsoft.com/office/drawing/2010/main" w="9525">
+                <a14:hiddenLine xmlns:a14="http://schemas.microsoft.com/office/drawing/2010/main" xmlns="" w="9525">
                   <a:solidFill>
                     <a:srgbClr val="000000"/>
                   </a:solidFill>
@@ -10244,7 +13900,7 @@
             </a:ln>
             <a:extLst>
               <a:ext uri="{91240B29-F687-4f45-9708-019B960494DF}">
-                <a14:hiddenLine xmlns="" xmlns:a14="http://schemas.microsoft.com/office/drawing/2010/main" w="9525">
+                <a14:hiddenLine xmlns:a14="http://schemas.microsoft.com/office/drawing/2010/main" xmlns="" w="9525">
                   <a:solidFill>
                     <a:srgbClr val="000000"/>
                   </a:solidFill>
@@ -10278,7 +13934,7 @@
             </a:ln>
             <a:extLst>
               <a:ext uri="{91240B29-F687-4f45-9708-019B960494DF}">
-                <a14:hiddenLine xmlns="" xmlns:a14="http://schemas.microsoft.com/office/drawing/2010/main" w="9525">
+                <a14:hiddenLine xmlns:a14="http://schemas.microsoft.com/office/drawing/2010/main" xmlns="" w="9525">
                   <a:solidFill>
                     <a:srgbClr val="000000"/>
                   </a:solidFill>
@@ -10343,7 +13999,7 @@
             </a:ln>
             <a:extLst>
               <a:ext uri="{91240B29-F687-4f45-9708-019B960494DF}">
-                <a14:hiddenLine xmlns="" xmlns:a14="http://schemas.microsoft.com/office/drawing/2010/main" w="9525">
+                <a14:hiddenLine xmlns:a14="http://schemas.microsoft.com/office/drawing/2010/main" xmlns="" w="9525">
                   <a:solidFill>
                     <a:srgbClr val="000000"/>
                   </a:solidFill>
@@ -10433,7 +14089,7 @@
             </a:ln>
             <a:extLst>
               <a:ext uri="{91240B29-F687-4f45-9708-019B960494DF}">
-                <a14:hiddenLine xmlns="" xmlns:a14="http://schemas.microsoft.com/office/drawing/2010/main" w="9525">
+                <a14:hiddenLine xmlns:a14="http://schemas.microsoft.com/office/drawing/2010/main" xmlns="" w="9525">
                   <a:solidFill>
                     <a:srgbClr val="000000"/>
                   </a:solidFill>
@@ -10495,7 +14151,7 @@
             </a:ln>
             <a:extLst>
               <a:ext uri="{91240B29-F687-4f45-9708-019B960494DF}">
-                <a14:hiddenLine xmlns="" xmlns:a14="http://schemas.microsoft.com/office/drawing/2010/main" w="9525">
+                <a14:hiddenLine xmlns:a14="http://schemas.microsoft.com/office/drawing/2010/main" xmlns="" w="9525">
                   <a:solidFill>
                     <a:srgbClr val="000000"/>
                   </a:solidFill>
@@ -10585,7 +14241,7 @@
             </a:ln>
             <a:extLst>
               <a:ext uri="{91240B29-F687-4f45-9708-019B960494DF}">
-                <a14:hiddenLine xmlns="" xmlns:a14="http://schemas.microsoft.com/office/drawing/2010/main" w="9525">
+                <a14:hiddenLine xmlns:a14="http://schemas.microsoft.com/office/drawing/2010/main" xmlns="" w="9525">
                   <a:solidFill>
                     <a:srgbClr val="000000"/>
                   </a:solidFill>
@@ -10675,7 +14331,7 @@
             </a:ln>
             <a:extLst>
               <a:ext uri="{91240B29-F687-4f45-9708-019B960494DF}">
-                <a14:hiddenLine xmlns="" xmlns:a14="http://schemas.microsoft.com/office/drawing/2010/main" w="9525">
+                <a14:hiddenLine xmlns:a14="http://schemas.microsoft.com/office/drawing/2010/main" xmlns="" w="9525">
                   <a:solidFill>
                     <a:srgbClr val="000000"/>
                   </a:solidFill>
@@ -10740,7 +14396,7 @@
             </a:ln>
             <a:extLst>
               <a:ext uri="{91240B29-F687-4f45-9708-019B960494DF}">
-                <a14:hiddenLine xmlns="" xmlns:a14="http://schemas.microsoft.com/office/drawing/2010/main" w="9525">
+                <a14:hiddenLine xmlns:a14="http://schemas.microsoft.com/office/drawing/2010/main" xmlns="" w="9525">
                   <a:solidFill>
                     <a:srgbClr val="000000"/>
                   </a:solidFill>
@@ -10802,7 +14458,7 @@
             </a:ln>
             <a:extLst>
               <a:ext uri="{91240B29-F687-4f45-9708-019B960494DF}">
-                <a14:hiddenLine xmlns="" xmlns:a14="http://schemas.microsoft.com/office/drawing/2010/main" w="9525">
+                <a14:hiddenLine xmlns:a14="http://schemas.microsoft.com/office/drawing/2010/main" xmlns="" w="9525">
                   <a:solidFill>
                     <a:srgbClr val="000000"/>
                   </a:solidFill>
@@ -10892,7 +14548,7 @@
             </a:ln>
             <a:extLst>
               <a:ext uri="{91240B29-F687-4f45-9708-019B960494DF}">
-                <a14:hiddenLine xmlns="" xmlns:a14="http://schemas.microsoft.com/office/drawing/2010/main" w="9525">
+                <a14:hiddenLine xmlns:a14="http://schemas.microsoft.com/office/drawing/2010/main" xmlns="" w="9525">
                   <a:solidFill>
                     <a:srgbClr val="000000"/>
                   </a:solidFill>
@@ -10982,7 +14638,7 @@
             </a:ln>
             <a:extLst>
               <a:ext uri="{91240B29-F687-4f45-9708-019B960494DF}">
-                <a14:hiddenLine xmlns="" xmlns:a14="http://schemas.microsoft.com/office/drawing/2010/main" w="9525">
+                <a14:hiddenLine xmlns:a14="http://schemas.microsoft.com/office/drawing/2010/main" xmlns="" w="9525">
                   <a:solidFill>
                     <a:srgbClr val="000000"/>
                   </a:solidFill>
@@ -11044,7 +14700,7 @@
             </a:ln>
             <a:extLst>
               <a:ext uri="{91240B29-F687-4f45-9708-019B960494DF}">
-                <a14:hiddenLine xmlns="" xmlns:a14="http://schemas.microsoft.com/office/drawing/2010/main" w="9525">
+                <a14:hiddenLine xmlns:a14="http://schemas.microsoft.com/office/drawing/2010/main" xmlns="" w="9525">
                   <a:solidFill>
                     <a:srgbClr val="000000"/>
                   </a:solidFill>
@@ -11164,7 +14820,7 @@
             </a:ln>
             <a:extLst>
               <a:ext uri="{91240B29-F687-4f45-9708-019B960494DF}">
-                <a14:hiddenLine xmlns="" xmlns:a14="http://schemas.microsoft.com/office/drawing/2010/main" w="9525">
+                <a14:hiddenLine xmlns:a14="http://schemas.microsoft.com/office/drawing/2010/main" xmlns="" w="9525">
                   <a:solidFill>
                     <a:srgbClr val="000000"/>
                   </a:solidFill>
@@ -11232,7 +14888,7 @@
             </a:ln>
             <a:extLst>
               <a:ext uri="{91240B29-F687-4f45-9708-019B960494DF}">
-                <a14:hiddenLine xmlns="" xmlns:a14="http://schemas.microsoft.com/office/drawing/2010/main" w="9525">
+                <a14:hiddenLine xmlns:a14="http://schemas.microsoft.com/office/drawing/2010/main" xmlns="" w="9525">
                   <a:solidFill>
                     <a:srgbClr val="000000"/>
                   </a:solidFill>
@@ -11322,7 +14978,7 @@
             </a:ln>
             <a:extLst>
               <a:ext uri="{91240B29-F687-4f45-9708-019B960494DF}">
-                <a14:hiddenLine xmlns="" xmlns:a14="http://schemas.microsoft.com/office/drawing/2010/main" w="9525">
+                <a14:hiddenLine xmlns:a14="http://schemas.microsoft.com/office/drawing/2010/main" xmlns="" w="9525">
                   <a:solidFill>
                     <a:srgbClr val="000000"/>
                   </a:solidFill>
@@ -16175,7 +19831,7 @@
           <a:noFill/>
           <a:extLst>
             <a:ext uri="{909E8E84-426E-40dd-AFC4-6F175D3DCCD1}">
-              <a14:hiddenFill xmlns="" xmlns:a14="http://schemas.microsoft.com/office/drawing/2010/main">
+              <a14:hiddenFill xmlns:a14="http://schemas.microsoft.com/office/drawing/2010/main" xmlns="">
                 <a:solidFill>
                   <a:srgbClr val="FFFFFF"/>
                 </a:solidFill>
@@ -16249,7 +19905,7 @@
               </a:ln>
               <a:extLst>
                 <a:ext uri="{91240B29-F687-4f45-9708-019B960494DF}">
-                  <a14:hiddenLine xmlns="" xmlns:a14="http://schemas.microsoft.com/office/drawing/2010/main" w="9525">
+                  <a14:hiddenLine xmlns:a14="http://schemas.microsoft.com/office/drawing/2010/main" xmlns="" w="9525">
                     <a:solidFill>
                       <a:srgbClr val="000000"/>
                     </a:solidFill>
@@ -16339,7 +19995,7 @@
               </a:ln>
               <a:extLst>
                 <a:ext uri="{91240B29-F687-4f45-9708-019B960494DF}">
-                  <a14:hiddenLine xmlns="" xmlns:a14="http://schemas.microsoft.com/office/drawing/2010/main" w="9525">
+                  <a14:hiddenLine xmlns:a14="http://schemas.microsoft.com/office/drawing/2010/main" xmlns="" w="9525">
                     <a:solidFill>
                       <a:srgbClr val="000000"/>
                     </a:solidFill>
@@ -16429,7 +20085,7 @@
               </a:ln>
               <a:extLst>
                 <a:ext uri="{91240B29-F687-4f45-9708-019B960494DF}">
-                  <a14:hiddenLine xmlns="" xmlns:a14="http://schemas.microsoft.com/office/drawing/2010/main" w="9525">
+                  <a14:hiddenLine xmlns:a14="http://schemas.microsoft.com/office/drawing/2010/main" xmlns="" w="9525">
                     <a:solidFill>
                       <a:srgbClr val="000000"/>
                     </a:solidFill>
@@ -16491,7 +20147,7 @@
               </a:ln>
               <a:extLst>
                 <a:ext uri="{91240B29-F687-4f45-9708-019B960494DF}">
-                  <a14:hiddenLine xmlns="" xmlns:a14="http://schemas.microsoft.com/office/drawing/2010/main" w="9525">
+                  <a14:hiddenLine xmlns:a14="http://schemas.microsoft.com/office/drawing/2010/main" xmlns="" w="9525">
                     <a:solidFill>
                       <a:srgbClr val="000000"/>
                     </a:solidFill>
@@ -16581,7 +20237,7 @@
               </a:ln>
               <a:extLst>
                 <a:ext uri="{91240B29-F687-4f45-9708-019B960494DF}">
-                  <a14:hiddenLine xmlns="" xmlns:a14="http://schemas.microsoft.com/office/drawing/2010/main" w="9525">
+                  <a14:hiddenLine xmlns:a14="http://schemas.microsoft.com/office/drawing/2010/main" xmlns="" w="9525">
                     <a:solidFill>
                       <a:srgbClr val="000000"/>
                     </a:solidFill>
@@ -16643,7 +20299,7 @@
               </a:ln>
               <a:extLst>
                 <a:ext uri="{91240B29-F687-4f45-9708-019B960494DF}">
-                  <a14:hiddenLine xmlns="" xmlns:a14="http://schemas.microsoft.com/office/drawing/2010/main" w="9525">
+                  <a14:hiddenLine xmlns:a14="http://schemas.microsoft.com/office/drawing/2010/main" xmlns="" w="9525">
                     <a:solidFill>
                       <a:srgbClr val="000000"/>
                     </a:solidFill>
@@ -16705,7 +20361,7 @@
               </a:ln>
               <a:extLst>
                 <a:ext uri="{91240B29-F687-4f45-9708-019B960494DF}">
-                  <a14:hiddenLine xmlns="" xmlns:a14="http://schemas.microsoft.com/office/drawing/2010/main" w="9525">
+                  <a14:hiddenLine xmlns:a14="http://schemas.microsoft.com/office/drawing/2010/main" xmlns="" w="9525">
                     <a:solidFill>
                       <a:srgbClr val="000000"/>
                     </a:solidFill>
@@ -16795,7 +20451,7 @@
               </a:ln>
               <a:extLst>
                 <a:ext uri="{91240B29-F687-4f45-9708-019B960494DF}">
-                  <a14:hiddenLine xmlns="" xmlns:a14="http://schemas.microsoft.com/office/drawing/2010/main" w="9525">
+                  <a14:hiddenLine xmlns:a14="http://schemas.microsoft.com/office/drawing/2010/main" xmlns="" w="9525">
                     <a:solidFill>
                       <a:srgbClr val="000000"/>
                     </a:solidFill>
@@ -16885,7 +20541,7 @@
               </a:ln>
               <a:extLst>
                 <a:ext uri="{91240B29-F687-4f45-9708-019B960494DF}">
-                  <a14:hiddenLine xmlns="" xmlns:a14="http://schemas.microsoft.com/office/drawing/2010/main" w="9525">
+                  <a14:hiddenLine xmlns:a14="http://schemas.microsoft.com/office/drawing/2010/main" xmlns="" w="9525">
                     <a:solidFill>
                       <a:srgbClr val="000000"/>
                     </a:solidFill>
@@ -16947,7 +20603,7 @@
               </a:ln>
               <a:extLst>
                 <a:ext uri="{91240B29-F687-4f45-9708-019B960494DF}">
-                  <a14:hiddenLine xmlns="" xmlns:a14="http://schemas.microsoft.com/office/drawing/2010/main" w="9525">
+                  <a14:hiddenLine xmlns:a14="http://schemas.microsoft.com/office/drawing/2010/main" xmlns="" w="9525">
                     <a:solidFill>
                       <a:srgbClr val="000000"/>
                     </a:solidFill>
@@ -17057,7 +20713,7 @@
               </a:ln>
               <a:extLst>
                 <a:ext uri="{91240B29-F687-4f45-9708-019B960494DF}">
-                  <a14:hiddenLine xmlns="" xmlns:a14="http://schemas.microsoft.com/office/drawing/2010/main" w="9525">
+                  <a14:hiddenLine xmlns:a14="http://schemas.microsoft.com/office/drawing/2010/main" xmlns="" w="9525">
                     <a:solidFill>
                       <a:srgbClr val="000000"/>
                     </a:solidFill>
@@ -17141,7 +20797,7 @@
               </a:ln>
               <a:extLst>
                 <a:ext uri="{91240B29-F687-4f45-9708-019B960494DF}">
-                  <a14:hiddenLine xmlns="" xmlns:a14="http://schemas.microsoft.com/office/drawing/2010/main" w="9525">
+                  <a14:hiddenLine xmlns:a14="http://schemas.microsoft.com/office/drawing/2010/main" xmlns="" w="9525">
                     <a:solidFill>
                       <a:srgbClr val="000000"/>
                     </a:solidFill>
@@ -17203,7 +20859,7 @@
               </a:ln>
               <a:extLst>
                 <a:ext uri="{91240B29-F687-4f45-9708-019B960494DF}">
-                  <a14:hiddenLine xmlns="" xmlns:a14="http://schemas.microsoft.com/office/drawing/2010/main" w="9525">
+                  <a14:hiddenLine xmlns:a14="http://schemas.microsoft.com/office/drawing/2010/main" xmlns="" w="9525">
                     <a:solidFill>
                       <a:srgbClr val="000000"/>
                     </a:solidFill>
@@ -17265,7 +20921,7 @@
               </a:ln>
               <a:extLst>
                 <a:ext uri="{91240B29-F687-4f45-9708-019B960494DF}">
-                  <a14:hiddenLine xmlns="" xmlns:a14="http://schemas.microsoft.com/office/drawing/2010/main" w="9525">
+                  <a14:hiddenLine xmlns:a14="http://schemas.microsoft.com/office/drawing/2010/main" xmlns="" w="9525">
                     <a:solidFill>
                       <a:srgbClr val="000000"/>
                     </a:solidFill>
@@ -17355,7 +21011,7 @@
               </a:ln>
               <a:extLst>
                 <a:ext uri="{91240B29-F687-4f45-9708-019B960494DF}">
-                  <a14:hiddenLine xmlns="" xmlns:a14="http://schemas.microsoft.com/office/drawing/2010/main" w="9525">
+                  <a14:hiddenLine xmlns:a14="http://schemas.microsoft.com/office/drawing/2010/main" xmlns="" w="9525">
                     <a:solidFill>
                       <a:srgbClr val="000000"/>
                     </a:solidFill>
@@ -17389,7 +21045,7 @@
               </a:ln>
               <a:extLst>
                 <a:ext uri="{91240B29-F687-4f45-9708-019B960494DF}">
-                  <a14:hiddenLine xmlns="" xmlns:a14="http://schemas.microsoft.com/office/drawing/2010/main" w="9525">
+                  <a14:hiddenLine xmlns:a14="http://schemas.microsoft.com/office/drawing/2010/main" xmlns="" w="9525">
                     <a:solidFill>
                       <a:srgbClr val="000000"/>
                     </a:solidFill>
@@ -17454,7 +21110,7 @@
               </a:ln>
               <a:extLst>
                 <a:ext uri="{91240B29-F687-4f45-9708-019B960494DF}">
-                  <a14:hiddenLine xmlns="" xmlns:a14="http://schemas.microsoft.com/office/drawing/2010/main" w="9525">
+                  <a14:hiddenLine xmlns:a14="http://schemas.microsoft.com/office/drawing/2010/main" xmlns="" w="9525">
                     <a:solidFill>
                       <a:srgbClr val="000000"/>
                     </a:solidFill>
@@ -17544,7 +21200,7 @@
               </a:ln>
               <a:extLst>
                 <a:ext uri="{91240B29-F687-4f45-9708-019B960494DF}">
-                  <a14:hiddenLine xmlns="" xmlns:a14="http://schemas.microsoft.com/office/drawing/2010/main" w="9525">
+                  <a14:hiddenLine xmlns:a14="http://schemas.microsoft.com/office/drawing/2010/main" xmlns="" w="9525">
                     <a:solidFill>
                       <a:srgbClr val="000000"/>
                     </a:solidFill>
@@ -17606,7 +21262,7 @@
               </a:ln>
               <a:extLst>
                 <a:ext uri="{91240B29-F687-4f45-9708-019B960494DF}">
-                  <a14:hiddenLine xmlns="" xmlns:a14="http://schemas.microsoft.com/office/drawing/2010/main" w="9525">
+                  <a14:hiddenLine xmlns:a14="http://schemas.microsoft.com/office/drawing/2010/main" xmlns="" w="9525">
                     <a:solidFill>
                       <a:srgbClr val="000000"/>
                     </a:solidFill>
@@ -17696,7 +21352,7 @@
               </a:ln>
               <a:extLst>
                 <a:ext uri="{91240B29-F687-4f45-9708-019B960494DF}">
-                  <a14:hiddenLine xmlns="" xmlns:a14="http://schemas.microsoft.com/office/drawing/2010/main" w="9525">
+                  <a14:hiddenLine xmlns:a14="http://schemas.microsoft.com/office/drawing/2010/main" xmlns="" w="9525">
                     <a:solidFill>
                       <a:srgbClr val="000000"/>
                     </a:solidFill>
@@ -17761,7 +21417,7 @@
               </a:ln>
               <a:extLst>
                 <a:ext uri="{91240B29-F687-4f45-9708-019B960494DF}">
-                  <a14:hiddenLine xmlns="" xmlns:a14="http://schemas.microsoft.com/office/drawing/2010/main" w="9525">
+                  <a14:hiddenLine xmlns:a14="http://schemas.microsoft.com/office/drawing/2010/main" xmlns="" w="9525">
                     <a:solidFill>
                       <a:srgbClr val="000000"/>
                     </a:solidFill>
@@ -17823,7 +21479,7 @@
               </a:ln>
               <a:extLst>
                 <a:ext uri="{91240B29-F687-4f45-9708-019B960494DF}">
-                  <a14:hiddenLine xmlns="" xmlns:a14="http://schemas.microsoft.com/office/drawing/2010/main" w="9525">
+                  <a14:hiddenLine xmlns:a14="http://schemas.microsoft.com/office/drawing/2010/main" xmlns="" w="9525">
                     <a:solidFill>
                       <a:srgbClr val="000000"/>
                     </a:solidFill>
@@ -17913,7 +21569,7 @@
               </a:ln>
               <a:extLst>
                 <a:ext uri="{91240B29-F687-4f45-9708-019B960494DF}">
-                  <a14:hiddenLine xmlns="" xmlns:a14="http://schemas.microsoft.com/office/drawing/2010/main" w="9525">
+                  <a14:hiddenLine xmlns:a14="http://schemas.microsoft.com/office/drawing/2010/main" xmlns="" w="9525">
                     <a:solidFill>
                       <a:srgbClr val="000000"/>
                     </a:solidFill>
@@ -18003,7 +21659,7 @@
               </a:ln>
               <a:extLst>
                 <a:ext uri="{91240B29-F687-4f45-9708-019B960494DF}">
-                  <a14:hiddenLine xmlns="" xmlns:a14="http://schemas.microsoft.com/office/drawing/2010/main" w="9525">
+                  <a14:hiddenLine xmlns:a14="http://schemas.microsoft.com/office/drawing/2010/main" xmlns="" w="9525">
                     <a:solidFill>
                       <a:srgbClr val="000000"/>
                     </a:solidFill>
@@ -18068,7 +21724,7 @@
               </a:ln>
               <a:extLst>
                 <a:ext uri="{91240B29-F687-4f45-9708-019B960494DF}">
-                  <a14:hiddenLine xmlns="" xmlns:a14="http://schemas.microsoft.com/office/drawing/2010/main" w="9525">
+                  <a14:hiddenLine xmlns:a14="http://schemas.microsoft.com/office/drawing/2010/main" xmlns="" w="9525">
                     <a:solidFill>
                       <a:srgbClr val="000000"/>
                     </a:solidFill>
@@ -18188,7 +21844,7 @@
               </a:ln>
               <a:extLst>
                 <a:ext uri="{91240B29-F687-4f45-9708-019B960494DF}">
-                  <a14:hiddenLine xmlns="" xmlns:a14="http://schemas.microsoft.com/office/drawing/2010/main" w="9525">
+                  <a14:hiddenLine xmlns:a14="http://schemas.microsoft.com/office/drawing/2010/main" xmlns="" w="9525">
                     <a:solidFill>
                       <a:srgbClr val="000000"/>
                     </a:solidFill>
@@ -18269,7 +21925,7 @@
               </a:ln>
               <a:extLst>
                 <a:ext uri="{91240B29-F687-4f45-9708-019B960494DF}">
-                  <a14:hiddenLine xmlns="" xmlns:a14="http://schemas.microsoft.com/office/drawing/2010/main" w="9525">
+                  <a14:hiddenLine xmlns:a14="http://schemas.microsoft.com/office/drawing/2010/main" xmlns="" w="9525">
                     <a:solidFill>
                       <a:srgbClr val="000000"/>
                     </a:solidFill>
@@ -18384,7 +22040,7 @@
               </a:ln>
               <a:extLst>
                 <a:ext uri="{91240B29-F687-4f45-9708-019B960494DF}">
-                  <a14:hiddenLine xmlns="" xmlns:a14="http://schemas.microsoft.com/office/drawing/2010/main" w="9525">
+                  <a14:hiddenLine xmlns:a14="http://schemas.microsoft.com/office/drawing/2010/main" xmlns="" w="9525">
                     <a:solidFill>
                       <a:srgbClr val="000000"/>
                     </a:solidFill>
@@ -18474,7 +22130,7 @@
               </a:ln>
               <a:extLst>
                 <a:ext uri="{91240B29-F687-4f45-9708-019B960494DF}">
-                  <a14:hiddenLine xmlns="" xmlns:a14="http://schemas.microsoft.com/office/drawing/2010/main" w="9525">
+                  <a14:hiddenLine xmlns:a14="http://schemas.microsoft.com/office/drawing/2010/main" xmlns="" w="9525">
                     <a:solidFill>
                       <a:srgbClr val="000000"/>
                     </a:solidFill>
@@ -18539,7 +22195,7 @@
               </a:ln>
               <a:extLst>
                 <a:ext uri="{91240B29-F687-4f45-9708-019B960494DF}">
-                  <a14:hiddenLine xmlns="" xmlns:a14="http://schemas.microsoft.com/office/drawing/2010/main" w="9525">
+                  <a14:hiddenLine xmlns:a14="http://schemas.microsoft.com/office/drawing/2010/main" xmlns="" w="9525">
                     <a:solidFill>
                       <a:srgbClr val="000000"/>
                     </a:solidFill>
@@ -18629,7 +22285,7 @@
               </a:ln>
               <a:extLst>
                 <a:ext uri="{91240B29-F687-4f45-9708-019B960494DF}">
-                  <a14:hiddenLine xmlns="" xmlns:a14="http://schemas.microsoft.com/office/drawing/2010/main" w="9525">
+                  <a14:hiddenLine xmlns:a14="http://schemas.microsoft.com/office/drawing/2010/main" xmlns="" w="9525">
                     <a:solidFill>
                       <a:srgbClr val="000000"/>
                     </a:solidFill>
@@ -18697,7 +22353,7 @@
               </a:ln>
               <a:extLst>
                 <a:ext uri="{91240B29-F687-4f45-9708-019B960494DF}">
-                  <a14:hiddenLine xmlns="" xmlns:a14="http://schemas.microsoft.com/office/drawing/2010/main" w="9525">
+                  <a14:hiddenLine xmlns:a14="http://schemas.microsoft.com/office/drawing/2010/main" xmlns="" w="9525">
                     <a:solidFill>
                       <a:srgbClr val="000000"/>
                     </a:solidFill>
@@ -18787,7 +22443,7 @@
               </a:ln>
               <a:extLst>
                 <a:ext uri="{91240B29-F687-4f45-9708-019B960494DF}">
-                  <a14:hiddenLine xmlns="" xmlns:a14="http://schemas.microsoft.com/office/drawing/2010/main" w="9525">
+                  <a14:hiddenLine xmlns:a14="http://schemas.microsoft.com/office/drawing/2010/main" xmlns="" w="9525">
                     <a:solidFill>
                       <a:srgbClr val="000000"/>
                     </a:solidFill>
@@ -18855,7 +22511,7 @@
               </a:ln>
               <a:extLst>
                 <a:ext uri="{91240B29-F687-4f45-9708-019B960494DF}">
-                  <a14:hiddenLine xmlns="" xmlns:a14="http://schemas.microsoft.com/office/drawing/2010/main" w="9525">
+                  <a14:hiddenLine xmlns:a14="http://schemas.microsoft.com/office/drawing/2010/main" xmlns="" w="9525">
                     <a:solidFill>
                       <a:srgbClr val="000000"/>
                     </a:solidFill>
@@ -18945,7 +22601,7 @@
               </a:ln>
               <a:extLst>
                 <a:ext uri="{91240B29-F687-4f45-9708-019B960494DF}">
-                  <a14:hiddenLine xmlns="" xmlns:a14="http://schemas.microsoft.com/office/drawing/2010/main" w="9525">
+                  <a14:hiddenLine xmlns:a14="http://schemas.microsoft.com/office/drawing/2010/main" xmlns="" w="9525">
                     <a:solidFill>
                       <a:srgbClr val="000000"/>
                     </a:solidFill>
@@ -18979,7 +22635,7 @@
               </a:ln>
               <a:extLst>
                 <a:ext uri="{91240B29-F687-4f45-9708-019B960494DF}">
-                  <a14:hiddenLine xmlns="" xmlns:a14="http://schemas.microsoft.com/office/drawing/2010/main" w="9525">
+                  <a14:hiddenLine xmlns:a14="http://schemas.microsoft.com/office/drawing/2010/main" xmlns="" w="9525">
                     <a:solidFill>
                       <a:srgbClr val="000000"/>
                     </a:solidFill>
@@ -19699,7 +23355,7 @@
             <p:ph idx="1"/>
             <p:extLst>
               <p:ext uri="{D42A27DB-BD31-4B8C-83A1-F6EECF244321}">
-                <p14:modId xmlns:p14="http://schemas.microsoft.com/office/powerpoint/2010/main" val="244240171"/>
+                <p14:modId xmlns:p14="http://schemas.microsoft.com/office/powerpoint/2010/main" val="3571153437"/>
               </p:ext>
             </p:extLst>
           </p:nvPr>
@@ -19718,6 +23374,531 @@
     <p:extLst>
       <p:ext uri="{BB962C8B-B14F-4D97-AF65-F5344CB8AC3E}">
         <p14:creationId xmlns:p14="http://schemas.microsoft.com/office/powerpoint/2010/main" val="3253689747"/>
+      </p:ext>
+    </p:extLst>
+  </p:cSld>
+  <p:clrMapOvr>
+    <a:masterClrMapping/>
+  </p:clrMapOvr>
+</p:sld>
+</file>
+
+<file path=ppt/slides/slide11.xml><?xml version="1.0" encoding="utf-8"?>
+<p:sld xmlns:a="http://schemas.openxmlformats.org/drawingml/2006/main" xmlns:r="http://schemas.openxmlformats.org/officeDocument/2006/relationships" xmlns:p="http://schemas.openxmlformats.org/presentationml/2006/main">
+  <p:cSld>
+    <p:spTree>
+      <p:nvGrpSpPr>
+        <p:cNvPr id="1" name=""/>
+        <p:cNvGrpSpPr/>
+        <p:nvPr/>
+      </p:nvGrpSpPr>
+      <p:grpSpPr>
+        <a:xfrm>
+          <a:off x="0" y="0"/>
+          <a:ext cx="0" cy="0"/>
+          <a:chOff x="0" y="0"/>
+          <a:chExt cx="0" cy="0"/>
+        </a:xfrm>
+      </p:grpSpPr>
+      <p:sp>
+        <p:nvSpPr>
+          <p:cNvPr id="2" name="Titre 1">
+            <a:extLst>
+              <a:ext uri="{FF2B5EF4-FFF2-40B4-BE49-F238E27FC236}">
+                <a16:creationId xmlns:a16="http://schemas.microsoft.com/office/drawing/2014/main" id="{6EBF4309-7DC0-4B58-88D7-21E31449BA21}"/>
+              </a:ext>
+            </a:extLst>
+          </p:cNvPr>
+          <p:cNvSpPr>
+            <a:spLocks noGrp="1"/>
+          </p:cNvSpPr>
+          <p:nvPr>
+            <p:ph type="title"/>
+          </p:nvPr>
+        </p:nvSpPr>
+        <p:spPr/>
+        <p:txBody>
+          <a:bodyPr>
+            <a:normAutofit/>
+          </a:bodyPr>
+          <a:lstStyle/>
+          <a:p>
+            <a:r>
+              <a:rPr lang="fr-FR" sz="3200" dirty="0"/>
+              <a:t>DESCRIPTION DE LA Vulnérabilité 12636 </a:t>
+            </a:r>
+            <a:br>
+              <a:rPr lang="fr-FR" sz="3200" dirty="0"/>
+            </a:br>
+            <a:r>
+              <a:rPr lang="fr-FR" sz="1600" b="0" i="0" dirty="0" err="1">
+                <a:effectLst/>
+                <a:latin typeface="Roboto" panose="02000000000000000000" pitchFamily="2" charset="0"/>
+              </a:rPr>
+              <a:t>Arbitrary</a:t>
+            </a:r>
+            <a:r>
+              <a:rPr lang="fr-FR" sz="1600" b="0" i="0" dirty="0">
+                <a:effectLst/>
+                <a:latin typeface="Roboto" panose="02000000000000000000" pitchFamily="2" charset="0"/>
+              </a:rPr>
+              <a:t> Code </a:t>
+            </a:r>
+            <a:r>
+              <a:rPr lang="fr-FR" sz="1600" b="0" i="0" dirty="0" err="1">
+                <a:effectLst/>
+                <a:latin typeface="Roboto" panose="02000000000000000000" pitchFamily="2" charset="0"/>
+              </a:rPr>
+              <a:t>Execution</a:t>
+            </a:r>
+            <a:r>
+              <a:rPr lang="fr-FR" sz="1600" b="0" i="0" dirty="0">
+                <a:effectLst/>
+                <a:latin typeface="Roboto" panose="02000000000000000000" pitchFamily="2" charset="0"/>
+              </a:rPr>
+              <a:t> </a:t>
+            </a:r>
+            <a:br>
+              <a:rPr lang="fr-FR" sz="1600" b="0" i="0" dirty="0">
+                <a:solidFill>
+                  <a:srgbClr val="6C757D"/>
+                </a:solidFill>
+                <a:effectLst/>
+                <a:latin typeface="Roboto" panose="02000000000000000000" pitchFamily="2" charset="0"/>
+              </a:rPr>
+            </a:br>
+            <a:endParaRPr lang="fr-FR" sz="3200" dirty="0"/>
+          </a:p>
+        </p:txBody>
+      </p:sp>
+      <p:sp>
+        <p:nvSpPr>
+          <p:cNvPr id="3" name="Espace réservé du contenu 2">
+            <a:extLst>
+              <a:ext uri="{FF2B5EF4-FFF2-40B4-BE49-F238E27FC236}">
+                <a16:creationId xmlns:a16="http://schemas.microsoft.com/office/drawing/2014/main" id="{7F482ADF-B8DA-4F9D-BD5B-9C2A670D99C1}"/>
+              </a:ext>
+            </a:extLst>
+          </p:cNvPr>
+          <p:cNvSpPr>
+            <a:spLocks noGrp="1"/>
+          </p:cNvSpPr>
+          <p:nvPr>
+            <p:ph idx="1"/>
+          </p:nvPr>
+        </p:nvSpPr>
+        <p:spPr>
+          <a:xfrm>
+            <a:off x="1141413" y="1792287"/>
+            <a:ext cx="9905999" cy="4294188"/>
+          </a:xfrm>
+        </p:spPr>
+        <p:txBody>
+          <a:bodyPr>
+            <a:normAutofit/>
+          </a:bodyPr>
+          <a:lstStyle/>
+          <a:p>
+            <a:pPr marL="0" indent="0">
+              <a:buNone/>
+            </a:pPr>
+            <a:endParaRPr lang="fr-FR" sz="2000" b="1" dirty="0">
+              <a:latin typeface="+mj-lt"/>
+            </a:endParaRPr>
+          </a:p>
+          <a:p>
+            <a:pPr marL="0" indent="0">
+              <a:buNone/>
+            </a:pPr>
+            <a:r>
+              <a:rPr lang="fr-FR" sz="2000" b="1" i="0" dirty="0">
+                <a:effectLst/>
+                <a:latin typeface="+mj-lt"/>
+              </a:rPr>
+              <a:t>Les utilisateurs  de </a:t>
+            </a:r>
+            <a:r>
+              <a:rPr lang="fr-FR" sz="2000" b="1" i="0" dirty="0" err="1">
+                <a:effectLst/>
+                <a:latin typeface="+mj-lt"/>
+              </a:rPr>
+              <a:t>CouchDB</a:t>
+            </a:r>
+            <a:r>
+              <a:rPr lang="fr-FR" sz="2000" b="1" i="0" dirty="0">
+                <a:effectLst/>
+                <a:latin typeface="+mj-lt"/>
+              </a:rPr>
+              <a:t> peuvent configurer le serveur de base de données via HTTP(S). Certaines des options de configuration incluent des chemins pour les binaires au niveau du système d’exploitation qui sont ensuite lancés par </a:t>
+            </a:r>
+            <a:r>
+              <a:rPr lang="fr-FR" sz="2000" b="1" i="0" dirty="0" err="1">
+                <a:effectLst/>
+                <a:latin typeface="+mj-lt"/>
+              </a:rPr>
+              <a:t>CouchDB</a:t>
+            </a:r>
+            <a:r>
+              <a:rPr lang="fr-FR" sz="2000" b="1" i="0" dirty="0">
+                <a:effectLst/>
+                <a:latin typeface="+mj-lt"/>
+              </a:rPr>
+              <a:t>. </a:t>
+            </a:r>
+          </a:p>
+          <a:p>
+            <a:pPr marL="0" indent="0">
+              <a:buNone/>
+            </a:pPr>
+            <a:endParaRPr lang="fr-FR" sz="2000" b="1" i="0" dirty="0">
+              <a:effectLst/>
+              <a:latin typeface="+mj-lt"/>
+            </a:endParaRPr>
+          </a:p>
+          <a:p>
+            <a:pPr marL="0" indent="0">
+              <a:buNone/>
+            </a:pPr>
+            <a:r>
+              <a:rPr lang="fr-FR" sz="2000" b="1" i="0" dirty="0">
+                <a:effectLst/>
+                <a:latin typeface="+mj-lt"/>
+              </a:rPr>
+              <a:t>Cela permet à un utilisateur admin d’Apache </a:t>
+            </a:r>
+            <a:r>
+              <a:rPr lang="fr-FR" sz="2000" b="1" i="0" dirty="0" err="1">
+                <a:effectLst/>
+                <a:latin typeface="+mj-lt"/>
+              </a:rPr>
+              <a:t>CouchDB</a:t>
+            </a:r>
+            <a:r>
+              <a:rPr lang="fr-FR" sz="2000" b="1" i="0" dirty="0">
+                <a:effectLst/>
+                <a:latin typeface="+mj-lt"/>
+              </a:rPr>
+              <a:t> avant 1.7.0 et 2.x avant 2.1.1 d’exécuter des commandes </a:t>
+            </a:r>
+            <a:r>
+              <a:rPr lang="fr-FR" sz="2000" b="1" i="0" dirty="0" err="1">
+                <a:effectLst/>
+                <a:latin typeface="+mj-lt"/>
+              </a:rPr>
+              <a:t>shell</a:t>
+            </a:r>
+            <a:r>
+              <a:rPr lang="fr-FR" sz="2000" b="1" i="0" dirty="0">
+                <a:effectLst/>
+                <a:latin typeface="+mj-lt"/>
+              </a:rPr>
+              <a:t> arbitraires en tant qu’utilisateur </a:t>
+            </a:r>
+            <a:r>
+              <a:rPr lang="fr-FR" sz="2000" b="1" i="0" dirty="0" err="1">
+                <a:effectLst/>
+                <a:latin typeface="+mj-lt"/>
+              </a:rPr>
+              <a:t>CouchDB</a:t>
+            </a:r>
+            <a:r>
+              <a:rPr lang="fr-FR" sz="2000" b="1" i="0" dirty="0">
+                <a:effectLst/>
+                <a:latin typeface="+mj-lt"/>
+              </a:rPr>
+              <a:t>, y compris le téléchargement et l’exécution de scripts à partir d’Internet.</a:t>
+            </a:r>
+            <a:br>
+              <a:rPr lang="fr-FR" sz="2000" b="1" dirty="0">
+                <a:latin typeface="+mj-lt"/>
+              </a:rPr>
+            </a:br>
+            <a:endParaRPr lang="fr-FR" sz="2000" b="1" dirty="0">
+              <a:latin typeface="+mj-lt"/>
+            </a:endParaRPr>
+          </a:p>
+        </p:txBody>
+      </p:sp>
+    </p:spTree>
+    <p:extLst>
+      <p:ext uri="{BB962C8B-B14F-4D97-AF65-F5344CB8AC3E}">
+        <p14:creationId xmlns:p14="http://schemas.microsoft.com/office/powerpoint/2010/main" val="3537281001"/>
+      </p:ext>
+    </p:extLst>
+  </p:cSld>
+  <p:clrMapOvr>
+    <a:masterClrMapping/>
+  </p:clrMapOvr>
+</p:sld>
+</file>
+
+<file path=ppt/slides/slide12.xml><?xml version="1.0" encoding="utf-8"?>
+<p:sld xmlns:a="http://schemas.openxmlformats.org/drawingml/2006/main" xmlns:r="http://schemas.openxmlformats.org/officeDocument/2006/relationships" xmlns:p="http://schemas.openxmlformats.org/presentationml/2006/main">
+  <p:cSld>
+    <p:spTree>
+      <p:nvGrpSpPr>
+        <p:cNvPr id="1" name=""/>
+        <p:cNvGrpSpPr/>
+        <p:nvPr/>
+      </p:nvGrpSpPr>
+      <p:grpSpPr>
+        <a:xfrm>
+          <a:off x="0" y="0"/>
+          <a:ext cx="0" cy="0"/>
+          <a:chOff x="0" y="0"/>
+          <a:chExt cx="0" cy="0"/>
+        </a:xfrm>
+      </p:grpSpPr>
+      <p:sp>
+        <p:nvSpPr>
+          <p:cNvPr id="2" name="Titre 1">
+            <a:extLst>
+              <a:ext uri="{FF2B5EF4-FFF2-40B4-BE49-F238E27FC236}">
+                <a16:creationId xmlns:a16="http://schemas.microsoft.com/office/drawing/2014/main" id="{6CD250EB-6270-43DB-9F82-BE13A63D4507}"/>
+              </a:ext>
+            </a:extLst>
+          </p:cNvPr>
+          <p:cNvSpPr>
+            <a:spLocks noGrp="1"/>
+          </p:cNvSpPr>
+          <p:nvPr>
+            <p:ph type="title"/>
+          </p:nvPr>
+        </p:nvSpPr>
+        <p:spPr/>
+        <p:txBody>
+          <a:bodyPr>
+            <a:normAutofit/>
+          </a:bodyPr>
+          <a:lstStyle/>
+          <a:p>
+            <a:r>
+              <a:rPr lang="fr-FR" sz="3200" dirty="0"/>
+              <a:t>QUE FAIRE En tant qu’administrateur réseaux ?</a:t>
+            </a:r>
+          </a:p>
+        </p:txBody>
+      </p:sp>
+      <p:sp>
+        <p:nvSpPr>
+          <p:cNvPr id="3" name="Espace réservé du contenu 2">
+            <a:extLst>
+              <a:ext uri="{FF2B5EF4-FFF2-40B4-BE49-F238E27FC236}">
+                <a16:creationId xmlns:a16="http://schemas.microsoft.com/office/drawing/2014/main" id="{67CEC192-947D-42C4-BA47-D6DFECF8B1F1}"/>
+              </a:ext>
+            </a:extLst>
+          </p:cNvPr>
+          <p:cNvSpPr>
+            <a:spLocks noGrp="1"/>
+          </p:cNvSpPr>
+          <p:nvPr>
+            <p:ph sz="half" idx="1"/>
+          </p:nvPr>
+        </p:nvSpPr>
+        <p:spPr/>
+        <p:txBody>
+          <a:bodyPr>
+            <a:normAutofit lnSpcReduction="10000"/>
+          </a:bodyPr>
+          <a:lstStyle/>
+          <a:p>
+            <a:r>
+              <a:rPr lang="fr-FR" sz="2800" dirty="0"/>
+              <a:t>Pour limiter l’impact ?</a:t>
+            </a:r>
+          </a:p>
+          <a:p>
+            <a:pPr marL="0" indent="0">
+              <a:buNone/>
+            </a:pPr>
+            <a:endParaRPr lang="fr-FR" sz="2800" dirty="0"/>
+          </a:p>
+          <a:p>
+            <a:pPr lvl="1">
+              <a:buFont typeface="Wingdings" panose="05000000000000000000" pitchFamily="2" charset="2"/>
+              <a:buChar char="Ø"/>
+            </a:pPr>
+            <a:r>
+              <a:rPr lang="fr-FR" sz="2400" dirty="0"/>
+              <a:t> Détection et Isolation de la machine   hébergeuse</a:t>
+            </a:r>
+          </a:p>
+          <a:p>
+            <a:pPr lvl="1">
+              <a:buFont typeface="Wingdings" panose="05000000000000000000" pitchFamily="2" charset="2"/>
+              <a:buChar char="Ø"/>
+            </a:pPr>
+            <a:r>
+              <a:rPr lang="fr-FR" sz="2400" dirty="0"/>
+              <a:t>Limiter les permissions d’accès aux Application </a:t>
+            </a:r>
+            <a:r>
+              <a:rPr lang="fr-FR" sz="2400" dirty="0" err="1"/>
+              <a:t>Programming</a:t>
+            </a:r>
+            <a:r>
+              <a:rPr lang="fr-FR" sz="2400" dirty="0"/>
+              <a:t> Interface (API)</a:t>
+            </a:r>
+          </a:p>
+          <a:p>
+            <a:pPr lvl="1"/>
+            <a:endParaRPr lang="fr-FR" sz="2400" dirty="0"/>
+          </a:p>
+          <a:p>
+            <a:pPr lvl="1"/>
+            <a:endParaRPr lang="fr-FR" dirty="0"/>
+          </a:p>
+        </p:txBody>
+      </p:sp>
+      <p:sp>
+        <p:nvSpPr>
+          <p:cNvPr id="4" name="Espace réservé du contenu 3">
+            <a:extLst>
+              <a:ext uri="{FF2B5EF4-FFF2-40B4-BE49-F238E27FC236}">
+                <a16:creationId xmlns:a16="http://schemas.microsoft.com/office/drawing/2014/main" id="{D154C0AB-B080-474F-A949-7C5DE48DC314}"/>
+              </a:ext>
+            </a:extLst>
+          </p:cNvPr>
+          <p:cNvSpPr>
+            <a:spLocks noGrp="1"/>
+          </p:cNvSpPr>
+          <p:nvPr>
+            <p:ph sz="half" idx="2"/>
+          </p:nvPr>
+        </p:nvSpPr>
+        <p:spPr/>
+        <p:txBody>
+          <a:bodyPr>
+            <a:normAutofit lnSpcReduction="10000"/>
+          </a:bodyPr>
+          <a:lstStyle/>
+          <a:p>
+            <a:r>
+              <a:rPr lang="fr-FR" sz="2800" dirty="0"/>
+              <a:t>Pour empêcher que la faille puisse être exploitée ?</a:t>
+            </a:r>
+          </a:p>
+          <a:p>
+            <a:pPr marL="0" indent="0">
+              <a:buNone/>
+            </a:pPr>
+            <a:endParaRPr lang="fr-FR" sz="2800" dirty="0"/>
+          </a:p>
+          <a:p>
+            <a:pPr lvl="1">
+              <a:buFont typeface="Wingdings" panose="05000000000000000000" pitchFamily="2" charset="2"/>
+              <a:buChar char="Ø"/>
+            </a:pPr>
+            <a:r>
+              <a:rPr lang="fr-FR" sz="2400" dirty="0"/>
+              <a:t>Mise à jour de la version de couch DB</a:t>
+            </a:r>
+          </a:p>
+          <a:p>
+            <a:pPr marL="457200" lvl="1" indent="0">
+              <a:buNone/>
+            </a:pPr>
+            <a:endParaRPr lang="fr-FR" sz="2400" dirty="0"/>
+          </a:p>
+        </p:txBody>
+      </p:sp>
+    </p:spTree>
+    <p:extLst>
+      <p:ext uri="{BB962C8B-B14F-4D97-AF65-F5344CB8AC3E}">
+        <p14:creationId xmlns:p14="http://schemas.microsoft.com/office/powerpoint/2010/main" val="4130087316"/>
+      </p:ext>
+    </p:extLst>
+  </p:cSld>
+  <p:clrMapOvr>
+    <a:masterClrMapping/>
+  </p:clrMapOvr>
+</p:sld>
+</file>
+
+<file path=ppt/slides/slide13.xml><?xml version="1.0" encoding="utf-8"?>
+<p:sld xmlns:a="http://schemas.openxmlformats.org/drawingml/2006/main" xmlns:r="http://schemas.openxmlformats.org/officeDocument/2006/relationships" xmlns:p="http://schemas.openxmlformats.org/presentationml/2006/main">
+  <p:cSld>
+    <p:spTree>
+      <p:nvGrpSpPr>
+        <p:cNvPr id="1" name=""/>
+        <p:cNvGrpSpPr/>
+        <p:nvPr/>
+      </p:nvGrpSpPr>
+      <p:grpSpPr>
+        <a:xfrm>
+          <a:off x="0" y="0"/>
+          <a:ext cx="0" cy="0"/>
+          <a:chOff x="0" y="0"/>
+          <a:chExt cx="0" cy="0"/>
+        </a:xfrm>
+      </p:grpSpPr>
+      <p:sp>
+        <p:nvSpPr>
+          <p:cNvPr id="2" name="Titre 1">
+            <a:extLst>
+              <a:ext uri="{FF2B5EF4-FFF2-40B4-BE49-F238E27FC236}">
+                <a16:creationId xmlns:a16="http://schemas.microsoft.com/office/drawing/2014/main" id="{34DB6CE4-2B13-4715-B5B2-615A55922CA1}"/>
+              </a:ext>
+            </a:extLst>
+          </p:cNvPr>
+          <p:cNvSpPr>
+            <a:spLocks noGrp="1"/>
+          </p:cNvSpPr>
+          <p:nvPr>
+            <p:ph type="title"/>
+          </p:nvPr>
+        </p:nvSpPr>
+        <p:spPr/>
+        <p:txBody>
+          <a:bodyPr rtlCol="0">
+            <a:normAutofit/>
+          </a:bodyPr>
+          <a:lstStyle/>
+          <a:p>
+            <a:pPr rtl="0"/>
+            <a:r>
+              <a:rPr lang="fr-FR" sz="4400" dirty="0">
+                <a:latin typeface="Rockwell" panose="02060603020205020403" pitchFamily="18" charset="0"/>
+              </a:rPr>
+              <a:t>Problème</a:t>
+            </a:r>
+          </a:p>
+        </p:txBody>
+      </p:sp>
+      <p:graphicFrame>
+        <p:nvGraphicFramePr>
+          <p:cNvPr id="4" name="Espace réservé du contenu 3">
+            <a:extLst>
+              <a:ext uri="{FF2B5EF4-FFF2-40B4-BE49-F238E27FC236}">
+                <a16:creationId xmlns:a16="http://schemas.microsoft.com/office/drawing/2014/main" id="{8D4F1745-A55E-4835-88EB-BC637121B608}"/>
+              </a:ext>
+              <a:ext uri="{C183D7F6-B498-43B3-948B-1728B52AA6E4}">
+                <adec:decorative xmlns:adec="http://schemas.microsoft.com/office/drawing/2017/decorative" val="1"/>
+              </a:ext>
+            </a:extLst>
+          </p:cNvPr>
+          <p:cNvGraphicFramePr>
+            <a:graphicFrameLocks noGrp="1"/>
+          </p:cNvGraphicFramePr>
+          <p:nvPr>
+            <p:ph idx="1"/>
+          </p:nvPr>
+        </p:nvGraphicFramePr>
+        <p:xfrm>
+          <a:off x="1141413" y="2249488"/>
+          <a:ext cx="9906000" cy="3541712"/>
+        </p:xfrm>
+        <a:graphic>
+          <a:graphicData uri="http://schemas.openxmlformats.org/drawingml/2006/diagram">
+            <dgm:relIds xmlns:dgm="http://schemas.openxmlformats.org/drawingml/2006/diagram" xmlns:r="http://schemas.openxmlformats.org/officeDocument/2006/relationships" r:dm="rId3" r:lo="rId4" r:qs="rId5" r:cs="rId6"/>
+          </a:graphicData>
+        </a:graphic>
+      </p:graphicFrame>
+    </p:spTree>
+    <p:extLst>
+      <p:ext uri="{BB962C8B-B14F-4D97-AF65-F5344CB8AC3E}">
+        <p14:creationId xmlns:p14="http://schemas.microsoft.com/office/powerpoint/2010/main" val="1940436211"/>
       </p:ext>
     </p:extLst>
   </p:cSld>
@@ -20438,7 +24619,9 @@
         </p:nvSpPr>
         <p:spPr/>
         <p:txBody>
-          <a:bodyPr/>
+          <a:bodyPr>
+            <a:normAutofit fontScale="85000" lnSpcReduction="10000"/>
+          </a:bodyPr>
           <a:lstStyle/>
           <a:p>
             <a:r>
@@ -20459,8 +24642,15 @@
             </a:pPr>
             <a:r>
               <a:rPr lang="fr-FR" sz="2400" dirty="0"/>
-              <a:t> Isolation de la machine   hébergeuse</a:t>
+              <a:t> Détection et Isolation de la machine   hébergeuse</a:t>
             </a:r>
+          </a:p>
+          <a:p>
+            <a:pPr lvl="1">
+              <a:buFont typeface="Wingdings" panose="05000000000000000000" pitchFamily="2" charset="2"/>
+              <a:buChar char="Ø"/>
+            </a:pPr>
+            <a:endParaRPr lang="fr-FR" sz="2400" dirty="0"/>
           </a:p>
           <a:p>
             <a:pPr lvl="1">
@@ -20469,7 +24659,15 @@
             </a:pPr>
             <a:r>
               <a:rPr lang="fr-FR" sz="2400" dirty="0"/>
-              <a:t>…</a:t>
+              <a:t>Limiter les permissions d’accès aux Application </a:t>
+            </a:r>
+            <a:r>
+              <a:rPr lang="fr-FR" sz="2400" dirty="0" err="1"/>
+              <a:t>Programming</a:t>
+            </a:r>
+            <a:r>
+              <a:rPr lang="fr-FR" sz="2400" dirty="0"/>
+              <a:t> Interface (API)</a:t>
             </a:r>
           </a:p>
           <a:p>
@@ -20501,7 +24699,7 @@
         <p:spPr/>
         <p:txBody>
           <a:bodyPr>
-            <a:normAutofit/>
+            <a:normAutofit fontScale="85000" lnSpcReduction="10000"/>
           </a:bodyPr>
           <a:lstStyle/>
           <a:p>
@@ -20531,9 +24729,16 @@
               <a:buFont typeface="Wingdings" panose="05000000000000000000" pitchFamily="2" charset="2"/>
               <a:buChar char="Ø"/>
             </a:pPr>
+            <a:endParaRPr lang="fr-FR" sz="2400" dirty="0"/>
+          </a:p>
+          <a:p>
+            <a:pPr lvl="1">
+              <a:buFont typeface="Wingdings" panose="05000000000000000000" pitchFamily="2" charset="2"/>
+              <a:buChar char="Ø"/>
+            </a:pPr>
             <a:r>
               <a:rPr lang="fr-FR" sz="2400" dirty="0"/>
-              <a:t>…</a:t>
+              <a:t>Créer des utilisateurs admin spécifiques avec un nom d’utilisateur et un mot de passe </a:t>
             </a:r>
           </a:p>
         </p:txBody>
@@ -20620,7 +24825,7 @@
             <p:ph idx="1"/>
             <p:extLst>
               <p:ext uri="{D42A27DB-BD31-4B8C-83A1-F6EECF244321}">
-                <p14:modId xmlns:p14="http://schemas.microsoft.com/office/powerpoint/2010/main" val="3125101646"/>
+                <p14:modId xmlns:p14="http://schemas.microsoft.com/office/powerpoint/2010/main" val="350090681"/>
               </p:ext>
             </p:extLst>
           </p:nvPr>
@@ -20727,10 +24932,15 @@
           </a:p>
           <a:p>
             <a:r>
-              <a:rPr lang="fr-FR"/>
+              <a:rPr lang="fr-FR" dirty="0"/>
               <a:t>Gestionnaires d’erreurs</a:t>
             </a:r>
-            <a:endParaRPr lang="fr-FR" dirty="0"/>
+          </a:p>
+          <a:p>
+            <a:r>
+              <a:rPr lang="fr-FR" dirty="0"/>
+              <a:t>Réduire la surface d’attaque pour ne pas exposer des services, accès , points d’entrées </a:t>
+            </a:r>
           </a:p>
         </p:txBody>
       </p:sp>
